--- a/00 PRESENTACIONES compartida alumnos/ED02b - Diagramas de comportamiento SEA.pptx
+++ b/00 PRESENTACIONES compartida alumnos/ED02b - Diagramas de comportamiento SEA.pptx
@@ -31,8 +31,8 @@
     <p:sldId id="353" r:id="rId19"/>
     <p:sldId id="354" r:id="rId20"/>
     <p:sldId id="355" r:id="rId21"/>
-    <p:sldId id="357" r:id="rId22"/>
-    <p:sldId id="302" r:id="rId23"/>
+    <p:sldId id="302" r:id="rId22"/>
+    <p:sldId id="357" r:id="rId23"/>
   </p:sldIdLst>
   <p:sldSz cx="9144000" cy="6858000" type="screen4x3"/>
   <p:notesSz cx="12192000" cy="6858000"/>
@@ -204,8 +204,8 @@
             <p14:sldId id="353"/>
             <p14:sldId id="354"/>
             <p14:sldId id="355"/>
+            <p14:sldId id="302"/>
             <p14:sldId id="357"/>
-            <p14:sldId id="302"/>
           </p14:sldIdLst>
         </p14:section>
       </p14:sectionLst>
@@ -241,7 +241,7 @@
 <file path=ppt/revisionInfo.xml><?xml version="1.0" encoding="utf-8"?>
 <p1510:revInfo xmlns:a="http://schemas.openxmlformats.org/drawingml/2006/main" xmlns:r="http://schemas.openxmlformats.org/officeDocument/2006/relationships" xmlns:p1510="http://schemas.microsoft.com/office/powerpoint/2015/10/main">
   <p1510:revLst>
-    <p1510:client id="{6148FBFC-C392-4943-A22E-A1ED985DCB5B}" v="12" dt="2025-07-08T11:48:45.198"/>
+    <p1510:client id="{93F31A34-6DDD-A244-0028-3EFF1DA70E0C}" v="27" dt="2025-11-02T06:41:22.681"/>
   </p1510:revLst>
 </p1510:revInfo>
 </file>
@@ -249,1129 +249,27 @@
 <file path=ppt/changesInfos/changesInfo1.xml><?xml version="1.0" encoding="utf-8"?>
 <pc:chgInfo xmlns:a="http://schemas.openxmlformats.org/drawingml/2006/main" xmlns:r="http://schemas.openxmlformats.org/officeDocument/2006/relationships" xmlns:ac="http://schemas.microsoft.com/office/drawing/2013/main/command" xmlns:pc="http://schemas.microsoft.com/office/powerpoint/2013/main/command">
   <pc:docChgLst>
-    <pc:chgData name="MIGUEL TRIGUEROS MUÑOZ" userId="93f31087-8566-4d16-a7a1-f20635823349" providerId="ADAL" clId="{88B4D73E-19ED-43A7-8D03-64AAA446BD61}"/>
-    <pc:docChg chg="undo custSel addSld delSld modSld modMainMaster">
-      <pc:chgData name="MIGUEL TRIGUEROS MUÑOZ" userId="93f31087-8566-4d16-a7a1-f20635823349" providerId="ADAL" clId="{88B4D73E-19ED-43A7-8D03-64AAA446BD61}" dt="2022-11-01T11:34:02.916" v="397" actId="20577"/>
+    <pc:chgData name="MIGUEL TRIGUEROS MUÑOZ" userId="S::miguel.trigueros@aulaxxi.murciaeduca.es::a4ee0321-97d7-430f-98a8-7ed13ff9a4bf" providerId="AD" clId="Web-{93F31A34-6DDD-A244-0028-3EFF1DA70E0C}"/>
+    <pc:docChg chg="modSld sldOrd">
+      <pc:chgData name="MIGUEL TRIGUEROS MUÑOZ" userId="S::miguel.trigueros@aulaxxi.murciaeduca.es::a4ee0321-97d7-430f-98a8-7ed13ff9a4bf" providerId="AD" clId="Web-{93F31A34-6DDD-A244-0028-3EFF1DA70E0C}" dt="2025-11-02T06:41:22.681" v="26" actId="20577"/>
       <pc:docMkLst>
         <pc:docMk/>
       </pc:docMkLst>
-      <pc:sldChg chg="delSp modSp mod">
-        <pc:chgData name="MIGUEL TRIGUEROS MUÑOZ" userId="93f31087-8566-4d16-a7a1-f20635823349" providerId="ADAL" clId="{88B4D73E-19ED-43A7-8D03-64AAA446BD61}" dt="2022-11-01T11:03:41.795" v="235" actId="478"/>
-        <pc:sldMkLst>
-          <pc:docMk/>
-          <pc:sldMk cId="308865771" sldId="256"/>
-        </pc:sldMkLst>
-      </pc:sldChg>
-      <pc:sldChg chg="del">
-        <pc:chgData name="MIGUEL TRIGUEROS MUÑOZ" userId="93f31087-8566-4d16-a7a1-f20635823349" providerId="ADAL" clId="{88B4D73E-19ED-43A7-8D03-64AAA446BD61}" dt="2022-11-01T10:58:17.753" v="0" actId="47"/>
-        <pc:sldMkLst>
-          <pc:docMk/>
-          <pc:sldMk cId="0" sldId="257"/>
-        </pc:sldMkLst>
-      </pc:sldChg>
-      <pc:sldChg chg="del">
-        <pc:chgData name="MIGUEL TRIGUEROS MUÑOZ" userId="93f31087-8566-4d16-a7a1-f20635823349" providerId="ADAL" clId="{88B4D73E-19ED-43A7-8D03-64AAA446BD61}" dt="2022-11-01T11:00:45.772" v="68" actId="47"/>
-        <pc:sldMkLst>
-          <pc:docMk/>
-          <pc:sldMk cId="0" sldId="272"/>
-        </pc:sldMkLst>
-      </pc:sldChg>
-      <pc:sldChg chg="del">
-        <pc:chgData name="MIGUEL TRIGUEROS MUÑOZ" userId="93f31087-8566-4d16-a7a1-f20635823349" providerId="ADAL" clId="{88B4D73E-19ED-43A7-8D03-64AAA446BD61}" dt="2022-11-01T11:00:46.915" v="69" actId="47"/>
-        <pc:sldMkLst>
-          <pc:docMk/>
-          <pc:sldMk cId="0" sldId="273"/>
-        </pc:sldMkLst>
-      </pc:sldChg>
-      <pc:sldChg chg="del">
-        <pc:chgData name="MIGUEL TRIGUEROS MUÑOZ" userId="93f31087-8566-4d16-a7a1-f20635823349" providerId="ADAL" clId="{88B4D73E-19ED-43A7-8D03-64AAA446BD61}" dt="2022-11-01T11:00:47.711" v="70" actId="47"/>
-        <pc:sldMkLst>
-          <pc:docMk/>
-          <pc:sldMk cId="0" sldId="274"/>
-        </pc:sldMkLst>
-      </pc:sldChg>
-      <pc:sldChg chg="del">
-        <pc:chgData name="MIGUEL TRIGUEROS MUÑOZ" userId="93f31087-8566-4d16-a7a1-f20635823349" providerId="ADAL" clId="{88B4D73E-19ED-43A7-8D03-64AAA446BD61}" dt="2022-11-01T11:00:48.560" v="71" actId="47"/>
-        <pc:sldMkLst>
-          <pc:docMk/>
-          <pc:sldMk cId="0" sldId="275"/>
-        </pc:sldMkLst>
-      </pc:sldChg>
-      <pc:sldChg chg="del">
-        <pc:chgData name="MIGUEL TRIGUEROS MUÑOZ" userId="93f31087-8566-4d16-a7a1-f20635823349" providerId="ADAL" clId="{88B4D73E-19ED-43A7-8D03-64AAA446BD61}" dt="2022-11-01T11:00:50.837" v="73" actId="47"/>
-        <pc:sldMkLst>
-          <pc:docMk/>
-          <pc:sldMk cId="0" sldId="276"/>
-        </pc:sldMkLst>
-      </pc:sldChg>
-      <pc:sldChg chg="del">
-        <pc:chgData name="MIGUEL TRIGUEROS MUÑOZ" userId="93f31087-8566-4d16-a7a1-f20635823349" providerId="ADAL" clId="{88B4D73E-19ED-43A7-8D03-64AAA446BD61}" dt="2022-11-01T11:00:49.382" v="72" actId="47"/>
-        <pc:sldMkLst>
-          <pc:docMk/>
-          <pc:sldMk cId="0" sldId="277"/>
-        </pc:sldMkLst>
-      </pc:sldChg>
-      <pc:sldChg chg="del">
-        <pc:chgData name="MIGUEL TRIGUEROS MUÑOZ" userId="93f31087-8566-4d16-a7a1-f20635823349" providerId="ADAL" clId="{88B4D73E-19ED-43A7-8D03-64AAA446BD61}" dt="2022-11-01T11:00:51.815" v="74" actId="47"/>
-        <pc:sldMkLst>
-          <pc:docMk/>
-          <pc:sldMk cId="0" sldId="293"/>
-        </pc:sldMkLst>
-      </pc:sldChg>
-      <pc:sldChg chg="addSp delSp modSp mod">
-        <pc:chgData name="MIGUEL TRIGUEROS MUÑOZ" userId="93f31087-8566-4d16-a7a1-f20635823349" providerId="ADAL" clId="{88B4D73E-19ED-43A7-8D03-64AAA446BD61}" dt="2022-11-01T11:07:33.099" v="374" actId="113"/>
-        <pc:sldMkLst>
-          <pc:docMk/>
-          <pc:sldMk cId="2182144064" sldId="295"/>
-        </pc:sldMkLst>
-      </pc:sldChg>
-      <pc:sldChg chg="delSp modSp mod">
-        <pc:chgData name="MIGUEL TRIGUEROS MUÑOZ" userId="93f31087-8566-4d16-a7a1-f20635823349" providerId="ADAL" clId="{88B4D73E-19ED-43A7-8D03-64AAA446BD61}" dt="2022-11-01T11:03:45.399" v="237" actId="478"/>
-        <pc:sldMkLst>
-          <pc:docMk/>
-          <pc:sldMk cId="3881213358" sldId="296"/>
-        </pc:sldMkLst>
-      </pc:sldChg>
-      <pc:sldChg chg="delSp modSp mod">
-        <pc:chgData name="MIGUEL TRIGUEROS MUÑOZ" userId="93f31087-8566-4d16-a7a1-f20635823349" providerId="ADAL" clId="{88B4D73E-19ED-43A7-8D03-64AAA446BD61}" dt="2022-11-01T11:03:46.722" v="238" actId="478"/>
-        <pc:sldMkLst>
-          <pc:docMk/>
-          <pc:sldMk cId="651048111" sldId="297"/>
-        </pc:sldMkLst>
-      </pc:sldChg>
-      <pc:sldChg chg="delSp modSp mod">
-        <pc:chgData name="MIGUEL TRIGUEROS MUÑOZ" userId="93f31087-8566-4d16-a7a1-f20635823349" providerId="ADAL" clId="{88B4D73E-19ED-43A7-8D03-64AAA446BD61}" dt="2022-11-01T11:03:47.654" v="239" actId="478"/>
-        <pc:sldMkLst>
-          <pc:docMk/>
-          <pc:sldMk cId="1285496475" sldId="298"/>
-        </pc:sldMkLst>
-      </pc:sldChg>
-      <pc:sldChg chg="delSp modSp mod">
-        <pc:chgData name="MIGUEL TRIGUEROS MUÑOZ" userId="93f31087-8566-4d16-a7a1-f20635823349" providerId="ADAL" clId="{88B4D73E-19ED-43A7-8D03-64AAA446BD61}" dt="2022-11-01T11:03:48.511" v="240" actId="478"/>
-        <pc:sldMkLst>
-          <pc:docMk/>
-          <pc:sldMk cId="975738591" sldId="299"/>
-        </pc:sldMkLst>
-      </pc:sldChg>
-      <pc:sldChg chg="delSp modSp mod">
-        <pc:chgData name="MIGUEL TRIGUEROS MUÑOZ" userId="93f31087-8566-4d16-a7a1-f20635823349" providerId="ADAL" clId="{88B4D73E-19ED-43A7-8D03-64AAA446BD61}" dt="2022-11-01T11:03:49.477" v="241" actId="478"/>
-        <pc:sldMkLst>
-          <pc:docMk/>
-          <pc:sldMk cId="1286011775" sldId="300"/>
-        </pc:sldMkLst>
-      </pc:sldChg>
-      <pc:sldChg chg="add del">
-        <pc:chgData name="MIGUEL TRIGUEROS MUÑOZ" userId="93f31087-8566-4d16-a7a1-f20635823349" providerId="ADAL" clId="{88B4D73E-19ED-43A7-8D03-64AAA446BD61}" dt="2022-11-01T11:01:00.328" v="77" actId="47"/>
-        <pc:sldMkLst>
-          <pc:docMk/>
-          <pc:sldMk cId="4280179594" sldId="301"/>
-        </pc:sldMkLst>
-      </pc:sldChg>
-      <pc:sldChg chg="delSp modSp mod">
-        <pc:chgData name="MIGUEL TRIGUEROS MUÑOZ" userId="93f31087-8566-4d16-a7a1-f20635823349" providerId="ADAL" clId="{88B4D73E-19ED-43A7-8D03-64AAA446BD61}" dt="2022-11-01T11:34:02.916" v="397" actId="20577"/>
+      <pc:sldChg chg="ord">
+        <pc:chgData name="MIGUEL TRIGUEROS MUÑOZ" userId="S::miguel.trigueros@aulaxxi.murciaeduca.es::a4ee0321-97d7-430f-98a8-7ed13ff9a4bf" providerId="AD" clId="Web-{93F31A34-6DDD-A244-0028-3EFF1DA70E0C}" dt="2025-11-02T06:28:57.394" v="1"/>
         <pc:sldMkLst>
           <pc:docMk/>
           <pc:sldMk cId="1662085430" sldId="302"/>
         </pc:sldMkLst>
       </pc:sldChg>
-      <pc:sldChg chg="del">
-        <pc:chgData name="MIGUEL TRIGUEROS MUÑOZ" userId="93f31087-8566-4d16-a7a1-f20635823349" providerId="ADAL" clId="{88B4D73E-19ED-43A7-8D03-64AAA446BD61}" dt="2022-11-01T11:01:03.209" v="79" actId="47"/>
-        <pc:sldMkLst>
-          <pc:docMk/>
-          <pc:sldMk cId="40683663" sldId="303"/>
-        </pc:sldMkLst>
-      </pc:sldChg>
-      <pc:sldChg chg="delSp modSp mod">
-        <pc:chgData name="MIGUEL TRIGUEROS MUÑOZ" userId="93f31087-8566-4d16-a7a1-f20635823349" providerId="ADAL" clId="{88B4D73E-19ED-43A7-8D03-64AAA446BD61}" dt="2022-11-01T11:03:50.499" v="242" actId="478"/>
-        <pc:sldMkLst>
-          <pc:docMk/>
-          <pc:sldMk cId="1878582030" sldId="304"/>
-        </pc:sldMkLst>
-      </pc:sldChg>
-      <pc:sldChg chg="delSp modSp mod">
-        <pc:chgData name="MIGUEL TRIGUEROS MUÑOZ" userId="93f31087-8566-4d16-a7a1-f20635823349" providerId="ADAL" clId="{88B4D73E-19ED-43A7-8D03-64AAA446BD61}" dt="2022-11-01T11:03:51.482" v="243" actId="478"/>
-        <pc:sldMkLst>
-          <pc:docMk/>
-          <pc:sldMk cId="524834107" sldId="305"/>
-        </pc:sldMkLst>
-      </pc:sldChg>
-      <pc:sldChg chg="delSp modSp mod">
-        <pc:chgData name="MIGUEL TRIGUEROS MUÑOZ" userId="93f31087-8566-4d16-a7a1-f20635823349" providerId="ADAL" clId="{88B4D73E-19ED-43A7-8D03-64AAA446BD61}" dt="2022-11-01T11:03:52.418" v="244" actId="478"/>
-        <pc:sldMkLst>
-          <pc:docMk/>
-          <pc:sldMk cId="3007344242" sldId="306"/>
-        </pc:sldMkLst>
-      </pc:sldChg>
-      <pc:sldChg chg="del">
-        <pc:chgData name="MIGUEL TRIGUEROS MUÑOZ" userId="93f31087-8566-4d16-a7a1-f20635823349" providerId="ADAL" clId="{88B4D73E-19ED-43A7-8D03-64AAA446BD61}" dt="2022-11-01T11:01:01.510" v="78" actId="47"/>
-        <pc:sldMkLst>
-          <pc:docMk/>
-          <pc:sldMk cId="1441313987" sldId="308"/>
-        </pc:sldMkLst>
-      </pc:sldChg>
-      <pc:sldChg chg="delSp modSp mod">
-        <pc:chgData name="MIGUEL TRIGUEROS MUÑOZ" userId="93f31087-8566-4d16-a7a1-f20635823349" providerId="ADAL" clId="{88B4D73E-19ED-43A7-8D03-64AAA446BD61}" dt="2022-11-01T11:03:53.358" v="245" actId="478"/>
-        <pc:sldMkLst>
-          <pc:docMk/>
-          <pc:sldMk cId="1679762254" sldId="309"/>
-        </pc:sldMkLst>
-      </pc:sldChg>
-      <pc:sldChg chg="delSp modSp mod">
-        <pc:chgData name="MIGUEL TRIGUEROS MUÑOZ" userId="93f31087-8566-4d16-a7a1-f20635823349" providerId="ADAL" clId="{88B4D73E-19ED-43A7-8D03-64AAA446BD61}" dt="2022-11-01T11:03:54.529" v="246" actId="478"/>
-        <pc:sldMkLst>
-          <pc:docMk/>
-          <pc:sldMk cId="2242644199" sldId="310"/>
-        </pc:sldMkLst>
-      </pc:sldChg>
-      <pc:sldChg chg="delSp modSp mod">
-        <pc:chgData name="MIGUEL TRIGUEROS MUÑOZ" userId="93f31087-8566-4d16-a7a1-f20635823349" providerId="ADAL" clId="{88B4D73E-19ED-43A7-8D03-64AAA446BD61}" dt="2022-11-01T11:04:18.335" v="260" actId="1038"/>
-        <pc:sldMkLst>
-          <pc:docMk/>
-          <pc:sldMk cId="1813723418" sldId="311"/>
-        </pc:sldMkLst>
-      </pc:sldChg>
-      <pc:sldChg chg="delSp modSp mod">
-        <pc:chgData name="MIGUEL TRIGUEROS MUÑOZ" userId="93f31087-8566-4d16-a7a1-f20635823349" providerId="ADAL" clId="{88B4D73E-19ED-43A7-8D03-64AAA446BD61}" dt="2022-11-01T11:03:56.863" v="248" actId="478"/>
-        <pc:sldMkLst>
-          <pc:docMk/>
-          <pc:sldMk cId="2269836530" sldId="312"/>
-        </pc:sldMkLst>
-      </pc:sldChg>
-      <pc:sldChg chg="delSp modSp mod">
-        <pc:chgData name="MIGUEL TRIGUEROS MUÑOZ" userId="93f31087-8566-4d16-a7a1-f20635823349" providerId="ADAL" clId="{88B4D73E-19ED-43A7-8D03-64AAA446BD61}" dt="2022-11-01T11:03:58.101" v="249" actId="478"/>
-        <pc:sldMkLst>
-          <pc:docMk/>
-          <pc:sldMk cId="1814859966" sldId="313"/>
-        </pc:sldMkLst>
-      </pc:sldChg>
-      <pc:sldChg chg="modSp new mod">
-        <pc:chgData name="MIGUEL TRIGUEROS MUÑOZ" userId="93f31087-8566-4d16-a7a1-f20635823349" providerId="ADAL" clId="{88B4D73E-19ED-43A7-8D03-64AAA446BD61}" dt="2022-11-01T11:03:24.021" v="234"/>
-        <pc:sldMkLst>
-          <pc:docMk/>
-          <pc:sldMk cId="745458148" sldId="314"/>
-        </pc:sldMkLst>
-      </pc:sldChg>
-      <pc:sldMasterChg chg="modSp modSldLayout">
-        <pc:chgData name="MIGUEL TRIGUEROS MUÑOZ" userId="93f31087-8566-4d16-a7a1-f20635823349" providerId="ADAL" clId="{88B4D73E-19ED-43A7-8D03-64AAA446BD61}" dt="2022-11-01T11:03:24.021" v="234"/>
-        <pc:sldMasterMkLst>
-          <pc:docMk/>
-          <pc:sldMasterMk cId="1556463269" sldId="2147483650"/>
-        </pc:sldMasterMkLst>
-        <pc:sldLayoutChg chg="modSp">
-          <pc:chgData name="MIGUEL TRIGUEROS MUÑOZ" userId="93f31087-8566-4d16-a7a1-f20635823349" providerId="ADAL" clId="{88B4D73E-19ED-43A7-8D03-64AAA446BD61}" dt="2022-11-01T11:03:24.021" v="234"/>
-          <pc:sldLayoutMkLst>
-            <pc:docMk/>
-            <pc:sldMasterMk cId="1556463269" sldId="2147483650"/>
-            <pc:sldLayoutMk cId="2457708068" sldId="2147483651"/>
-          </pc:sldLayoutMkLst>
-        </pc:sldLayoutChg>
-        <pc:sldLayoutChg chg="modSp">
-          <pc:chgData name="MIGUEL TRIGUEROS MUÑOZ" userId="93f31087-8566-4d16-a7a1-f20635823349" providerId="ADAL" clId="{88B4D73E-19ED-43A7-8D03-64AAA446BD61}" dt="2022-11-01T11:03:24.021" v="234"/>
-          <pc:sldLayoutMkLst>
-            <pc:docMk/>
-            <pc:sldMasterMk cId="1556463269" sldId="2147483650"/>
-            <pc:sldLayoutMk cId="476614851" sldId="2147483653"/>
-          </pc:sldLayoutMkLst>
-        </pc:sldLayoutChg>
-        <pc:sldLayoutChg chg="modSp">
-          <pc:chgData name="MIGUEL TRIGUEROS MUÑOZ" userId="93f31087-8566-4d16-a7a1-f20635823349" providerId="ADAL" clId="{88B4D73E-19ED-43A7-8D03-64AAA446BD61}" dt="2022-11-01T11:03:24.021" v="234"/>
-          <pc:sldLayoutMkLst>
-            <pc:docMk/>
-            <pc:sldMasterMk cId="1556463269" sldId="2147483650"/>
-            <pc:sldLayoutMk cId="3626004973" sldId="2147483654"/>
-          </pc:sldLayoutMkLst>
-        </pc:sldLayoutChg>
-        <pc:sldLayoutChg chg="modSp">
-          <pc:chgData name="MIGUEL TRIGUEROS MUÑOZ" userId="93f31087-8566-4d16-a7a1-f20635823349" providerId="ADAL" clId="{88B4D73E-19ED-43A7-8D03-64AAA446BD61}" dt="2022-11-01T11:03:24.021" v="234"/>
-          <pc:sldLayoutMkLst>
-            <pc:docMk/>
-            <pc:sldMasterMk cId="1556463269" sldId="2147483650"/>
-            <pc:sldLayoutMk cId="1820072059" sldId="2147483655"/>
-          </pc:sldLayoutMkLst>
-        </pc:sldLayoutChg>
-        <pc:sldLayoutChg chg="modSp">
-          <pc:chgData name="MIGUEL TRIGUEROS MUÑOZ" userId="93f31087-8566-4d16-a7a1-f20635823349" providerId="ADAL" clId="{88B4D73E-19ED-43A7-8D03-64AAA446BD61}" dt="2022-11-01T11:03:24.021" v="234"/>
-          <pc:sldLayoutMkLst>
-            <pc:docMk/>
-            <pc:sldMasterMk cId="1556463269" sldId="2147483650"/>
-            <pc:sldLayoutMk cId="1306797549" sldId="2147483656"/>
-          </pc:sldLayoutMkLst>
-        </pc:sldLayoutChg>
-        <pc:sldLayoutChg chg="modSp">
-          <pc:chgData name="MIGUEL TRIGUEROS MUÑOZ" userId="93f31087-8566-4d16-a7a1-f20635823349" providerId="ADAL" clId="{88B4D73E-19ED-43A7-8D03-64AAA446BD61}" dt="2022-11-01T11:03:24.021" v="234"/>
-          <pc:sldLayoutMkLst>
-            <pc:docMk/>
-            <pc:sldMasterMk cId="1556463269" sldId="2147483650"/>
-            <pc:sldLayoutMk cId="1145431880" sldId="2147483658"/>
-          </pc:sldLayoutMkLst>
-        </pc:sldLayoutChg>
-        <pc:sldLayoutChg chg="modSp">
-          <pc:chgData name="MIGUEL TRIGUEROS MUÑOZ" userId="93f31087-8566-4d16-a7a1-f20635823349" providerId="ADAL" clId="{88B4D73E-19ED-43A7-8D03-64AAA446BD61}" dt="2022-11-01T11:03:24.021" v="234"/>
-          <pc:sldLayoutMkLst>
-            <pc:docMk/>
-            <pc:sldMasterMk cId="1556463269" sldId="2147483650"/>
-            <pc:sldLayoutMk cId="483850310" sldId="2147483659"/>
-          </pc:sldLayoutMkLst>
-        </pc:sldLayoutChg>
-        <pc:sldLayoutChg chg="modSp">
-          <pc:chgData name="MIGUEL TRIGUEROS MUÑOZ" userId="93f31087-8566-4d16-a7a1-f20635823349" providerId="ADAL" clId="{88B4D73E-19ED-43A7-8D03-64AAA446BD61}" dt="2022-11-01T11:03:24.021" v="234"/>
-          <pc:sldLayoutMkLst>
-            <pc:docMk/>
-            <pc:sldMasterMk cId="1556463269" sldId="2147483650"/>
-            <pc:sldLayoutMk cId="3010608803" sldId="2147483660"/>
-          </pc:sldLayoutMkLst>
-        </pc:sldLayoutChg>
-        <pc:sldLayoutChg chg="modSp">
-          <pc:chgData name="MIGUEL TRIGUEROS MUÑOZ" userId="93f31087-8566-4d16-a7a1-f20635823349" providerId="ADAL" clId="{88B4D73E-19ED-43A7-8D03-64AAA446BD61}" dt="2022-11-01T11:03:24.021" v="234"/>
-          <pc:sldLayoutMkLst>
-            <pc:docMk/>
-            <pc:sldMasterMk cId="1556463269" sldId="2147483650"/>
-            <pc:sldLayoutMk cId="4005746396" sldId="2147483661"/>
-          </pc:sldLayoutMkLst>
-        </pc:sldLayoutChg>
-        <pc:sldLayoutChg chg="modSp">
-          <pc:chgData name="MIGUEL TRIGUEROS MUÑOZ" userId="93f31087-8566-4d16-a7a1-f20635823349" providerId="ADAL" clId="{88B4D73E-19ED-43A7-8D03-64AAA446BD61}" dt="2022-11-01T11:03:24.021" v="234"/>
-          <pc:sldLayoutMkLst>
-            <pc:docMk/>
-            <pc:sldMasterMk cId="1556463269" sldId="2147483650"/>
-            <pc:sldLayoutMk cId="3598708856" sldId="2147483662"/>
-          </pc:sldLayoutMkLst>
-        </pc:sldLayoutChg>
-        <pc:sldLayoutChg chg="modSp">
-          <pc:chgData name="MIGUEL TRIGUEROS MUÑOZ" userId="93f31087-8566-4d16-a7a1-f20635823349" providerId="ADAL" clId="{88B4D73E-19ED-43A7-8D03-64AAA446BD61}" dt="2022-11-01T11:03:24.021" v="234"/>
-          <pc:sldLayoutMkLst>
-            <pc:docMk/>
-            <pc:sldMasterMk cId="1556463269" sldId="2147483650"/>
-            <pc:sldLayoutMk cId="4071405183" sldId="2147483663"/>
-          </pc:sldLayoutMkLst>
-        </pc:sldLayoutChg>
-        <pc:sldLayoutChg chg="modSp">
-          <pc:chgData name="MIGUEL TRIGUEROS MUÑOZ" userId="93f31087-8566-4d16-a7a1-f20635823349" providerId="ADAL" clId="{88B4D73E-19ED-43A7-8D03-64AAA446BD61}" dt="2022-11-01T11:03:24.021" v="234"/>
-          <pc:sldLayoutMkLst>
-            <pc:docMk/>
-            <pc:sldMasterMk cId="1556463269" sldId="2147483650"/>
-            <pc:sldLayoutMk cId="3029885662" sldId="2147483664"/>
-          </pc:sldLayoutMkLst>
-        </pc:sldLayoutChg>
-        <pc:sldLayoutChg chg="modSp">
-          <pc:chgData name="MIGUEL TRIGUEROS MUÑOZ" userId="93f31087-8566-4d16-a7a1-f20635823349" providerId="ADAL" clId="{88B4D73E-19ED-43A7-8D03-64AAA446BD61}" dt="2022-11-01T11:03:24.021" v="234"/>
-          <pc:sldLayoutMkLst>
-            <pc:docMk/>
-            <pc:sldMasterMk cId="1556463269" sldId="2147483650"/>
-            <pc:sldLayoutMk cId="727740866" sldId="2147483666"/>
-          </pc:sldLayoutMkLst>
-        </pc:sldLayoutChg>
-      </pc:sldMasterChg>
-    </pc:docChg>
-  </pc:docChgLst>
-  <pc:docChgLst>
-    <pc:chgData name="MIGUEL TRIGUEROS MUÑOZ" userId="93f31087-8566-4d16-a7a1-f20635823349" providerId="ADAL" clId="{28A45800-A829-4FF9-9AF1-45101DDF326D}"/>
-    <pc:docChg chg="undo custSel addSld delSld modSld">
-      <pc:chgData name="MIGUEL TRIGUEROS MUÑOZ" userId="93f31087-8566-4d16-a7a1-f20635823349" providerId="ADAL" clId="{28A45800-A829-4FF9-9AF1-45101DDF326D}" dt="2022-11-13T18:01:51.441" v="523" actId="11"/>
-      <pc:docMkLst>
-        <pc:docMk/>
-      </pc:docMkLst>
-      <pc:sldChg chg="delSp modSp mod">
-        <pc:chgData name="MIGUEL TRIGUEROS MUÑOZ" userId="93f31087-8566-4d16-a7a1-f20635823349" providerId="ADAL" clId="{28A45800-A829-4FF9-9AF1-45101DDF326D}" dt="2022-11-13T06:28:42.575" v="312" actId="113"/>
-        <pc:sldMkLst>
-          <pc:docMk/>
-          <pc:sldMk cId="3881213358" sldId="296"/>
-        </pc:sldMkLst>
-      </pc:sldChg>
-      <pc:sldChg chg="modSp mod">
-        <pc:chgData name="MIGUEL TRIGUEROS MUÑOZ" userId="93f31087-8566-4d16-a7a1-f20635823349" providerId="ADAL" clId="{28A45800-A829-4FF9-9AF1-45101DDF326D}" dt="2022-11-13T17:55:53.386" v="473" actId="207"/>
-        <pc:sldMkLst>
-          <pc:docMk/>
-          <pc:sldMk cId="1286011775" sldId="300"/>
-        </pc:sldMkLst>
-      </pc:sldChg>
-      <pc:sldChg chg="modSp add del mod">
-        <pc:chgData name="MIGUEL TRIGUEROS MUÑOZ" userId="93f31087-8566-4d16-a7a1-f20635823349" providerId="ADAL" clId="{28A45800-A829-4FF9-9AF1-45101DDF326D}" dt="2022-11-13T17:59:04.065" v="478"/>
-        <pc:sldMkLst>
-          <pc:docMk/>
-          <pc:sldMk cId="1564841555" sldId="301"/>
-        </pc:sldMkLst>
-      </pc:sldChg>
-      <pc:sldChg chg="modSp mod">
-        <pc:chgData name="MIGUEL TRIGUEROS MUÑOZ" userId="93f31087-8566-4d16-a7a1-f20635823349" providerId="ADAL" clId="{28A45800-A829-4FF9-9AF1-45101DDF326D}" dt="2022-11-13T18:01:51.441" v="523" actId="11"/>
-        <pc:sldMkLst>
-          <pc:docMk/>
-          <pc:sldMk cId="1662085430" sldId="302"/>
-        </pc:sldMkLst>
-      </pc:sldChg>
-      <pc:sldChg chg="modSp add del mod">
-        <pc:chgData name="MIGUEL TRIGUEROS MUÑOZ" userId="93f31087-8566-4d16-a7a1-f20635823349" providerId="ADAL" clId="{28A45800-A829-4FF9-9AF1-45101DDF326D}" dt="2022-11-13T18:01:36.302" v="522" actId="20577"/>
-        <pc:sldMkLst>
-          <pc:docMk/>
-          <pc:sldMk cId="1441313987" sldId="308"/>
-        </pc:sldMkLst>
-      </pc:sldChg>
-      <pc:sldChg chg="modSp mod">
-        <pc:chgData name="MIGUEL TRIGUEROS MUÑOZ" userId="93f31087-8566-4d16-a7a1-f20635823349" providerId="ADAL" clId="{28A45800-A829-4FF9-9AF1-45101DDF326D}" dt="2022-11-13T17:56:50.534" v="474" actId="20577"/>
-        <pc:sldMkLst>
-          <pc:docMk/>
-          <pc:sldMk cId="1679762254" sldId="309"/>
-        </pc:sldMkLst>
-      </pc:sldChg>
-      <pc:sldChg chg="modSp mod">
-        <pc:chgData name="MIGUEL TRIGUEROS MUÑOZ" userId="93f31087-8566-4d16-a7a1-f20635823349" providerId="ADAL" clId="{28A45800-A829-4FF9-9AF1-45101DDF326D}" dt="2022-11-13T05:46:50.057" v="28" actId="20577"/>
-        <pc:sldMkLst>
-          <pc:docMk/>
-          <pc:sldMk cId="2242644199" sldId="310"/>
-        </pc:sldMkLst>
-      </pc:sldChg>
-      <pc:sldChg chg="modSp mod">
-        <pc:chgData name="MIGUEL TRIGUEROS MUÑOZ" userId="93f31087-8566-4d16-a7a1-f20635823349" providerId="ADAL" clId="{28A45800-A829-4FF9-9AF1-45101DDF326D}" dt="2022-11-13T18:00:24.255" v="510" actId="20577"/>
-        <pc:sldMkLst>
-          <pc:docMk/>
-          <pc:sldMk cId="1814859966" sldId="313"/>
-        </pc:sldMkLst>
-      </pc:sldChg>
-      <pc:sldChg chg="modSp mod">
-        <pc:chgData name="MIGUEL TRIGUEROS MUÑOZ" userId="93f31087-8566-4d16-a7a1-f20635823349" providerId="ADAL" clId="{28A45800-A829-4FF9-9AF1-45101DDF326D}" dt="2022-11-13T17:54:34.728" v="469" actId="1076"/>
-        <pc:sldMkLst>
-          <pc:docMk/>
-          <pc:sldMk cId="745458148" sldId="314"/>
-        </pc:sldMkLst>
-      </pc:sldChg>
-      <pc:sldChg chg="delSp modSp add mod">
-        <pc:chgData name="MIGUEL TRIGUEROS MUÑOZ" userId="93f31087-8566-4d16-a7a1-f20635823349" providerId="ADAL" clId="{28A45800-A829-4FF9-9AF1-45101DDF326D}" dt="2022-11-13T06:30:20.958" v="344" actId="122"/>
-        <pc:sldMkLst>
-          <pc:docMk/>
-          <pc:sldMk cId="279635090" sldId="315"/>
-        </pc:sldMkLst>
-      </pc:sldChg>
-      <pc:sldChg chg="addSp delSp modSp add del mod">
-        <pc:chgData name="MIGUEL TRIGUEROS MUÑOZ" userId="93f31087-8566-4d16-a7a1-f20635823349" providerId="ADAL" clId="{28A45800-A829-4FF9-9AF1-45101DDF326D}" dt="2022-11-13T17:59:32.177" v="485" actId="14100"/>
-        <pc:sldMkLst>
-          <pc:docMk/>
-          <pc:sldMk cId="2861142992" sldId="316"/>
-        </pc:sldMkLst>
-      </pc:sldChg>
-      <pc:sldChg chg="modSp add del mod">
-        <pc:chgData name="MIGUEL TRIGUEROS MUÑOZ" userId="93f31087-8566-4d16-a7a1-f20635823349" providerId="ADAL" clId="{28A45800-A829-4FF9-9AF1-45101DDF326D}" dt="2022-11-13T10:20:27.303" v="430"/>
-        <pc:sldMkLst>
-          <pc:docMk/>
-          <pc:sldMk cId="2928801094" sldId="317"/>
-        </pc:sldMkLst>
-      </pc:sldChg>
-      <pc:sldChg chg="modSp add del mod">
-        <pc:chgData name="MIGUEL TRIGUEROS MUÑOZ" userId="93f31087-8566-4d16-a7a1-f20635823349" providerId="ADAL" clId="{28A45800-A829-4FF9-9AF1-45101DDF326D}" dt="2022-11-13T10:20:27.303" v="430"/>
-        <pc:sldMkLst>
-          <pc:docMk/>
-          <pc:sldMk cId="579504102" sldId="318"/>
-        </pc:sldMkLst>
-      </pc:sldChg>
-      <pc:sldChg chg="modSp add del mod">
-        <pc:chgData name="MIGUEL TRIGUEROS MUÑOZ" userId="93f31087-8566-4d16-a7a1-f20635823349" providerId="ADAL" clId="{28A45800-A829-4FF9-9AF1-45101DDF326D}" dt="2022-11-13T10:20:27.303" v="430"/>
-        <pc:sldMkLst>
-          <pc:docMk/>
-          <pc:sldMk cId="3820478449" sldId="319"/>
-        </pc:sldMkLst>
-      </pc:sldChg>
-      <pc:sldChg chg="add">
-        <pc:chgData name="MIGUEL TRIGUEROS MUÑOZ" userId="93f31087-8566-4d16-a7a1-f20635823349" providerId="ADAL" clId="{28A45800-A829-4FF9-9AF1-45101DDF326D}" dt="2022-11-13T17:59:11.427" v="479" actId="2890"/>
-        <pc:sldMkLst>
-          <pc:docMk/>
-          <pc:sldMk cId="3143426356" sldId="320"/>
-        </pc:sldMkLst>
-      </pc:sldChg>
-    </pc:docChg>
-  </pc:docChgLst>
-  <pc:docChgLst>
-    <pc:chgData name="MIGUEL TRIGUEROS MUÑOZ" userId="S::miguel.trigueros@aulaxxi.murciaeduca.es::a4ee0321-97d7-430f-98a8-7ed13ff9a4bf" providerId="AD" clId="Web-{F84A73B3-7A0D-9E72-9405-59F7710A5BA6}"/>
-    <pc:docChg chg="modSld">
-      <pc:chgData name="MIGUEL TRIGUEROS MUÑOZ" userId="S::miguel.trigueros@aulaxxi.murciaeduca.es::a4ee0321-97d7-430f-98a8-7ed13ff9a4bf" providerId="AD" clId="Web-{F84A73B3-7A0D-9E72-9405-59F7710A5BA6}" dt="2024-11-21T11:08:26.915" v="20"/>
-      <pc:docMkLst>
-        <pc:docMk/>
-      </pc:docMkLst>
-      <pc:sldChg chg="modNotes">
-        <pc:chgData name="MIGUEL TRIGUEROS MUÑOZ" userId="S::miguel.trigueros@aulaxxi.murciaeduca.es::a4ee0321-97d7-430f-98a8-7ed13ff9a4bf" providerId="AD" clId="Web-{F84A73B3-7A0D-9E72-9405-59F7710A5BA6}" dt="2024-11-21T11:08:26.915" v="20"/>
-        <pc:sldMkLst>
-          <pc:docMk/>
-          <pc:sldMk cId="1188484412" sldId="350"/>
-        </pc:sldMkLst>
-      </pc:sldChg>
-    </pc:docChg>
-  </pc:docChgLst>
-  <pc:docChgLst>
-    <pc:chgData name="MIGUEL TRIGUEROS MUÑOZ" userId="a4ee0321-97d7-430f-98a8-7ed13ff9a4bf" providerId="ADAL" clId="{2AEE6863-937B-4AA7-8B19-2C717111FF6F}"/>
-    <pc:docChg chg="undo custSel addSld delSld modSld sldOrd modSection">
-      <pc:chgData name="MIGUEL TRIGUEROS MUÑOZ" userId="a4ee0321-97d7-430f-98a8-7ed13ff9a4bf" providerId="ADAL" clId="{2AEE6863-937B-4AA7-8B19-2C717111FF6F}" dt="2024-06-05T11:23:47.647" v="707" actId="1076"/>
-      <pc:docMkLst>
-        <pc:docMk/>
-      </pc:docMkLst>
-      <pc:sldChg chg="modSp mod modNotesTx">
-        <pc:chgData name="MIGUEL TRIGUEROS MUÑOZ" userId="a4ee0321-97d7-430f-98a8-7ed13ff9a4bf" providerId="ADAL" clId="{2AEE6863-937B-4AA7-8B19-2C717111FF6F}" dt="2024-06-05T09:04:17.421" v="260" actId="20577"/>
-        <pc:sldMkLst>
-          <pc:docMk/>
-          <pc:sldMk cId="651048111" sldId="297"/>
-        </pc:sldMkLst>
-      </pc:sldChg>
-      <pc:sldChg chg="addSp delSp modSp mod modNotesTx">
-        <pc:chgData name="MIGUEL TRIGUEROS MUÑOZ" userId="a4ee0321-97d7-430f-98a8-7ed13ff9a4bf" providerId="ADAL" clId="{2AEE6863-937B-4AA7-8B19-2C717111FF6F}" dt="2024-06-05T10:20:36.161" v="372" actId="1076"/>
-        <pc:sldMkLst>
-          <pc:docMk/>
-          <pc:sldMk cId="1878582030" sldId="304"/>
-        </pc:sldMkLst>
-      </pc:sldChg>
-      <pc:sldChg chg="addSp delSp modSp mod">
-        <pc:chgData name="MIGUEL TRIGUEROS MUÑOZ" userId="a4ee0321-97d7-430f-98a8-7ed13ff9a4bf" providerId="ADAL" clId="{2AEE6863-937B-4AA7-8B19-2C717111FF6F}" dt="2024-06-05T10:24:04.931" v="390" actId="1076"/>
-        <pc:sldMkLst>
-          <pc:docMk/>
-          <pc:sldMk cId="524834107" sldId="305"/>
-        </pc:sldMkLst>
-      </pc:sldChg>
-      <pc:sldChg chg="modSp">
-        <pc:chgData name="MIGUEL TRIGUEROS MUÑOZ" userId="a4ee0321-97d7-430f-98a8-7ed13ff9a4bf" providerId="ADAL" clId="{2AEE6863-937B-4AA7-8B19-2C717111FF6F}" dt="2024-06-05T10:35:00.464" v="452" actId="20577"/>
-        <pc:sldMkLst>
-          <pc:docMk/>
-          <pc:sldMk cId="3007344242" sldId="306"/>
-        </pc:sldMkLst>
-      </pc:sldChg>
-      <pc:sldChg chg="modSp">
-        <pc:chgData name="MIGUEL TRIGUEROS MUÑOZ" userId="a4ee0321-97d7-430f-98a8-7ed13ff9a4bf" providerId="ADAL" clId="{2AEE6863-937B-4AA7-8B19-2C717111FF6F}" dt="2024-06-05T10:35:41.007" v="459" actId="5793"/>
-        <pc:sldMkLst>
-          <pc:docMk/>
-          <pc:sldMk cId="1679762254" sldId="309"/>
-        </pc:sldMkLst>
-      </pc:sldChg>
-      <pc:sldChg chg="modSp mod ord modCm">
-        <pc:chgData name="MIGUEL TRIGUEROS MUÑOZ" userId="a4ee0321-97d7-430f-98a8-7ed13ff9a4bf" providerId="ADAL" clId="{2AEE6863-937B-4AA7-8B19-2C717111FF6F}" dt="2024-06-05T10:47:09.115" v="570" actId="20577"/>
-        <pc:sldMkLst>
-          <pc:docMk/>
-          <pc:sldMk cId="2242644199" sldId="310"/>
-        </pc:sldMkLst>
-        <pc:extLst>
-          <p:ext xmlns:p="http://schemas.openxmlformats.org/presentationml/2006/main" uri="{D6D511B9-2390-475A-947B-AFAB55BFBCF1}">
-            <pc226:cmChg xmlns:pc226="http://schemas.microsoft.com/office/powerpoint/2022/06/main/command" chg="mod">
-              <pc226:chgData name="MIGUEL TRIGUEROS MUÑOZ" userId="a4ee0321-97d7-430f-98a8-7ed13ff9a4bf" providerId="ADAL" clId="{2AEE6863-937B-4AA7-8B19-2C717111FF6F}" dt="2024-06-05T10:40:23.694" v="536" actId="20577"/>
-              <pc2:cmMkLst xmlns:pc2="http://schemas.microsoft.com/office/powerpoint/2019/9/main/command">
-                <pc:docMk/>
-                <pc:sldMk cId="2242644199" sldId="310"/>
-                <pc2:cmMk id="{67C8A8FA-5B21-4352-9C79-EB9142759F2D}"/>
-              </pc2:cmMkLst>
-            </pc226:cmChg>
-          </p:ext>
-        </pc:extLst>
-      </pc:sldChg>
-      <pc:sldChg chg="addSp delSp modSp mod">
-        <pc:chgData name="MIGUEL TRIGUEROS MUÑOZ" userId="a4ee0321-97d7-430f-98a8-7ed13ff9a4bf" providerId="ADAL" clId="{2AEE6863-937B-4AA7-8B19-2C717111FF6F}" dt="2024-06-05T10:49:08.552" v="573" actId="1076"/>
-        <pc:sldMkLst>
-          <pc:docMk/>
-          <pc:sldMk cId="1813723418" sldId="311"/>
-        </pc:sldMkLst>
-      </pc:sldChg>
-      <pc:sldChg chg="modSp mod ord modNotesTx">
-        <pc:chgData name="MIGUEL TRIGUEROS MUÑOZ" userId="a4ee0321-97d7-430f-98a8-7ed13ff9a4bf" providerId="ADAL" clId="{2AEE6863-937B-4AA7-8B19-2C717111FF6F}" dt="2024-06-05T10:51:53.988" v="626" actId="20577"/>
-        <pc:sldMkLst>
-          <pc:docMk/>
-          <pc:sldMk cId="2269836530" sldId="312"/>
-        </pc:sldMkLst>
-      </pc:sldChg>
-      <pc:sldChg chg="modSp mod ord">
-        <pc:chgData name="MIGUEL TRIGUEROS MUÑOZ" userId="a4ee0321-97d7-430f-98a8-7ed13ff9a4bf" providerId="ADAL" clId="{2AEE6863-937B-4AA7-8B19-2C717111FF6F}" dt="2024-06-05T10:39:39.255" v="506" actId="20577"/>
-        <pc:sldMkLst>
-          <pc:docMk/>
-          <pc:sldMk cId="1814859966" sldId="313"/>
-        </pc:sldMkLst>
-      </pc:sldChg>
-      <pc:sldChg chg="modSp mod modNotesTx">
-        <pc:chgData name="MIGUEL TRIGUEROS MUÑOZ" userId="a4ee0321-97d7-430f-98a8-7ed13ff9a4bf" providerId="ADAL" clId="{2AEE6863-937B-4AA7-8B19-2C717111FF6F}" dt="2024-06-05T10:52:42.844" v="704" actId="20577"/>
-        <pc:sldMkLst>
-          <pc:docMk/>
-          <pc:sldMk cId="2928801094" sldId="317"/>
-        </pc:sldMkLst>
-      </pc:sldChg>
-      <pc:sldChg chg="modSp">
-        <pc:chgData name="MIGUEL TRIGUEROS MUÑOZ" userId="a4ee0321-97d7-430f-98a8-7ed13ff9a4bf" providerId="ADAL" clId="{2AEE6863-937B-4AA7-8B19-2C717111FF6F}" dt="2024-06-05T10:27:31.747" v="395" actId="113"/>
-        <pc:sldMkLst>
-          <pc:docMk/>
-          <pc:sldMk cId="1855636476" sldId="340"/>
-        </pc:sldMkLst>
-      </pc:sldChg>
-      <pc:sldChg chg="addSp delSp modSp mod">
-        <pc:chgData name="MIGUEL TRIGUEROS MUÑOZ" userId="a4ee0321-97d7-430f-98a8-7ed13ff9a4bf" providerId="ADAL" clId="{2AEE6863-937B-4AA7-8B19-2C717111FF6F}" dt="2024-06-05T11:23:47.647" v="707" actId="1076"/>
-        <pc:sldMkLst>
-          <pc:docMk/>
-          <pc:sldMk cId="59108425" sldId="345"/>
-        </pc:sldMkLst>
-      </pc:sldChg>
-      <pc:sldChg chg="modSp add del">
-        <pc:chgData name="MIGUEL TRIGUEROS MUÑOZ" userId="a4ee0321-97d7-430f-98a8-7ed13ff9a4bf" providerId="ADAL" clId="{2AEE6863-937B-4AA7-8B19-2C717111FF6F}" dt="2024-06-05T10:08:18.186" v="305" actId="2696"/>
-        <pc:sldMkLst>
-          <pc:docMk/>
-          <pc:sldMk cId="2521459586" sldId="350"/>
-        </pc:sldMkLst>
-      </pc:sldChg>
-      <pc:sldChg chg="modSp add del">
-        <pc:chgData name="MIGUEL TRIGUEROS MUÑOZ" userId="a4ee0321-97d7-430f-98a8-7ed13ff9a4bf" providerId="ADAL" clId="{2AEE6863-937B-4AA7-8B19-2C717111FF6F}" dt="2024-06-05T10:13:22.896" v="326" actId="2696"/>
-        <pc:sldMkLst>
-          <pc:docMk/>
-          <pc:sldMk cId="3076450737" sldId="350"/>
-        </pc:sldMkLst>
-      </pc:sldChg>
-    </pc:docChg>
-  </pc:docChgLst>
-  <pc:docChgLst>
-    <pc:chgData name="MIGUEL TRIGUEROS MUÑOZ" userId="a4ee0321-97d7-430f-98a8-7ed13ff9a4bf" providerId="ADAL" clId="{ED9151D6-2F0F-426F-A2ED-2173232EC2B0}"/>
-    <pc:docChg chg="modSld">
-      <pc:chgData name="MIGUEL TRIGUEROS MUÑOZ" userId="a4ee0321-97d7-430f-98a8-7ed13ff9a4bf" providerId="ADAL" clId="{ED9151D6-2F0F-426F-A2ED-2173232EC2B0}" dt="2025-02-07T16:23:54.749" v="22" actId="20577"/>
-      <pc:docMkLst>
-        <pc:docMk/>
-      </pc:docMkLst>
-      <pc:sldChg chg="modSp mod">
-        <pc:chgData name="MIGUEL TRIGUEROS MUÑOZ" userId="a4ee0321-97d7-430f-98a8-7ed13ff9a4bf" providerId="ADAL" clId="{ED9151D6-2F0F-426F-A2ED-2173232EC2B0}" dt="2025-02-07T16:23:54.749" v="22" actId="20577"/>
-        <pc:sldMkLst>
-          <pc:docMk/>
-          <pc:sldMk cId="1662085430" sldId="302"/>
-        </pc:sldMkLst>
-      </pc:sldChg>
-    </pc:docChg>
-  </pc:docChgLst>
-  <pc:docChgLst>
-    <pc:chgData name="MIGUEL TRIGUEROS MUÑOZ" userId="S::miguel.trigueros@aulaxxi.murciaeduca.es::a4ee0321-97d7-430f-98a8-7ed13ff9a4bf" providerId="AD" clId="Web-{DF44C4A1-E9F9-CEF8-CC48-0724636AA584}"/>
-    <pc:docChg chg="modSld">
-      <pc:chgData name="MIGUEL TRIGUEROS MUÑOZ" userId="S::miguel.trigueros@aulaxxi.murciaeduca.es::a4ee0321-97d7-430f-98a8-7ed13ff9a4bf" providerId="AD" clId="Web-{DF44C4A1-E9F9-CEF8-CC48-0724636AA584}" dt="2024-01-15T11:34:58.616" v="0" actId="1076"/>
-      <pc:docMkLst>
-        <pc:docMk/>
-      </pc:docMkLst>
-      <pc:sldChg chg="modSp">
-        <pc:chgData name="MIGUEL TRIGUEROS MUÑOZ" userId="S::miguel.trigueros@aulaxxi.murciaeduca.es::a4ee0321-97d7-430f-98a8-7ed13ff9a4bf" providerId="AD" clId="Web-{DF44C4A1-E9F9-CEF8-CC48-0724636AA584}" dt="2024-01-15T11:34:58.616" v="0" actId="1076"/>
-        <pc:sldMkLst>
-          <pc:docMk/>
-          <pc:sldMk cId="982610843" sldId="348"/>
-        </pc:sldMkLst>
-      </pc:sldChg>
-    </pc:docChg>
-  </pc:docChgLst>
-  <pc:docChgLst>
-    <pc:chgData name="Miguel Trigueros Muñoz" userId="7753574ed83b4f98" providerId="LiveId" clId="{6148FBFC-C392-4943-A22E-A1ED985DCB5B}"/>
-    <pc:docChg chg="undo custSel addSld delSld modSld modMainMaster addSection delSection modSection">
-      <pc:chgData name="Miguel Trigueros Muñoz" userId="7753574ed83b4f98" providerId="LiveId" clId="{6148FBFC-C392-4943-A22E-A1ED985DCB5B}" dt="2025-07-08T11:49:34.615" v="810" actId="20577"/>
-      <pc:docMkLst>
-        <pc:docMk/>
-      </pc:docMkLst>
-      <pc:sldChg chg="addSp delSp modSp mod">
-        <pc:chgData name="Miguel Trigueros Muñoz" userId="7753574ed83b4f98" providerId="LiveId" clId="{6148FBFC-C392-4943-A22E-A1ED985DCB5B}" dt="2025-06-25T10:53:15.118" v="45" actId="1076"/>
-        <pc:sldMkLst>
-          <pc:docMk/>
-          <pc:sldMk cId="308865771" sldId="256"/>
-        </pc:sldMkLst>
-        <pc:spChg chg="mod">
-          <ac:chgData name="Miguel Trigueros Muñoz" userId="7753574ed83b4f98" providerId="LiveId" clId="{6148FBFC-C392-4943-A22E-A1ED985DCB5B}" dt="2025-06-25T10:53:15.118" v="45" actId="1076"/>
-          <ac:spMkLst>
-            <pc:docMk/>
-            <pc:sldMk cId="308865771" sldId="256"/>
-            <ac:spMk id="2" creationId="{BB6B5ACD-B995-716B-F5F7-1C14289F141D}"/>
-          </ac:spMkLst>
-        </pc:spChg>
-        <pc:picChg chg="add mod">
-          <ac:chgData name="Miguel Trigueros Muñoz" userId="7753574ed83b4f98" providerId="LiveId" clId="{6148FBFC-C392-4943-A22E-A1ED985DCB5B}" dt="2025-06-25T10:53:11.686" v="44" actId="1076"/>
-          <ac:picMkLst>
-            <pc:docMk/>
-            <pc:sldMk cId="308865771" sldId="256"/>
-            <ac:picMk id="5" creationId="{BBDBF776-10F7-F619-6926-A4F7361EC1C1}"/>
-          </ac:picMkLst>
-        </pc:picChg>
-      </pc:sldChg>
-      <pc:sldChg chg="del">
-        <pc:chgData name="Miguel Trigueros Muñoz" userId="7753574ed83b4f98" providerId="LiveId" clId="{6148FBFC-C392-4943-A22E-A1ED985DCB5B}" dt="2025-06-25T10:51:03.483" v="23" actId="47"/>
-        <pc:sldMkLst>
-          <pc:docMk/>
-          <pc:sldMk cId="3881213358" sldId="296"/>
-        </pc:sldMkLst>
-      </pc:sldChg>
-      <pc:sldChg chg="del">
-        <pc:chgData name="Miguel Trigueros Muñoz" userId="7753574ed83b4f98" providerId="LiveId" clId="{6148FBFC-C392-4943-A22E-A1ED985DCB5B}" dt="2025-06-25T10:51:33.488" v="24" actId="47"/>
-        <pc:sldMkLst>
-          <pc:docMk/>
-          <pc:sldMk cId="651048111" sldId="297"/>
-        </pc:sldMkLst>
-      </pc:sldChg>
-      <pc:sldChg chg="del">
-        <pc:chgData name="Miguel Trigueros Muñoz" userId="7753574ed83b4f98" providerId="LiveId" clId="{6148FBFC-C392-4943-A22E-A1ED985DCB5B}" dt="2025-06-25T10:51:33.488" v="24" actId="47"/>
-        <pc:sldMkLst>
-          <pc:docMk/>
-          <pc:sldMk cId="1285496475" sldId="298"/>
-        </pc:sldMkLst>
-      </pc:sldChg>
-      <pc:sldChg chg="del">
-        <pc:chgData name="Miguel Trigueros Muñoz" userId="7753574ed83b4f98" providerId="LiveId" clId="{6148FBFC-C392-4943-A22E-A1ED985DCB5B}" dt="2025-06-25T10:51:33.488" v="24" actId="47"/>
-        <pc:sldMkLst>
-          <pc:docMk/>
-          <pc:sldMk cId="975738591" sldId="299"/>
-        </pc:sldMkLst>
-      </pc:sldChg>
-      <pc:sldChg chg="del">
-        <pc:chgData name="Miguel Trigueros Muñoz" userId="7753574ed83b4f98" providerId="LiveId" clId="{6148FBFC-C392-4943-A22E-A1ED985DCB5B}" dt="2025-06-25T10:51:33.488" v="24" actId="47"/>
-        <pc:sldMkLst>
-          <pc:docMk/>
-          <pc:sldMk cId="1286011775" sldId="300"/>
-        </pc:sldMkLst>
-      </pc:sldChg>
-      <pc:sldChg chg="modSp mod">
-        <pc:chgData name="Miguel Trigueros Muñoz" userId="7753574ed83b4f98" providerId="LiveId" clId="{6148FBFC-C392-4943-A22E-A1ED985DCB5B}" dt="2025-06-25T16:08:20.025" v="174" actId="20577"/>
-        <pc:sldMkLst>
-          <pc:docMk/>
-          <pc:sldMk cId="1662085430" sldId="302"/>
-        </pc:sldMkLst>
-        <pc:spChg chg="mod">
-          <ac:chgData name="Miguel Trigueros Muñoz" userId="7753574ed83b4f98" providerId="LiveId" clId="{6148FBFC-C392-4943-A22E-A1ED985DCB5B}" dt="2025-06-25T16:08:20.025" v="174" actId="20577"/>
-          <ac:spMkLst>
-            <pc:docMk/>
-            <pc:sldMk cId="1662085430" sldId="302"/>
-            <ac:spMk id="5" creationId="{2E672CE3-414F-1E3C-9928-F4B6B7568735}"/>
-          </ac:spMkLst>
-        </pc:spChg>
-      </pc:sldChg>
-      <pc:sldChg chg="del">
-        <pc:chgData name="Miguel Trigueros Muñoz" userId="7753574ed83b4f98" providerId="LiveId" clId="{6148FBFC-C392-4943-A22E-A1ED985DCB5B}" dt="2025-06-25T10:51:33.488" v="24" actId="47"/>
-        <pc:sldMkLst>
-          <pc:docMk/>
-          <pc:sldMk cId="1878582030" sldId="304"/>
-        </pc:sldMkLst>
-      </pc:sldChg>
-      <pc:sldChg chg="del">
-        <pc:chgData name="Miguel Trigueros Muñoz" userId="7753574ed83b4f98" providerId="LiveId" clId="{6148FBFC-C392-4943-A22E-A1ED985DCB5B}" dt="2025-06-25T10:51:33.488" v="24" actId="47"/>
-        <pc:sldMkLst>
-          <pc:docMk/>
-          <pc:sldMk cId="524834107" sldId="305"/>
-        </pc:sldMkLst>
-      </pc:sldChg>
-      <pc:sldChg chg="del">
-        <pc:chgData name="Miguel Trigueros Muñoz" userId="7753574ed83b4f98" providerId="LiveId" clId="{6148FBFC-C392-4943-A22E-A1ED985DCB5B}" dt="2025-06-25T10:51:33.488" v="24" actId="47"/>
-        <pc:sldMkLst>
-          <pc:docMk/>
-          <pc:sldMk cId="3007344242" sldId="306"/>
-        </pc:sldMkLst>
-      </pc:sldChg>
-      <pc:sldChg chg="del">
-        <pc:chgData name="Miguel Trigueros Muñoz" userId="7753574ed83b4f98" providerId="LiveId" clId="{6148FBFC-C392-4943-A22E-A1ED985DCB5B}" dt="2025-06-25T10:51:33.488" v="24" actId="47"/>
-        <pc:sldMkLst>
-          <pc:docMk/>
-          <pc:sldMk cId="1441313987" sldId="308"/>
-        </pc:sldMkLst>
-      </pc:sldChg>
-      <pc:sldChg chg="del">
-        <pc:chgData name="Miguel Trigueros Muñoz" userId="7753574ed83b4f98" providerId="LiveId" clId="{6148FBFC-C392-4943-A22E-A1ED985DCB5B}" dt="2025-06-25T10:51:33.488" v="24" actId="47"/>
-        <pc:sldMkLst>
-          <pc:docMk/>
-          <pc:sldMk cId="1679762254" sldId="309"/>
-        </pc:sldMkLst>
-      </pc:sldChg>
-      <pc:sldChg chg="del">
-        <pc:chgData name="Miguel Trigueros Muñoz" userId="7753574ed83b4f98" providerId="LiveId" clId="{6148FBFC-C392-4943-A22E-A1ED985DCB5B}" dt="2025-06-25T10:51:33.488" v="24" actId="47"/>
-        <pc:sldMkLst>
-          <pc:docMk/>
-          <pc:sldMk cId="2242644199" sldId="310"/>
-        </pc:sldMkLst>
-      </pc:sldChg>
-      <pc:sldChg chg="del">
-        <pc:chgData name="Miguel Trigueros Muñoz" userId="7753574ed83b4f98" providerId="LiveId" clId="{6148FBFC-C392-4943-A22E-A1ED985DCB5B}" dt="2025-06-25T10:51:33.488" v="24" actId="47"/>
-        <pc:sldMkLst>
-          <pc:docMk/>
-          <pc:sldMk cId="1813723418" sldId="311"/>
-        </pc:sldMkLst>
-      </pc:sldChg>
-      <pc:sldChg chg="del">
-        <pc:chgData name="Miguel Trigueros Muñoz" userId="7753574ed83b4f98" providerId="LiveId" clId="{6148FBFC-C392-4943-A22E-A1ED985DCB5B}" dt="2025-06-25T10:51:33.488" v="24" actId="47"/>
-        <pc:sldMkLst>
-          <pc:docMk/>
-          <pc:sldMk cId="2269836530" sldId="312"/>
-        </pc:sldMkLst>
-      </pc:sldChg>
-      <pc:sldChg chg="del">
-        <pc:chgData name="Miguel Trigueros Muñoz" userId="7753574ed83b4f98" providerId="LiveId" clId="{6148FBFC-C392-4943-A22E-A1ED985DCB5B}" dt="2025-06-25T10:51:33.488" v="24" actId="47"/>
-        <pc:sldMkLst>
-          <pc:docMk/>
-          <pc:sldMk cId="1814859966" sldId="313"/>
-        </pc:sldMkLst>
-      </pc:sldChg>
-      <pc:sldChg chg="modSp mod">
-        <pc:chgData name="Miguel Trigueros Muñoz" userId="7753574ed83b4f98" providerId="LiveId" clId="{6148FBFC-C392-4943-A22E-A1ED985DCB5B}" dt="2025-06-25T10:49:24.567" v="21" actId="20577"/>
-        <pc:sldMkLst>
-          <pc:docMk/>
-          <pc:sldMk cId="745458148" sldId="314"/>
-        </pc:sldMkLst>
-        <pc:spChg chg="mod">
-          <ac:chgData name="Miguel Trigueros Muñoz" userId="7753574ed83b4f98" providerId="LiveId" clId="{6148FBFC-C392-4943-A22E-A1ED985DCB5B}" dt="2025-06-25T10:49:24.567" v="21" actId="20577"/>
-          <ac:spMkLst>
-            <pc:docMk/>
-            <pc:sldMk cId="745458148" sldId="314"/>
-            <ac:spMk id="3" creationId="{B6D7D569-2E40-41FB-F9B2-C2262085590C}"/>
-          </ac:spMkLst>
-        </pc:spChg>
-      </pc:sldChg>
-      <pc:sldChg chg="del">
-        <pc:chgData name="Miguel Trigueros Muñoz" userId="7753574ed83b4f98" providerId="LiveId" clId="{6148FBFC-C392-4943-A22E-A1ED985DCB5B}" dt="2025-06-25T10:51:33.488" v="24" actId="47"/>
-        <pc:sldMkLst>
-          <pc:docMk/>
-          <pc:sldMk cId="279635090" sldId="315"/>
-        </pc:sldMkLst>
-      </pc:sldChg>
-      <pc:sldChg chg="del">
-        <pc:chgData name="Miguel Trigueros Muñoz" userId="7753574ed83b4f98" providerId="LiveId" clId="{6148FBFC-C392-4943-A22E-A1ED985DCB5B}" dt="2025-06-25T10:51:33.488" v="24" actId="47"/>
-        <pc:sldMkLst>
-          <pc:docMk/>
-          <pc:sldMk cId="2861142992" sldId="316"/>
-        </pc:sldMkLst>
-      </pc:sldChg>
-      <pc:sldChg chg="del">
-        <pc:chgData name="Miguel Trigueros Muñoz" userId="7753574ed83b4f98" providerId="LiveId" clId="{6148FBFC-C392-4943-A22E-A1ED985DCB5B}" dt="2025-06-25T10:51:33.488" v="24" actId="47"/>
-        <pc:sldMkLst>
-          <pc:docMk/>
-          <pc:sldMk cId="2928801094" sldId="317"/>
-        </pc:sldMkLst>
-      </pc:sldChg>
-      <pc:sldChg chg="del">
-        <pc:chgData name="Miguel Trigueros Muñoz" userId="7753574ed83b4f98" providerId="LiveId" clId="{6148FBFC-C392-4943-A22E-A1ED985DCB5B}" dt="2025-06-25T10:51:33.488" v="24" actId="47"/>
-        <pc:sldMkLst>
-          <pc:docMk/>
-          <pc:sldMk cId="3143426356" sldId="320"/>
-        </pc:sldMkLst>
-      </pc:sldChg>
-      <pc:sldChg chg="addSp delSp modSp mod modNotesTx">
-        <pc:chgData name="Miguel Trigueros Muñoz" userId="7753574ed83b4f98" providerId="LiveId" clId="{6148FBFC-C392-4943-A22E-A1ED985DCB5B}" dt="2025-07-08T10:30:50.400" v="260" actId="20577"/>
-        <pc:sldMkLst>
-          <pc:docMk/>
-          <pc:sldMk cId="2894294298" sldId="321"/>
-        </pc:sldMkLst>
-        <pc:spChg chg="mod">
-          <ac:chgData name="Miguel Trigueros Muñoz" userId="7753574ed83b4f98" providerId="LiveId" clId="{6148FBFC-C392-4943-A22E-A1ED985DCB5B}" dt="2025-07-08T10:30:50.400" v="260" actId="20577"/>
-          <ac:spMkLst>
-            <pc:docMk/>
-            <pc:sldMk cId="2894294298" sldId="321"/>
-            <ac:spMk id="6" creationId="{B183351C-4D5E-30A0-6864-D1F246ECB474}"/>
-          </ac:spMkLst>
-        </pc:spChg>
-        <pc:spChg chg="mod">
-          <ac:chgData name="Miguel Trigueros Muñoz" userId="7753574ed83b4f98" providerId="LiveId" clId="{6148FBFC-C392-4943-A22E-A1ED985DCB5B}" dt="2025-06-25T10:50:49.011" v="22" actId="207"/>
-          <ac:spMkLst>
-            <pc:docMk/>
-            <pc:sldMk cId="2894294298" sldId="321"/>
-            <ac:spMk id="7" creationId="{32D7E460-3301-F563-D75E-6947A92E3D95}"/>
-          </ac:spMkLst>
-        </pc:spChg>
-        <pc:spChg chg="add del">
-          <ac:chgData name="Miguel Trigueros Muñoz" userId="7753574ed83b4f98" providerId="LiveId" clId="{6148FBFC-C392-4943-A22E-A1ED985DCB5B}" dt="2025-07-08T10:27:13.372" v="178" actId="22"/>
-          <ac:spMkLst>
-            <pc:docMk/>
-            <pc:sldMk cId="2894294298" sldId="321"/>
-            <ac:spMk id="8" creationId="{90423EC8-2E0D-166C-E033-3B67ADE71474}"/>
-          </ac:spMkLst>
-        </pc:spChg>
-        <pc:picChg chg="del">
-          <ac:chgData name="Miguel Trigueros Muñoz" userId="7753574ed83b4f98" providerId="LiveId" clId="{6148FBFC-C392-4943-A22E-A1ED985DCB5B}" dt="2025-07-08T10:27:10.600" v="176" actId="478"/>
-          <ac:picMkLst>
-            <pc:docMk/>
-            <pc:sldMk cId="2894294298" sldId="321"/>
-            <ac:picMk id="3" creationId="{1E4E4ECA-2209-2E28-DEE7-7FD62C7869AD}"/>
-          </ac:picMkLst>
-        </pc:picChg>
-        <pc:picChg chg="del">
-          <ac:chgData name="Miguel Trigueros Muñoz" userId="7753574ed83b4f98" providerId="LiveId" clId="{6148FBFC-C392-4943-A22E-A1ED985DCB5B}" dt="2025-07-08T10:27:09.907" v="175" actId="478"/>
-          <ac:picMkLst>
-            <pc:docMk/>
-            <pc:sldMk cId="2894294298" sldId="321"/>
-            <ac:picMk id="5" creationId="{36B2CF0A-64B1-D82B-BD78-DA8D4DCF51E9}"/>
-          </ac:picMkLst>
-        </pc:picChg>
-        <pc:picChg chg="add mod">
-          <ac:chgData name="Miguel Trigueros Muñoz" userId="7753574ed83b4f98" providerId="LiveId" clId="{6148FBFC-C392-4943-A22E-A1ED985DCB5B}" dt="2025-07-08T10:28:46.195" v="184" actId="1076"/>
-          <ac:picMkLst>
-            <pc:docMk/>
-            <pc:sldMk cId="2894294298" sldId="321"/>
-            <ac:picMk id="10" creationId="{A3D56207-4A7B-BF17-1FCB-0722A8A5ADEF}"/>
-          </ac:picMkLst>
-        </pc:picChg>
-      </pc:sldChg>
-      <pc:sldChg chg="del">
-        <pc:chgData name="Miguel Trigueros Muñoz" userId="7753574ed83b4f98" providerId="LiveId" clId="{6148FBFC-C392-4943-A22E-A1ED985DCB5B}" dt="2025-06-25T10:51:33.488" v="24" actId="47"/>
-        <pc:sldMkLst>
-          <pc:docMk/>
-          <pc:sldMk cId="986423972" sldId="322"/>
-        </pc:sldMkLst>
-      </pc:sldChg>
-      <pc:sldChg chg="add del modNotesTx">
-        <pc:chgData name="Miguel Trigueros Muñoz" userId="7753574ed83b4f98" providerId="LiveId" clId="{6148FBFC-C392-4943-A22E-A1ED985DCB5B}" dt="2025-07-08T10:42:34.503" v="460" actId="20577"/>
-        <pc:sldMkLst>
-          <pc:docMk/>
-          <pc:sldMk cId="1069880379" sldId="323"/>
-        </pc:sldMkLst>
-      </pc:sldChg>
-      <pc:sldChg chg="add del">
-        <pc:chgData name="Miguel Trigueros Muñoz" userId="7753574ed83b4f98" providerId="LiveId" clId="{6148FBFC-C392-4943-A22E-A1ED985DCB5B}" dt="2025-06-25T10:51:43.894" v="29" actId="47"/>
-        <pc:sldMkLst>
-          <pc:docMk/>
-          <pc:sldMk cId="2304737095" sldId="324"/>
-        </pc:sldMkLst>
-      </pc:sldChg>
-      <pc:sldChg chg="addSp delSp modSp mod modNotesTx">
-        <pc:chgData name="Miguel Trigueros Muñoz" userId="7753574ed83b4f98" providerId="LiveId" clId="{6148FBFC-C392-4943-A22E-A1ED985DCB5B}" dt="2025-07-08T10:46:40.103" v="682" actId="20577"/>
-        <pc:sldMkLst>
-          <pc:docMk/>
-          <pc:sldMk cId="1122745256" sldId="325"/>
-        </pc:sldMkLst>
-        <pc:spChg chg="mod">
-          <ac:chgData name="Miguel Trigueros Muñoz" userId="7753574ed83b4f98" providerId="LiveId" clId="{6148FBFC-C392-4943-A22E-A1ED985DCB5B}" dt="2025-06-25T15:33:56.219" v="120" actId="20577"/>
-          <ac:spMkLst>
-            <pc:docMk/>
-            <pc:sldMk cId="1122745256" sldId="325"/>
-            <ac:spMk id="3" creationId="{DF740333-50F7-3E68-759E-ED0299A93CED}"/>
-          </ac:spMkLst>
-        </pc:spChg>
-        <pc:spChg chg="mod">
-          <ac:chgData name="Miguel Trigueros Muñoz" userId="7753574ed83b4f98" providerId="LiveId" clId="{6148FBFC-C392-4943-A22E-A1ED985DCB5B}" dt="2025-07-08T10:46:24.466" v="651" actId="207"/>
-          <ac:spMkLst>
-            <pc:docMk/>
-            <pc:sldMk cId="1122745256" sldId="325"/>
-            <ac:spMk id="5" creationId="{BA790ABB-3617-779B-5808-208E83474F2D}"/>
-          </ac:spMkLst>
-        </pc:spChg>
-        <pc:spChg chg="mod">
-          <ac:chgData name="Miguel Trigueros Muñoz" userId="7753574ed83b4f98" providerId="LiveId" clId="{6148FBFC-C392-4943-A22E-A1ED985DCB5B}" dt="2025-07-08T10:35:50.684" v="278" actId="1076"/>
-          <ac:spMkLst>
-            <pc:docMk/>
-            <pc:sldMk cId="1122745256" sldId="325"/>
-            <ac:spMk id="12" creationId="{8F3A5B0B-4D2B-AAAA-C621-914FA33F7E42}"/>
-          </ac:spMkLst>
-        </pc:spChg>
-        <pc:spChg chg="mod">
-          <ac:chgData name="Miguel Trigueros Muñoz" userId="7753574ed83b4f98" providerId="LiveId" clId="{6148FBFC-C392-4943-A22E-A1ED985DCB5B}" dt="2025-07-08T10:35:56.206" v="279" actId="1076"/>
-          <ac:spMkLst>
-            <pc:docMk/>
-            <pc:sldMk cId="1122745256" sldId="325"/>
-            <ac:spMk id="14" creationId="{6E09DC3F-BD73-0576-C237-6D096921B3ED}"/>
-          </ac:spMkLst>
-        </pc:spChg>
-        <pc:picChg chg="add mod">
-          <ac:chgData name="Miguel Trigueros Muñoz" userId="7753574ed83b4f98" providerId="LiveId" clId="{6148FBFC-C392-4943-A22E-A1ED985DCB5B}" dt="2025-06-25T15:33:36.426" v="107" actId="1076"/>
-          <ac:picMkLst>
-            <pc:docMk/>
-            <pc:sldMk cId="1122745256" sldId="325"/>
-            <ac:picMk id="10" creationId="{EDB8017F-E0F9-E4D4-BF5C-5F23A77A71AC}"/>
-          </ac:picMkLst>
-        </pc:picChg>
-        <pc:cxnChg chg="mod">
-          <ac:chgData name="Miguel Trigueros Muñoz" userId="7753574ed83b4f98" providerId="LiveId" clId="{6148FBFC-C392-4943-A22E-A1ED985DCB5B}" dt="2025-07-08T10:35:50.684" v="278" actId="1076"/>
-          <ac:cxnSpMkLst>
-            <pc:docMk/>
-            <pc:sldMk cId="1122745256" sldId="325"/>
-            <ac:cxnSpMk id="8" creationId="{CD7F797D-399C-0D2C-FB49-A27C3D0FC0CB}"/>
-          </ac:cxnSpMkLst>
-        </pc:cxnChg>
-        <pc:cxnChg chg="mod">
-          <ac:chgData name="Miguel Trigueros Muñoz" userId="7753574ed83b4f98" providerId="LiveId" clId="{6148FBFC-C392-4943-A22E-A1ED985DCB5B}" dt="2025-07-08T10:36:04.440" v="283" actId="1037"/>
-          <ac:cxnSpMkLst>
-            <pc:docMk/>
-            <pc:sldMk cId="1122745256" sldId="325"/>
-            <ac:cxnSpMk id="13" creationId="{D5344C8E-0727-2FC0-8F78-7F88B3DD93FA}"/>
-          </ac:cxnSpMkLst>
-        </pc:cxnChg>
-      </pc:sldChg>
-      <pc:sldChg chg="addSp delSp modSp mod">
-        <pc:chgData name="Miguel Trigueros Muñoz" userId="7753574ed83b4f98" providerId="LiveId" clId="{6148FBFC-C392-4943-A22E-A1ED985DCB5B}" dt="2025-06-25T15:39:42.332" v="129" actId="1076"/>
-        <pc:sldMkLst>
-          <pc:docMk/>
-          <pc:sldMk cId="3983183523" sldId="326"/>
-        </pc:sldMkLst>
-        <pc:picChg chg="add mod">
-          <ac:chgData name="Miguel Trigueros Muñoz" userId="7753574ed83b4f98" providerId="LiveId" clId="{6148FBFC-C392-4943-A22E-A1ED985DCB5B}" dt="2025-06-25T15:39:42.332" v="129" actId="1076"/>
-          <ac:picMkLst>
-            <pc:docMk/>
-            <pc:sldMk cId="3983183523" sldId="326"/>
-            <ac:picMk id="7" creationId="{55719DBF-EE82-8694-91BA-D2BF8B28E4D1}"/>
-          </ac:picMkLst>
-        </pc:picChg>
-      </pc:sldChg>
-      <pc:sldChg chg="modSp add del mod">
-        <pc:chgData name="Miguel Trigueros Muñoz" userId="7753574ed83b4f98" providerId="LiveId" clId="{6148FBFC-C392-4943-A22E-A1ED985DCB5B}" dt="2025-07-08T10:44:57.085" v="596" actId="5793"/>
-        <pc:sldMkLst>
-          <pc:docMk/>
-          <pc:sldMk cId="3410194891" sldId="328"/>
-        </pc:sldMkLst>
-        <pc:spChg chg="mod">
-          <ac:chgData name="Miguel Trigueros Muñoz" userId="7753574ed83b4f98" providerId="LiveId" clId="{6148FBFC-C392-4943-A22E-A1ED985DCB5B}" dt="2025-07-08T10:44:57.085" v="596" actId="5793"/>
-          <ac:spMkLst>
-            <pc:docMk/>
-            <pc:sldMk cId="3410194891" sldId="328"/>
-            <ac:spMk id="3" creationId="{31193D6E-FC93-9D15-4E43-13A0112BF335}"/>
-          </ac:spMkLst>
-        </pc:spChg>
-        <pc:picChg chg="mod">
-          <ac:chgData name="Miguel Trigueros Muñoz" userId="7753574ed83b4f98" providerId="LiveId" clId="{6148FBFC-C392-4943-A22E-A1ED985DCB5B}" dt="2025-07-08T10:44:30.804" v="591" actId="1038"/>
-          <ac:picMkLst>
-            <pc:docMk/>
-            <pc:sldMk cId="3410194891" sldId="328"/>
-            <ac:picMk id="6" creationId="{564AE58C-6581-9D15-0C36-6156D5BC557C}"/>
-          </ac:picMkLst>
-        </pc:picChg>
-        <pc:cxnChg chg="mod">
-          <ac:chgData name="Miguel Trigueros Muñoz" userId="7753574ed83b4f98" providerId="LiveId" clId="{6148FBFC-C392-4943-A22E-A1ED985DCB5B}" dt="2025-07-08T10:44:39.689" v="594" actId="14100"/>
-          <ac:cxnSpMkLst>
-            <pc:docMk/>
-            <pc:sldMk cId="3410194891" sldId="328"/>
-            <ac:cxnSpMk id="10" creationId="{6A7F6E5F-AA0B-FE54-9D8A-C835FDB3A9B8}"/>
-          </ac:cxnSpMkLst>
-        </pc:cxnChg>
-        <pc:cxnChg chg="mod">
-          <ac:chgData name="Miguel Trigueros Muñoz" userId="7753574ed83b4f98" providerId="LiveId" clId="{6148FBFC-C392-4943-A22E-A1ED985DCB5B}" dt="2025-07-08T10:44:48.797" v="595" actId="14100"/>
-          <ac:cxnSpMkLst>
-            <pc:docMk/>
-            <pc:sldMk cId="3410194891" sldId="328"/>
-            <ac:cxnSpMk id="12" creationId="{874C76BB-7C88-6460-2900-2F7515C96FD8}"/>
-          </ac:cxnSpMkLst>
-        </pc:cxnChg>
-      </pc:sldChg>
-      <pc:sldChg chg="del">
-        <pc:chgData name="Miguel Trigueros Muñoz" userId="7753574ed83b4f98" providerId="LiveId" clId="{6148FBFC-C392-4943-A22E-A1ED985DCB5B}" dt="2025-06-25T10:51:33.488" v="24" actId="47"/>
-        <pc:sldMkLst>
-          <pc:docMk/>
-          <pc:sldMk cId="544873430" sldId="330"/>
-        </pc:sldMkLst>
-      </pc:sldChg>
-      <pc:sldChg chg="del">
-        <pc:chgData name="Miguel Trigueros Muñoz" userId="7753574ed83b4f98" providerId="LiveId" clId="{6148FBFC-C392-4943-A22E-A1ED985DCB5B}" dt="2025-06-25T10:51:33.488" v="24" actId="47"/>
-        <pc:sldMkLst>
-          <pc:docMk/>
-          <pc:sldMk cId="959411268" sldId="331"/>
-        </pc:sldMkLst>
-      </pc:sldChg>
-      <pc:sldChg chg="del">
-        <pc:chgData name="Miguel Trigueros Muñoz" userId="7753574ed83b4f98" providerId="LiveId" clId="{6148FBFC-C392-4943-A22E-A1ED985DCB5B}" dt="2025-06-25T10:51:33.488" v="24" actId="47"/>
-        <pc:sldMkLst>
-          <pc:docMk/>
-          <pc:sldMk cId="1952241282" sldId="332"/>
-        </pc:sldMkLst>
-      </pc:sldChg>
-      <pc:sldChg chg="add del">
-        <pc:chgData name="Miguel Trigueros Muñoz" userId="7753574ed83b4f98" providerId="LiveId" clId="{6148FBFC-C392-4943-A22E-A1ED985DCB5B}" dt="2025-06-25T10:52:22.153" v="34" actId="47"/>
-        <pc:sldMkLst>
-          <pc:docMk/>
-          <pc:sldMk cId="3389564933" sldId="336"/>
-        </pc:sldMkLst>
-      </pc:sldChg>
-      <pc:sldChg chg="addSp delSp modSp add del mod modNotesTx">
-        <pc:chgData name="Miguel Trigueros Muñoz" userId="7753574ed83b4f98" providerId="LiveId" clId="{6148FBFC-C392-4943-A22E-A1ED985DCB5B}" dt="2025-07-08T10:39:48.634" v="361" actId="20577"/>
-        <pc:sldMkLst>
-          <pc:docMk/>
-          <pc:sldMk cId="3634630687" sldId="337"/>
-        </pc:sldMkLst>
-        <pc:spChg chg="add mod">
-          <ac:chgData name="Miguel Trigueros Muñoz" userId="7753574ed83b4f98" providerId="LiveId" clId="{6148FBFC-C392-4943-A22E-A1ED985DCB5B}" dt="2025-07-08T10:39:37.704" v="323" actId="1076"/>
-          <ac:spMkLst>
-            <pc:docMk/>
-            <pc:sldMk cId="3634630687" sldId="337"/>
-            <ac:spMk id="6" creationId="{4EB64B3D-832D-B41A-D283-DFCC27FF75CA}"/>
-          </ac:spMkLst>
-        </pc:spChg>
-        <pc:picChg chg="add mod">
-          <ac:chgData name="Miguel Trigueros Muñoz" userId="7753574ed83b4f98" providerId="LiveId" clId="{6148FBFC-C392-4943-A22E-A1ED985DCB5B}" dt="2025-07-08T10:38:55.663" v="284" actId="1076"/>
-          <ac:picMkLst>
-            <pc:docMk/>
-            <pc:sldMk cId="3634630687" sldId="337"/>
-            <ac:picMk id="5" creationId="{D968AAB4-2BBE-5A67-CCAB-C55BC9C353C3}"/>
-          </ac:picMkLst>
-        </pc:picChg>
-      </pc:sldChg>
-      <pc:sldChg chg="del">
-        <pc:chgData name="Miguel Trigueros Muñoz" userId="7753574ed83b4f98" providerId="LiveId" clId="{6148FBFC-C392-4943-A22E-A1ED985DCB5B}" dt="2025-06-25T10:51:33.488" v="24" actId="47"/>
-        <pc:sldMkLst>
-          <pc:docMk/>
-          <pc:sldMk cId="2601617281" sldId="338"/>
-        </pc:sldMkLst>
-      </pc:sldChg>
-      <pc:sldChg chg="del">
-        <pc:chgData name="Miguel Trigueros Muñoz" userId="7753574ed83b4f98" providerId="LiveId" clId="{6148FBFC-C392-4943-A22E-A1ED985DCB5B}" dt="2025-06-25T10:51:33.488" v="24" actId="47"/>
-        <pc:sldMkLst>
-          <pc:docMk/>
-          <pc:sldMk cId="548552804" sldId="339"/>
-        </pc:sldMkLst>
-      </pc:sldChg>
-      <pc:sldChg chg="del">
-        <pc:chgData name="Miguel Trigueros Muñoz" userId="7753574ed83b4f98" providerId="LiveId" clId="{6148FBFC-C392-4943-A22E-A1ED985DCB5B}" dt="2025-06-25T10:51:33.488" v="24" actId="47"/>
-        <pc:sldMkLst>
-          <pc:docMk/>
-          <pc:sldMk cId="1855636476" sldId="340"/>
-        </pc:sldMkLst>
-      </pc:sldChg>
-      <pc:sldChg chg="modSp mod">
-        <pc:chgData name="Miguel Trigueros Muñoz" userId="7753574ed83b4f98" providerId="LiveId" clId="{6148FBFC-C392-4943-A22E-A1ED985DCB5B}" dt="2025-07-08T11:03:22.293" v="701" actId="20577"/>
-        <pc:sldMkLst>
-          <pc:docMk/>
-          <pc:sldMk cId="1363057816" sldId="343"/>
-        </pc:sldMkLst>
-        <pc:spChg chg="mod">
-          <ac:chgData name="Miguel Trigueros Muñoz" userId="7753574ed83b4f98" providerId="LiveId" clId="{6148FBFC-C392-4943-A22E-A1ED985DCB5B}" dt="2025-07-08T11:03:22.293" v="701" actId="20577"/>
-          <ac:spMkLst>
-            <pc:docMk/>
-            <pc:sldMk cId="1363057816" sldId="343"/>
-            <ac:spMk id="2" creationId="{C9FCDC08-9C5D-AEC2-3745-399708B411F9}"/>
-          </ac:spMkLst>
-        </pc:spChg>
-        <pc:spChg chg="mod">
-          <ac:chgData name="Miguel Trigueros Muñoz" userId="7753574ed83b4f98" providerId="LiveId" clId="{6148FBFC-C392-4943-A22E-A1ED985DCB5B}" dt="2025-07-08T10:29:56.005" v="199" actId="20577"/>
-          <ac:spMkLst>
-            <pc:docMk/>
-            <pc:sldMk cId="1363057816" sldId="343"/>
-            <ac:spMk id="3" creationId="{67C8410E-0545-8959-3559-84841A36BEE1}"/>
-          </ac:spMkLst>
-        </pc:spChg>
-      </pc:sldChg>
-      <pc:sldChg chg="modNotesTx">
-        <pc:chgData name="Miguel Trigueros Muñoz" userId="7753574ed83b4f98" providerId="LiveId" clId="{6148FBFC-C392-4943-A22E-A1ED985DCB5B}" dt="2025-07-08T11:15:05.958" v="705" actId="5793"/>
-        <pc:sldMkLst>
-          <pc:docMk/>
-          <pc:sldMk cId="683416156" sldId="352"/>
-        </pc:sldMkLst>
-      </pc:sldChg>
-      <pc:sldChg chg="modSp mod">
-        <pc:chgData name="Miguel Trigueros Muñoz" userId="7753574ed83b4f98" providerId="LiveId" clId="{6148FBFC-C392-4943-A22E-A1ED985DCB5B}" dt="2025-07-08T11:49:34.615" v="810" actId="20577"/>
-        <pc:sldMkLst>
-          <pc:docMk/>
-          <pc:sldMk cId="3753997660" sldId="355"/>
-        </pc:sldMkLst>
-        <pc:spChg chg="mod">
-          <ac:chgData name="Miguel Trigueros Muñoz" userId="7753574ed83b4f98" providerId="LiveId" clId="{6148FBFC-C392-4943-A22E-A1ED985DCB5B}" dt="2025-06-25T16:05:10.869" v="133"/>
-          <ac:spMkLst>
-            <pc:docMk/>
-            <pc:sldMk cId="3753997660" sldId="355"/>
-            <ac:spMk id="6" creationId="{61EAD6C0-08AA-6507-F61F-C9C4B83CF1DC}"/>
-          </ac:spMkLst>
-        </pc:spChg>
-        <pc:spChg chg="mod">
-          <ac:chgData name="Miguel Trigueros Muñoz" userId="7753574ed83b4f98" providerId="LiveId" clId="{6148FBFC-C392-4943-A22E-A1ED985DCB5B}" dt="2025-07-08T11:49:34.615" v="810" actId="20577"/>
-          <ac:spMkLst>
-            <pc:docMk/>
-            <pc:sldMk cId="3753997660" sldId="355"/>
-            <ac:spMk id="7" creationId="{3F3A4586-48F8-E669-FE21-DE5DB38C11AF}"/>
-          </ac:spMkLst>
-        </pc:spChg>
-      </pc:sldChg>
-      <pc:sldChg chg="modSp add mod">
-        <pc:chgData name="Miguel Trigueros Muñoz" userId="7753574ed83b4f98" providerId="LiveId" clId="{6148FBFC-C392-4943-A22E-A1ED985DCB5B}" dt="2025-06-25T15:39:18.537" v="123" actId="20577"/>
-        <pc:sldMkLst>
-          <pc:docMk/>
-          <pc:sldMk cId="3298005134" sldId="356"/>
-        </pc:sldMkLst>
-        <pc:spChg chg="mod">
-          <ac:chgData name="Miguel Trigueros Muñoz" userId="7753574ed83b4f98" providerId="LiveId" clId="{6148FBFC-C392-4943-A22E-A1ED985DCB5B}" dt="2025-06-25T15:39:18.537" v="123" actId="20577"/>
-          <ac:spMkLst>
-            <pc:docMk/>
-            <pc:sldMk cId="3298005134" sldId="356"/>
-            <ac:spMk id="3" creationId="{62061886-3949-2E1C-E367-9322C528C839}"/>
-          </ac:spMkLst>
-        </pc:spChg>
-      </pc:sldChg>
-      <pc:sldChg chg="modSp add mod">
-        <pc:chgData name="Miguel Trigueros Muñoz" userId="7753574ed83b4f98" providerId="LiveId" clId="{6148FBFC-C392-4943-A22E-A1ED985DCB5B}" dt="2025-07-08T11:49:18.795" v="771" actId="20577"/>
+      <pc:sldChg chg="modSp modNotes">
+        <pc:chgData name="MIGUEL TRIGUEROS MUÑOZ" userId="S::miguel.trigueros@aulaxxi.murciaeduca.es::a4ee0321-97d7-430f-98a8-7ed13ff9a4bf" providerId="AD" clId="Web-{93F31A34-6DDD-A244-0028-3EFF1DA70E0C}" dt="2025-11-02T06:41:22.681" v="26" actId="20577"/>
         <pc:sldMkLst>
           <pc:docMk/>
           <pc:sldMk cId="2292523160" sldId="357"/>
         </pc:sldMkLst>
         <pc:spChg chg="mod">
-          <ac:chgData name="Miguel Trigueros Muñoz" userId="7753574ed83b4f98" providerId="LiveId" clId="{6148FBFC-C392-4943-A22E-A1ED985DCB5B}" dt="2025-07-08T11:48:20.228" v="714" actId="20577"/>
+          <ac:chgData name="MIGUEL TRIGUEROS MUÑOZ" userId="S::miguel.trigueros@aulaxxi.murciaeduca.es::a4ee0321-97d7-430f-98a8-7ed13ff9a4bf" providerId="AD" clId="Web-{93F31A34-6DDD-A244-0028-3EFF1DA70E0C}" dt="2025-11-02T06:29:09.676" v="4" actId="20577"/>
           <ac:spMkLst>
             <pc:docMk/>
             <pc:sldMk cId="2292523160" sldId="357"/>
@@ -1379,1900 +277,13 @@
           </ac:spMkLst>
         </pc:spChg>
         <pc:spChg chg="mod">
-          <ac:chgData name="Miguel Trigueros Muñoz" userId="7753574ed83b4f98" providerId="LiveId" clId="{6148FBFC-C392-4943-A22E-A1ED985DCB5B}" dt="2025-07-08T11:49:18.795" v="771" actId="20577"/>
+          <ac:chgData name="MIGUEL TRIGUEROS MUÑOZ" userId="S::miguel.trigueros@aulaxxi.murciaeduca.es::a4ee0321-97d7-430f-98a8-7ed13ff9a4bf" providerId="AD" clId="Web-{93F31A34-6DDD-A244-0028-3EFF1DA70E0C}" dt="2025-11-02T06:41:22.681" v="26" actId="20577"/>
           <ac:spMkLst>
             <pc:docMk/>
             <pc:sldMk cId="2292523160" sldId="357"/>
             <ac:spMk id="7" creationId="{A72D6898-2867-DF20-C7E5-C34CCCB66634}"/>
           </ac:spMkLst>
         </pc:spChg>
-      </pc:sldChg>
-      <pc:sldMasterChg chg="modSp mod">
-        <pc:chgData name="Miguel Trigueros Muñoz" userId="7753574ed83b4f98" providerId="LiveId" clId="{6148FBFC-C392-4943-A22E-A1ED985DCB5B}" dt="2025-07-08T10:30:37.616" v="257" actId="20577"/>
-        <pc:sldMasterMkLst>
-          <pc:docMk/>
-          <pc:sldMasterMk cId="876523488" sldId="2147483687"/>
-        </pc:sldMasterMkLst>
-        <pc:spChg chg="mod">
-          <ac:chgData name="Miguel Trigueros Muñoz" userId="7753574ed83b4f98" providerId="LiveId" clId="{6148FBFC-C392-4943-A22E-A1ED985DCB5B}" dt="2025-07-08T10:30:37.616" v="257" actId="20577"/>
-          <ac:spMkLst>
-            <pc:docMk/>
-            <pc:sldMasterMk cId="876523488" sldId="2147483687"/>
-            <ac:spMk id="18" creationId="{F589B1CF-02D4-4456-3BF5-4299A2F5FF62}"/>
-          </ac:spMkLst>
-        </pc:spChg>
-      </pc:sldMasterChg>
-    </pc:docChg>
-  </pc:docChgLst>
-  <pc:docChgLst>
-    <pc:chgData name="MIGUEL TRIGUEROS MUÑOZ" userId="a4ee0321-97d7-430f-98a8-7ed13ff9a4bf" providerId="ADAL" clId="{9C88CFC2-C7BB-4861-A542-548B698160AC}"/>
-    <pc:docChg chg="undo redo custSel addSld delSld modSld modMainMaster modSection">
-      <pc:chgData name="MIGUEL TRIGUEROS MUÑOZ" userId="a4ee0321-97d7-430f-98a8-7ed13ff9a4bf" providerId="ADAL" clId="{9C88CFC2-C7BB-4861-A542-548B698160AC}" dt="2024-11-07T16:25:58.647" v="3666"/>
-      <pc:docMkLst>
-        <pc:docMk/>
-      </pc:docMkLst>
-      <pc:sldChg chg="modSp mod">
-        <pc:chgData name="MIGUEL TRIGUEROS MUÑOZ" userId="a4ee0321-97d7-430f-98a8-7ed13ff9a4bf" providerId="ADAL" clId="{9C88CFC2-C7BB-4861-A542-548B698160AC}" dt="2024-10-13T06:07:32.428" v="186" actId="1076"/>
-        <pc:sldMkLst>
-          <pc:docMk/>
-          <pc:sldMk cId="308865771" sldId="256"/>
-        </pc:sldMkLst>
-      </pc:sldChg>
-      <pc:sldChg chg="addSp modSp del mod modClrScheme chgLayout">
-        <pc:chgData name="MIGUEL TRIGUEROS MUÑOZ" userId="a4ee0321-97d7-430f-98a8-7ed13ff9a4bf" providerId="ADAL" clId="{9C88CFC2-C7BB-4861-A542-548B698160AC}" dt="2024-10-13T06:14:24.260" v="556" actId="2696"/>
-        <pc:sldMkLst>
-          <pc:docMk/>
-          <pc:sldMk cId="2182144064" sldId="295"/>
-        </pc:sldMkLst>
-      </pc:sldChg>
-      <pc:sldChg chg="modSp mod modClrScheme chgLayout modNotesTx">
-        <pc:chgData name="MIGUEL TRIGUEROS MUÑOZ" userId="a4ee0321-97d7-430f-98a8-7ed13ff9a4bf" providerId="ADAL" clId="{9C88CFC2-C7BB-4861-A542-548B698160AC}" dt="2024-11-07T16:24:31.005" v="3655"/>
-        <pc:sldMkLst>
-          <pc:docMk/>
-          <pc:sldMk cId="3881213358" sldId="296"/>
-        </pc:sldMkLst>
-      </pc:sldChg>
-      <pc:sldChg chg="addSp delSp modSp mod modClrScheme chgLayout modNotesTx">
-        <pc:chgData name="MIGUEL TRIGUEROS MUÑOZ" userId="a4ee0321-97d7-430f-98a8-7ed13ff9a4bf" providerId="ADAL" clId="{9C88CFC2-C7BB-4861-A542-548B698160AC}" dt="2024-10-21T21:48:45.356" v="1545" actId="20577"/>
-        <pc:sldMkLst>
-          <pc:docMk/>
-          <pc:sldMk cId="651048111" sldId="297"/>
-        </pc:sldMkLst>
-      </pc:sldChg>
-      <pc:sldChg chg="addSp delSp modSp mod modClrScheme chgLayout">
-        <pc:chgData name="MIGUEL TRIGUEROS MUÑOZ" userId="a4ee0321-97d7-430f-98a8-7ed13ff9a4bf" providerId="ADAL" clId="{9C88CFC2-C7BB-4861-A542-548B698160AC}" dt="2024-10-13T06:42:34.487" v="1003" actId="20577"/>
-        <pc:sldMkLst>
-          <pc:docMk/>
-          <pc:sldMk cId="1285496475" sldId="298"/>
-        </pc:sldMkLst>
-      </pc:sldChg>
-      <pc:sldChg chg="addSp delSp modSp mod modClrScheme chgLayout">
-        <pc:chgData name="MIGUEL TRIGUEROS MUÑOZ" userId="a4ee0321-97d7-430f-98a8-7ed13ff9a4bf" providerId="ADAL" clId="{9C88CFC2-C7BB-4861-A542-548B698160AC}" dt="2024-10-13T06:42:38.247" v="1007" actId="20577"/>
-        <pc:sldMkLst>
-          <pc:docMk/>
-          <pc:sldMk cId="975738591" sldId="299"/>
-        </pc:sldMkLst>
-      </pc:sldChg>
-      <pc:sldChg chg="addSp delSp modSp mod modClrScheme chgLayout">
-        <pc:chgData name="MIGUEL TRIGUEROS MUÑOZ" userId="a4ee0321-97d7-430f-98a8-7ed13ff9a4bf" providerId="ADAL" clId="{9C88CFC2-C7BB-4861-A542-548B698160AC}" dt="2024-10-13T06:42:43.134" v="1011" actId="20577"/>
-        <pc:sldMkLst>
-          <pc:docMk/>
-          <pc:sldMk cId="1286011775" sldId="300"/>
-        </pc:sldMkLst>
-      </pc:sldChg>
-      <pc:sldChg chg="modSp mod modClrScheme chgLayout">
-        <pc:chgData name="MIGUEL TRIGUEROS MUÑOZ" userId="a4ee0321-97d7-430f-98a8-7ed13ff9a4bf" providerId="ADAL" clId="{9C88CFC2-C7BB-4861-A542-548B698160AC}" dt="2024-10-22T16:48:45.692" v="2270" actId="20577"/>
-        <pc:sldMkLst>
-          <pc:docMk/>
-          <pc:sldMk cId="1662085430" sldId="302"/>
-        </pc:sldMkLst>
-      </pc:sldChg>
-      <pc:sldChg chg="addSp modSp mod modClrScheme chgLayout">
-        <pc:chgData name="MIGUEL TRIGUEROS MUÑOZ" userId="a4ee0321-97d7-430f-98a8-7ed13ff9a4bf" providerId="ADAL" clId="{9C88CFC2-C7BB-4861-A542-548B698160AC}" dt="2024-10-13T06:42:46.727" v="1015" actId="20577"/>
-        <pc:sldMkLst>
-          <pc:docMk/>
-          <pc:sldMk cId="1878582030" sldId="304"/>
-        </pc:sldMkLst>
-      </pc:sldChg>
-      <pc:sldChg chg="addSp modSp mod modClrScheme chgLayout modNotesTx">
-        <pc:chgData name="MIGUEL TRIGUEROS MUÑOZ" userId="a4ee0321-97d7-430f-98a8-7ed13ff9a4bf" providerId="ADAL" clId="{9C88CFC2-C7BB-4861-A542-548B698160AC}" dt="2024-11-03T07:38:48.522" v="2997" actId="20577"/>
-        <pc:sldMkLst>
-          <pc:docMk/>
-          <pc:sldMk cId="524834107" sldId="305"/>
-        </pc:sldMkLst>
-      </pc:sldChg>
-      <pc:sldChg chg="addSp modSp mod modClrScheme chgLayout">
-        <pc:chgData name="MIGUEL TRIGUEROS MUÑOZ" userId="a4ee0321-97d7-430f-98a8-7ed13ff9a4bf" providerId="ADAL" clId="{9C88CFC2-C7BB-4861-A542-548B698160AC}" dt="2024-11-03T08:30:00.894" v="3436" actId="1076"/>
-        <pc:sldMkLst>
-          <pc:docMk/>
-          <pc:sldMk cId="3007344242" sldId="306"/>
-        </pc:sldMkLst>
-      </pc:sldChg>
-      <pc:sldChg chg="modSp mod modClrScheme chgLayout">
-        <pc:chgData name="MIGUEL TRIGUEROS MUÑOZ" userId="a4ee0321-97d7-430f-98a8-7ed13ff9a4bf" providerId="ADAL" clId="{9C88CFC2-C7BB-4861-A542-548B698160AC}" dt="2024-10-22T18:23:24.747" v="2868" actId="20577"/>
-        <pc:sldMkLst>
-          <pc:docMk/>
-          <pc:sldMk cId="1441313987" sldId="308"/>
-        </pc:sldMkLst>
-      </pc:sldChg>
-      <pc:sldChg chg="addSp modSp mod modClrScheme chgLayout">
-        <pc:chgData name="MIGUEL TRIGUEROS MUÑOZ" userId="a4ee0321-97d7-430f-98a8-7ed13ff9a4bf" providerId="ADAL" clId="{9C88CFC2-C7BB-4861-A542-548B698160AC}" dt="2024-10-13T06:51:49.680" v="1066" actId="207"/>
-        <pc:sldMkLst>
-          <pc:docMk/>
-          <pc:sldMk cId="1679762254" sldId="309"/>
-        </pc:sldMkLst>
-      </pc:sldChg>
-      <pc:sldChg chg="addSp delSp modSp mod modClrScheme chgLayout">
-        <pc:chgData name="MIGUEL TRIGUEROS MUÑOZ" userId="a4ee0321-97d7-430f-98a8-7ed13ff9a4bf" providerId="ADAL" clId="{9C88CFC2-C7BB-4861-A542-548B698160AC}" dt="2024-10-13T06:58:23.880" v="1197" actId="20577"/>
-        <pc:sldMkLst>
-          <pc:docMk/>
-          <pc:sldMk cId="2242644199" sldId="310"/>
-        </pc:sldMkLst>
-      </pc:sldChg>
-      <pc:sldChg chg="addSp delSp modSp mod modClrScheme chgLayout">
-        <pc:chgData name="MIGUEL TRIGUEROS MUÑOZ" userId="a4ee0321-97d7-430f-98a8-7ed13ff9a4bf" providerId="ADAL" clId="{9C88CFC2-C7BB-4861-A542-548B698160AC}" dt="2024-11-03T07:47:33.487" v="3198" actId="1076"/>
-        <pc:sldMkLst>
-          <pc:docMk/>
-          <pc:sldMk cId="1813723418" sldId="311"/>
-        </pc:sldMkLst>
-      </pc:sldChg>
-      <pc:sldChg chg="addSp delSp modSp mod modClrScheme chgLayout">
-        <pc:chgData name="MIGUEL TRIGUEROS MUÑOZ" userId="a4ee0321-97d7-430f-98a8-7ed13ff9a4bf" providerId="ADAL" clId="{9C88CFC2-C7BB-4861-A542-548B698160AC}" dt="2024-10-13T07:05:36.452" v="1273" actId="20577"/>
-        <pc:sldMkLst>
-          <pc:docMk/>
-          <pc:sldMk cId="2269836530" sldId="312"/>
-        </pc:sldMkLst>
-      </pc:sldChg>
-      <pc:sldChg chg="addSp delSp modSp mod modClrScheme chgLayout modNotesTx">
-        <pc:chgData name="MIGUEL TRIGUEROS MUÑOZ" userId="a4ee0321-97d7-430f-98a8-7ed13ff9a4bf" providerId="ADAL" clId="{9C88CFC2-C7BB-4861-A542-548B698160AC}" dt="2024-11-03T07:45:55.769" v="3177" actId="20577"/>
-        <pc:sldMkLst>
-          <pc:docMk/>
-          <pc:sldMk cId="1814859966" sldId="313"/>
-        </pc:sldMkLst>
-      </pc:sldChg>
-      <pc:sldChg chg="modSp mod modClrScheme modCm chgLayout modNotesTx">
-        <pc:chgData name="MIGUEL TRIGUEROS MUÑOZ" userId="a4ee0321-97d7-430f-98a8-7ed13ff9a4bf" providerId="ADAL" clId="{9C88CFC2-C7BB-4861-A542-548B698160AC}" dt="2024-11-07T16:23:31.433" v="3626" actId="108"/>
-        <pc:sldMkLst>
-          <pc:docMk/>
-          <pc:sldMk cId="745458148" sldId="314"/>
-        </pc:sldMkLst>
-        <pc:extLst>
-          <p:ext xmlns:p="http://schemas.openxmlformats.org/presentationml/2006/main" uri="{D6D511B9-2390-475A-947B-AFAB55BFBCF1}">
-            <pc226:cmChg xmlns:pc226="http://schemas.microsoft.com/office/powerpoint/2022/06/main/command" chg="mod">
-              <pc226:chgData name="MIGUEL TRIGUEROS MUÑOZ" userId="a4ee0321-97d7-430f-98a8-7ed13ff9a4bf" providerId="ADAL" clId="{9C88CFC2-C7BB-4861-A542-548B698160AC}" dt="2024-11-07T16:23:06.098" v="3625" actId="6549"/>
-              <pc2:cmMkLst xmlns:pc2="http://schemas.microsoft.com/office/powerpoint/2019/9/main/command">
-                <pc:docMk/>
-                <pc:sldMk cId="745458148" sldId="314"/>
-                <pc2:cmMk id="{A31BAD83-C51C-46DB-88E1-1E3F9DD51A54}"/>
-              </pc2:cmMkLst>
-            </pc226:cmChg>
-          </p:ext>
-        </pc:extLst>
-      </pc:sldChg>
-      <pc:sldChg chg="modSp mod modClrScheme chgLayout modNotesTx">
-        <pc:chgData name="MIGUEL TRIGUEROS MUÑOZ" userId="a4ee0321-97d7-430f-98a8-7ed13ff9a4bf" providerId="ADAL" clId="{9C88CFC2-C7BB-4861-A542-548B698160AC}" dt="2024-11-03T11:43:28.856" v="3620" actId="113"/>
-        <pc:sldMkLst>
-          <pc:docMk/>
-          <pc:sldMk cId="279635090" sldId="315"/>
-        </pc:sldMkLst>
-      </pc:sldChg>
-      <pc:sldChg chg="addSp delSp modSp mod modClrScheme chgLayout">
-        <pc:chgData name="MIGUEL TRIGUEROS MUÑOZ" userId="a4ee0321-97d7-430f-98a8-7ed13ff9a4bf" providerId="ADAL" clId="{9C88CFC2-C7BB-4861-A542-548B698160AC}" dt="2024-10-13T07:06:36.897" v="1284" actId="164"/>
-        <pc:sldMkLst>
-          <pc:docMk/>
-          <pc:sldMk cId="2861142992" sldId="316"/>
-        </pc:sldMkLst>
-      </pc:sldChg>
-      <pc:sldChg chg="addSp modSp mod modClrScheme chgLayout">
-        <pc:chgData name="MIGUEL TRIGUEROS MUÑOZ" userId="a4ee0321-97d7-430f-98a8-7ed13ff9a4bf" providerId="ADAL" clId="{9C88CFC2-C7BB-4861-A542-548B698160AC}" dt="2024-10-13T07:03:56.865" v="1259" actId="1076"/>
-        <pc:sldMkLst>
-          <pc:docMk/>
-          <pc:sldMk cId="2928801094" sldId="317"/>
-        </pc:sldMkLst>
-      </pc:sldChg>
-      <pc:sldChg chg="addSp modSp mod modClrScheme chgLayout">
-        <pc:chgData name="MIGUEL TRIGUEROS MUÑOZ" userId="a4ee0321-97d7-430f-98a8-7ed13ff9a4bf" providerId="ADAL" clId="{9C88CFC2-C7BB-4861-A542-548B698160AC}" dt="2024-10-13T07:03:09.004" v="1251" actId="14100"/>
-        <pc:sldMkLst>
-          <pc:docMk/>
-          <pc:sldMk cId="3143426356" sldId="320"/>
-        </pc:sldMkLst>
-      </pc:sldChg>
-      <pc:sldChg chg="addSp delSp modSp mod modClrScheme chgLayout modNotesTx">
-        <pc:chgData name="MIGUEL TRIGUEROS MUÑOZ" userId="a4ee0321-97d7-430f-98a8-7ed13ff9a4bf" providerId="ADAL" clId="{9C88CFC2-C7BB-4861-A542-548B698160AC}" dt="2024-11-07T16:24:07.234" v="3632"/>
-        <pc:sldMkLst>
-          <pc:docMk/>
-          <pc:sldMk cId="2894294298" sldId="321"/>
-        </pc:sldMkLst>
-      </pc:sldChg>
-      <pc:sldChg chg="modSp mod modClrScheme chgLayout">
-        <pc:chgData name="MIGUEL TRIGUEROS MUÑOZ" userId="a4ee0321-97d7-430f-98a8-7ed13ff9a4bf" providerId="ADAL" clId="{9C88CFC2-C7BB-4861-A542-548B698160AC}" dt="2024-11-03T08:28:10.062" v="3364" actId="20577"/>
-        <pc:sldMkLst>
-          <pc:docMk/>
-          <pc:sldMk cId="986423972" sldId="322"/>
-        </pc:sldMkLst>
-      </pc:sldChg>
-      <pc:sldChg chg="addSp modSp mod modClrScheme chgLayout modNotesTx">
-        <pc:chgData name="MIGUEL TRIGUEROS MUÑOZ" userId="a4ee0321-97d7-430f-98a8-7ed13ff9a4bf" providerId="ADAL" clId="{9C88CFC2-C7BB-4861-A542-548B698160AC}" dt="2024-11-07T16:25:23.619" v="3664" actId="20577"/>
-        <pc:sldMkLst>
-          <pc:docMk/>
-          <pc:sldMk cId="1069880379" sldId="323"/>
-        </pc:sldMkLst>
-      </pc:sldChg>
-      <pc:sldChg chg="addSp modSp mod modClrScheme chgLayout">
-        <pc:chgData name="MIGUEL TRIGUEROS MUÑOZ" userId="a4ee0321-97d7-430f-98a8-7ed13ff9a4bf" providerId="ADAL" clId="{9C88CFC2-C7BB-4861-A542-548B698160AC}" dt="2024-10-13T07:30:34.483" v="1501" actId="6549"/>
-        <pc:sldMkLst>
-          <pc:docMk/>
-          <pc:sldMk cId="2304737095" sldId="324"/>
-        </pc:sldMkLst>
-      </pc:sldChg>
-      <pc:sldChg chg="addSp modSp mod modClrScheme chgLayout">
-        <pc:chgData name="MIGUEL TRIGUEROS MUÑOZ" userId="a4ee0321-97d7-430f-98a8-7ed13ff9a4bf" providerId="ADAL" clId="{9C88CFC2-C7BB-4861-A542-548B698160AC}" dt="2024-10-13T07:09:50.239" v="1358" actId="20577"/>
-        <pc:sldMkLst>
-          <pc:docMk/>
-          <pc:sldMk cId="1122745256" sldId="325"/>
-        </pc:sldMkLst>
-      </pc:sldChg>
-      <pc:sldChg chg="addSp delSp modSp mod modClrScheme chgLayout">
-        <pc:chgData name="MIGUEL TRIGUEROS MUÑOZ" userId="a4ee0321-97d7-430f-98a8-7ed13ff9a4bf" providerId="ADAL" clId="{9C88CFC2-C7BB-4861-A542-548B698160AC}" dt="2024-10-13T07:12:58.055" v="1377" actId="20577"/>
-        <pc:sldMkLst>
-          <pc:docMk/>
-          <pc:sldMk cId="3983183523" sldId="326"/>
-        </pc:sldMkLst>
-      </pc:sldChg>
-      <pc:sldChg chg="modSp del">
-        <pc:chgData name="MIGUEL TRIGUEROS MUÑOZ" userId="a4ee0321-97d7-430f-98a8-7ed13ff9a4bf" providerId="ADAL" clId="{9C88CFC2-C7BB-4861-A542-548B698160AC}" dt="2024-10-21T21:47:54.151" v="1531" actId="47"/>
-        <pc:sldMkLst>
-          <pc:docMk/>
-          <pc:sldMk cId="1414400370" sldId="327"/>
-        </pc:sldMkLst>
-      </pc:sldChg>
-      <pc:sldChg chg="addSp modSp mod modClrScheme chgLayout">
-        <pc:chgData name="MIGUEL TRIGUEROS MUÑOZ" userId="a4ee0321-97d7-430f-98a8-7ed13ff9a4bf" providerId="ADAL" clId="{9C88CFC2-C7BB-4861-A542-548B698160AC}" dt="2024-10-13T07:08:30.129" v="1311" actId="20577"/>
-        <pc:sldMkLst>
-          <pc:docMk/>
-          <pc:sldMk cId="3410194891" sldId="328"/>
-        </pc:sldMkLst>
-      </pc:sldChg>
-      <pc:sldChg chg="addSp modSp mod modClrScheme chgLayout">
-        <pc:chgData name="MIGUEL TRIGUEROS MUÑOZ" userId="a4ee0321-97d7-430f-98a8-7ed13ff9a4bf" providerId="ADAL" clId="{9C88CFC2-C7BB-4861-A542-548B698160AC}" dt="2024-10-13T07:02:13.786" v="1245" actId="5793"/>
-        <pc:sldMkLst>
-          <pc:docMk/>
-          <pc:sldMk cId="544873430" sldId="330"/>
-        </pc:sldMkLst>
-      </pc:sldChg>
-      <pc:sldChg chg="addSp modSp mod modClrScheme chgLayout">
-        <pc:chgData name="MIGUEL TRIGUEROS MUÑOZ" userId="a4ee0321-97d7-430f-98a8-7ed13ff9a4bf" providerId="ADAL" clId="{9C88CFC2-C7BB-4861-A542-548B698160AC}" dt="2024-10-13T07:06:29.513" v="1283" actId="164"/>
-        <pc:sldMkLst>
-          <pc:docMk/>
-          <pc:sldMk cId="959411268" sldId="331"/>
-        </pc:sldMkLst>
-      </pc:sldChg>
-      <pc:sldChg chg="addSp modSp mod modClrScheme chgLayout">
-        <pc:chgData name="MIGUEL TRIGUEROS MUÑOZ" userId="a4ee0321-97d7-430f-98a8-7ed13ff9a4bf" providerId="ADAL" clId="{9C88CFC2-C7BB-4861-A542-548B698160AC}" dt="2024-10-13T07:06:17.928" v="1282" actId="164"/>
-        <pc:sldMkLst>
-          <pc:docMk/>
-          <pc:sldMk cId="1952241282" sldId="332"/>
-        </pc:sldMkLst>
-      </pc:sldChg>
-      <pc:sldChg chg="modSp mod modClrScheme chgLayout">
-        <pc:chgData name="MIGUEL TRIGUEROS MUÑOZ" userId="a4ee0321-97d7-430f-98a8-7ed13ff9a4bf" providerId="ADAL" clId="{9C88CFC2-C7BB-4861-A542-548B698160AC}" dt="2024-10-13T07:17:57.181" v="1455" actId="1076"/>
-        <pc:sldMkLst>
-          <pc:docMk/>
-          <pc:sldMk cId="2336738011" sldId="333"/>
-        </pc:sldMkLst>
-      </pc:sldChg>
-      <pc:sldChg chg="addSp delSp modSp del mod modClrScheme chgLayout">
-        <pc:chgData name="MIGUEL TRIGUEROS MUÑOZ" userId="a4ee0321-97d7-430f-98a8-7ed13ff9a4bf" providerId="ADAL" clId="{9C88CFC2-C7BB-4861-A542-548B698160AC}" dt="2024-10-13T06:14:24.239" v="554" actId="2696"/>
-        <pc:sldMkLst>
-          <pc:docMk/>
-          <pc:sldMk cId="1325656893" sldId="334"/>
-        </pc:sldMkLst>
-      </pc:sldChg>
-      <pc:sldChg chg="addSp modSp del mod modClrScheme chgLayout">
-        <pc:chgData name="MIGUEL TRIGUEROS MUÑOZ" userId="a4ee0321-97d7-430f-98a8-7ed13ff9a4bf" providerId="ADAL" clId="{9C88CFC2-C7BB-4861-A542-548B698160AC}" dt="2024-10-13T06:14:24.249" v="555" actId="2696"/>
-        <pc:sldMkLst>
-          <pc:docMk/>
-          <pc:sldMk cId="2012064882" sldId="335"/>
-        </pc:sldMkLst>
-      </pc:sldChg>
-      <pc:sldChg chg="modSp mod modClrScheme chgLayout">
-        <pc:chgData name="MIGUEL TRIGUEROS MUÑOZ" userId="a4ee0321-97d7-430f-98a8-7ed13ff9a4bf" providerId="ADAL" clId="{9C88CFC2-C7BB-4861-A542-548B698160AC}" dt="2024-10-13T06:16:08.170" v="598" actId="1076"/>
-        <pc:sldMkLst>
-          <pc:docMk/>
-          <pc:sldMk cId="3389564933" sldId="336"/>
-        </pc:sldMkLst>
-      </pc:sldChg>
-      <pc:sldChg chg="modSp mod modClrScheme chgLayout">
-        <pc:chgData name="MIGUEL TRIGUEROS MUÑOZ" userId="a4ee0321-97d7-430f-98a8-7ed13ff9a4bf" providerId="ADAL" clId="{9C88CFC2-C7BB-4861-A542-548B698160AC}" dt="2024-10-13T06:16:11.472" v="599" actId="1076"/>
-        <pc:sldMkLst>
-          <pc:docMk/>
-          <pc:sldMk cId="3634630687" sldId="337"/>
-        </pc:sldMkLst>
-      </pc:sldChg>
-      <pc:sldChg chg="addSp modSp mod modClrScheme chgLayout">
-        <pc:chgData name="MIGUEL TRIGUEROS MUÑOZ" userId="a4ee0321-97d7-430f-98a8-7ed13ff9a4bf" providerId="ADAL" clId="{9C88CFC2-C7BB-4861-A542-548B698160AC}" dt="2024-10-13T06:42:50.381" v="1019" actId="20577"/>
-        <pc:sldMkLst>
-          <pc:docMk/>
-          <pc:sldMk cId="2601617281" sldId="338"/>
-        </pc:sldMkLst>
-      </pc:sldChg>
-      <pc:sldChg chg="addSp modSp mod modClrScheme chgLayout">
-        <pc:chgData name="MIGUEL TRIGUEROS MUÑOZ" userId="a4ee0321-97d7-430f-98a8-7ed13ff9a4bf" providerId="ADAL" clId="{9C88CFC2-C7BB-4861-A542-548B698160AC}" dt="2024-10-22T12:09:32.402" v="1602" actId="1076"/>
-        <pc:sldMkLst>
-          <pc:docMk/>
-          <pc:sldMk cId="548552804" sldId="339"/>
-        </pc:sldMkLst>
-      </pc:sldChg>
-      <pc:sldChg chg="addSp modSp mod modClrScheme chgLayout">
-        <pc:chgData name="MIGUEL TRIGUEROS MUÑOZ" userId="a4ee0321-97d7-430f-98a8-7ed13ff9a4bf" providerId="ADAL" clId="{9C88CFC2-C7BB-4861-A542-548B698160AC}" dt="2024-10-13T06:43:05.284" v="1031" actId="20577"/>
-        <pc:sldMkLst>
-          <pc:docMk/>
-          <pc:sldMk cId="1855636476" sldId="340"/>
-        </pc:sldMkLst>
-      </pc:sldChg>
-      <pc:sldChg chg="addSp modSp mod modClrScheme chgLayout">
-        <pc:chgData name="MIGUEL TRIGUEROS MUÑOZ" userId="a4ee0321-97d7-430f-98a8-7ed13ff9a4bf" providerId="ADAL" clId="{9C88CFC2-C7BB-4861-A542-548B698160AC}" dt="2024-10-13T07:14:19.082" v="1427" actId="15"/>
-        <pc:sldMkLst>
-          <pc:docMk/>
-          <pc:sldMk cId="3761948457" sldId="341"/>
-        </pc:sldMkLst>
-      </pc:sldChg>
-      <pc:sldChg chg="addSp modSp mod modClrScheme chgLayout">
-        <pc:chgData name="MIGUEL TRIGUEROS MUÑOZ" userId="a4ee0321-97d7-430f-98a8-7ed13ff9a4bf" providerId="ADAL" clId="{9C88CFC2-C7BB-4861-A542-548B698160AC}" dt="2024-10-13T07:14:31.932" v="1435" actId="20577"/>
-        <pc:sldMkLst>
-          <pc:docMk/>
-          <pc:sldMk cId="1759713922" sldId="342"/>
-        </pc:sldMkLst>
-      </pc:sldChg>
-      <pc:sldChg chg="modSp mod modClrScheme chgLayout">
-        <pc:chgData name="MIGUEL TRIGUEROS MUÑOZ" userId="a4ee0321-97d7-430f-98a8-7ed13ff9a4bf" providerId="ADAL" clId="{9C88CFC2-C7BB-4861-A542-548B698160AC}" dt="2024-10-22T12:02:59.415" v="1561" actId="20577"/>
-        <pc:sldMkLst>
-          <pc:docMk/>
-          <pc:sldMk cId="1363057816" sldId="343"/>
-        </pc:sldMkLst>
-      </pc:sldChg>
-      <pc:sldChg chg="modSp del mod modClrScheme chgLayout">
-        <pc:chgData name="MIGUEL TRIGUEROS MUÑOZ" userId="a4ee0321-97d7-430f-98a8-7ed13ff9a4bf" providerId="ADAL" clId="{9C88CFC2-C7BB-4861-A542-548B698160AC}" dt="2024-10-22T16:46:51.559" v="2268" actId="2696"/>
-        <pc:sldMkLst>
-          <pc:docMk/>
-          <pc:sldMk cId="3323428066" sldId="344"/>
-        </pc:sldMkLst>
-      </pc:sldChg>
-      <pc:sldChg chg="modSp del mod modClrScheme chgLayout">
-        <pc:chgData name="MIGUEL TRIGUEROS MUÑOZ" userId="a4ee0321-97d7-430f-98a8-7ed13ff9a4bf" providerId="ADAL" clId="{9C88CFC2-C7BB-4861-A542-548B698160AC}" dt="2024-10-22T16:46:51.559" v="2268" actId="2696"/>
-        <pc:sldMkLst>
-          <pc:docMk/>
-          <pc:sldMk cId="59108425" sldId="345"/>
-        </pc:sldMkLst>
-      </pc:sldChg>
-      <pc:sldChg chg="modSp del mod modClrScheme chgLayout">
-        <pc:chgData name="MIGUEL TRIGUEROS MUÑOZ" userId="a4ee0321-97d7-430f-98a8-7ed13ff9a4bf" providerId="ADAL" clId="{9C88CFC2-C7BB-4861-A542-548B698160AC}" dt="2024-10-22T16:46:51.559" v="2268" actId="2696"/>
-        <pc:sldMkLst>
-          <pc:docMk/>
-          <pc:sldMk cId="1293908598" sldId="346"/>
-        </pc:sldMkLst>
-      </pc:sldChg>
-      <pc:sldChg chg="modSp del mod modClrScheme chgLayout">
-        <pc:chgData name="MIGUEL TRIGUEROS MUÑOZ" userId="a4ee0321-97d7-430f-98a8-7ed13ff9a4bf" providerId="ADAL" clId="{9C88CFC2-C7BB-4861-A542-548B698160AC}" dt="2024-10-22T16:46:51.559" v="2268" actId="2696"/>
-        <pc:sldMkLst>
-          <pc:docMk/>
-          <pc:sldMk cId="42083021" sldId="347"/>
-        </pc:sldMkLst>
-      </pc:sldChg>
-      <pc:sldChg chg="modSp del mod modClrScheme chgLayout">
-        <pc:chgData name="MIGUEL TRIGUEROS MUÑOZ" userId="a4ee0321-97d7-430f-98a8-7ed13ff9a4bf" providerId="ADAL" clId="{9C88CFC2-C7BB-4861-A542-548B698160AC}" dt="2024-10-22T16:46:51.559" v="2268" actId="2696"/>
-        <pc:sldMkLst>
-          <pc:docMk/>
-          <pc:sldMk cId="982610843" sldId="348"/>
-        </pc:sldMkLst>
-      </pc:sldChg>
-      <pc:sldChg chg="modSp del mod modClrScheme chgLayout">
-        <pc:chgData name="MIGUEL TRIGUEROS MUÑOZ" userId="a4ee0321-97d7-430f-98a8-7ed13ff9a4bf" providerId="ADAL" clId="{9C88CFC2-C7BB-4861-A542-548B698160AC}" dt="2024-10-22T16:46:51.559" v="2268" actId="2696"/>
-        <pc:sldMkLst>
-          <pc:docMk/>
-          <pc:sldMk cId="796993660" sldId="349"/>
-        </pc:sldMkLst>
-      </pc:sldChg>
-      <pc:sldChg chg="modSp add del">
-        <pc:chgData name="MIGUEL TRIGUEROS MUÑOZ" userId="a4ee0321-97d7-430f-98a8-7ed13ff9a4bf" providerId="ADAL" clId="{9C88CFC2-C7BB-4861-A542-548B698160AC}" dt="2024-10-13T06:21:32.427" v="712" actId="2696"/>
-        <pc:sldMkLst>
-          <pc:docMk/>
-          <pc:sldMk cId="868835383" sldId="350"/>
-        </pc:sldMkLst>
-      </pc:sldChg>
-      <pc:sldChg chg="modSp add del">
-        <pc:chgData name="MIGUEL TRIGUEROS MUÑOZ" userId="a4ee0321-97d7-430f-98a8-7ed13ff9a4bf" providerId="ADAL" clId="{9C88CFC2-C7BB-4861-A542-548B698160AC}" dt="2024-10-13T06:18:06.867" v="613" actId="2696"/>
-        <pc:sldMkLst>
-          <pc:docMk/>
-          <pc:sldMk cId="923694121" sldId="350"/>
-        </pc:sldMkLst>
-      </pc:sldChg>
-      <pc:sldChg chg="modSp add del">
-        <pc:chgData name="MIGUEL TRIGUEROS MUÑOZ" userId="a4ee0321-97d7-430f-98a8-7ed13ff9a4bf" providerId="ADAL" clId="{9C88CFC2-C7BB-4861-A542-548B698160AC}" dt="2024-10-13T07:13:15.505" v="1405" actId="2696"/>
-        <pc:sldMkLst>
-          <pc:docMk/>
-          <pc:sldMk cId="1174595158" sldId="350"/>
-        </pc:sldMkLst>
-      </pc:sldChg>
-      <pc:sldChg chg="addSp delSp modSp add mod modClrScheme chgLayout modNotesTx">
-        <pc:chgData name="MIGUEL TRIGUEROS MUÑOZ" userId="a4ee0321-97d7-430f-98a8-7ed13ff9a4bf" providerId="ADAL" clId="{9C88CFC2-C7BB-4861-A542-548B698160AC}" dt="2024-11-07T16:25:46.221" v="3665"/>
-        <pc:sldMkLst>
-          <pc:docMk/>
-          <pc:sldMk cId="1188484412" sldId="350"/>
-        </pc:sldMkLst>
-      </pc:sldChg>
-      <pc:sldChg chg="modSp add del">
-        <pc:chgData name="MIGUEL TRIGUEROS MUÑOZ" userId="a4ee0321-97d7-430f-98a8-7ed13ff9a4bf" providerId="ADAL" clId="{9C88CFC2-C7BB-4861-A542-548B698160AC}" dt="2024-10-13T07:14:01.622" v="1423" actId="2696"/>
-        <pc:sldMkLst>
-          <pc:docMk/>
-          <pc:sldMk cId="1625039490" sldId="350"/>
-        </pc:sldMkLst>
-      </pc:sldChg>
-      <pc:sldChg chg="modSp add del">
-        <pc:chgData name="MIGUEL TRIGUEROS MUÑOZ" userId="a4ee0321-97d7-430f-98a8-7ed13ff9a4bf" providerId="ADAL" clId="{9C88CFC2-C7BB-4861-A542-548B698160AC}" dt="2024-10-13T07:09:09.304" v="1343"/>
-        <pc:sldMkLst>
-          <pc:docMk/>
-          <pc:sldMk cId="1989159900" sldId="350"/>
-        </pc:sldMkLst>
-      </pc:sldChg>
-      <pc:sldChg chg="modSp add del">
-        <pc:chgData name="MIGUEL TRIGUEROS MUÑOZ" userId="a4ee0321-97d7-430f-98a8-7ed13ff9a4bf" providerId="ADAL" clId="{9C88CFC2-C7BB-4861-A542-548B698160AC}" dt="2024-10-13T06:19:42.053" v="681" actId="2696"/>
-        <pc:sldMkLst>
-          <pc:docMk/>
-          <pc:sldMk cId="2218038200" sldId="350"/>
-        </pc:sldMkLst>
-      </pc:sldChg>
-      <pc:sldChg chg="modSp add del">
-        <pc:chgData name="MIGUEL TRIGUEROS MUÑOZ" userId="a4ee0321-97d7-430f-98a8-7ed13ff9a4bf" providerId="ADAL" clId="{9C88CFC2-C7BB-4861-A542-548B698160AC}" dt="2024-10-13T06:19:04.673" v="658"/>
-        <pc:sldMkLst>
-          <pc:docMk/>
-          <pc:sldMk cId="2461667371" sldId="350"/>
-        </pc:sldMkLst>
-      </pc:sldChg>
-      <pc:sldChg chg="modSp add del">
-        <pc:chgData name="MIGUEL TRIGUEROS MUÑOZ" userId="a4ee0321-97d7-430f-98a8-7ed13ff9a4bf" providerId="ADAL" clId="{9C88CFC2-C7BB-4861-A542-548B698160AC}" dt="2024-10-13T06:53:02.789" v="1071" actId="2696"/>
-        <pc:sldMkLst>
-          <pc:docMk/>
-          <pc:sldMk cId="2657817143" sldId="350"/>
-        </pc:sldMkLst>
-      </pc:sldChg>
-      <pc:sldChg chg="modSp add del">
-        <pc:chgData name="MIGUEL TRIGUEROS MUÑOZ" userId="a4ee0321-97d7-430f-98a8-7ed13ff9a4bf" providerId="ADAL" clId="{9C88CFC2-C7BB-4861-A542-548B698160AC}" dt="2024-10-13T06:19:06.124" v="660" actId="2696"/>
-        <pc:sldMkLst>
-          <pc:docMk/>
-          <pc:sldMk cId="2857524527" sldId="350"/>
-        </pc:sldMkLst>
-      </pc:sldChg>
-      <pc:sldChg chg="modSp add del">
-        <pc:chgData name="MIGUEL TRIGUEROS MUÑOZ" userId="a4ee0321-97d7-430f-98a8-7ed13ff9a4bf" providerId="ADAL" clId="{9C88CFC2-C7BB-4861-A542-548B698160AC}" dt="2024-10-13T06:19:25.051" v="665" actId="2696"/>
-        <pc:sldMkLst>
-          <pc:docMk/>
-          <pc:sldMk cId="2867982799" sldId="350"/>
-        </pc:sldMkLst>
-      </pc:sldChg>
-      <pc:sldChg chg="modSp add del">
-        <pc:chgData name="MIGUEL TRIGUEROS MUÑOZ" userId="a4ee0321-97d7-430f-98a8-7ed13ff9a4bf" providerId="ADAL" clId="{9C88CFC2-C7BB-4861-A542-548B698160AC}" dt="2024-10-13T07:12:25.108" v="1370" actId="2696"/>
-        <pc:sldMkLst>
-          <pc:docMk/>
-          <pc:sldMk cId="2894411345" sldId="350"/>
-        </pc:sldMkLst>
-      </pc:sldChg>
-      <pc:sldChg chg="modSp add del">
-        <pc:chgData name="MIGUEL TRIGUEROS MUÑOZ" userId="a4ee0321-97d7-430f-98a8-7ed13ff9a4bf" providerId="ADAL" clId="{9C88CFC2-C7BB-4861-A542-548B698160AC}" dt="2024-10-13T07:12:38.303" v="1375" actId="2696"/>
-        <pc:sldMkLst>
-          <pc:docMk/>
-          <pc:sldMk cId="3434666207" sldId="350"/>
-        </pc:sldMkLst>
-      </pc:sldChg>
-      <pc:sldChg chg="modSp add del">
-        <pc:chgData name="MIGUEL TRIGUEROS MUÑOZ" userId="a4ee0321-97d7-430f-98a8-7ed13ff9a4bf" providerId="ADAL" clId="{9C88CFC2-C7BB-4861-A542-548B698160AC}" dt="2024-10-13T07:09:47.973" v="1355" actId="2696"/>
-        <pc:sldMkLst>
-          <pc:docMk/>
-          <pc:sldMk cId="4255889001" sldId="350"/>
-        </pc:sldMkLst>
-      </pc:sldChg>
-      <pc:sldChg chg="addSp delSp modSp add mod modClrScheme chgLayout">
-        <pc:chgData name="MIGUEL TRIGUEROS MUÑOZ" userId="a4ee0321-97d7-430f-98a8-7ed13ff9a4bf" providerId="ADAL" clId="{9C88CFC2-C7BB-4861-A542-548B698160AC}" dt="2024-10-22T15:39:29.146" v="1732" actId="33524"/>
-        <pc:sldMkLst>
-          <pc:docMk/>
-          <pc:sldMk cId="2076484974" sldId="351"/>
-        </pc:sldMkLst>
-      </pc:sldChg>
-      <pc:sldChg chg="modSp add del">
-        <pc:chgData name="MIGUEL TRIGUEROS MUÑOZ" userId="a4ee0321-97d7-430f-98a8-7ed13ff9a4bf" providerId="ADAL" clId="{9C88CFC2-C7BB-4861-A542-548B698160AC}" dt="2024-10-13T07:19:05.761" v="1493" actId="2696"/>
-        <pc:sldMkLst>
-          <pc:docMk/>
-          <pc:sldMk cId="3060298993" sldId="351"/>
-        </pc:sldMkLst>
-      </pc:sldChg>
-      <pc:sldChg chg="addSp delSp modSp new mod modNotesTx">
-        <pc:chgData name="MIGUEL TRIGUEROS MUÑOZ" userId="a4ee0321-97d7-430f-98a8-7ed13ff9a4bf" providerId="ADAL" clId="{9C88CFC2-C7BB-4861-A542-548B698160AC}" dt="2024-11-07T16:25:58.647" v="3666"/>
-        <pc:sldMkLst>
-          <pc:docMk/>
-          <pc:sldMk cId="683416156" sldId="352"/>
-        </pc:sldMkLst>
-      </pc:sldChg>
-      <pc:sldChg chg="addSp modSp add mod">
-        <pc:chgData name="MIGUEL TRIGUEROS MUÑOZ" userId="a4ee0321-97d7-430f-98a8-7ed13ff9a4bf" providerId="ADAL" clId="{9C88CFC2-C7BB-4861-A542-548B698160AC}" dt="2024-10-22T16:25:43.228" v="1796" actId="1076"/>
-        <pc:sldMkLst>
-          <pc:docMk/>
-          <pc:sldMk cId="1131165253" sldId="353"/>
-        </pc:sldMkLst>
-      </pc:sldChg>
-      <pc:sldChg chg="addSp delSp modSp new mod">
-        <pc:chgData name="MIGUEL TRIGUEROS MUÑOZ" userId="a4ee0321-97d7-430f-98a8-7ed13ff9a4bf" providerId="ADAL" clId="{9C88CFC2-C7BB-4861-A542-548B698160AC}" dt="2024-10-22T16:35:21.019" v="2228" actId="15"/>
-        <pc:sldMkLst>
-          <pc:docMk/>
-          <pc:sldMk cId="3098520206" sldId="354"/>
-        </pc:sldMkLst>
-      </pc:sldChg>
-      <pc:sldChg chg="addSp delSp modSp new mod modClrScheme chgLayout">
-        <pc:chgData name="MIGUEL TRIGUEROS MUÑOZ" userId="a4ee0321-97d7-430f-98a8-7ed13ff9a4bf" providerId="ADAL" clId="{9C88CFC2-C7BB-4861-A542-548B698160AC}" dt="2024-10-22T16:50:58.344" v="2573" actId="20577"/>
-        <pc:sldMkLst>
-          <pc:docMk/>
-          <pc:sldMk cId="3753997660" sldId="355"/>
-        </pc:sldMkLst>
-      </pc:sldChg>
-      <pc:sldMasterChg chg="addSp modSp mod delSldLayout modSldLayout">
-        <pc:chgData name="MIGUEL TRIGUEROS MUÑOZ" userId="a4ee0321-97d7-430f-98a8-7ed13ff9a4bf" providerId="ADAL" clId="{9C88CFC2-C7BB-4861-A542-548B698160AC}" dt="2024-10-22T16:40:06.553" v="2266" actId="20577"/>
-        <pc:sldMasterMkLst>
-          <pc:docMk/>
-          <pc:sldMasterMk cId="876523488" sldId="2147483687"/>
-        </pc:sldMasterMkLst>
-        <pc:sldLayoutChg chg="modSp">
-          <pc:chgData name="MIGUEL TRIGUEROS MUÑOZ" userId="a4ee0321-97d7-430f-98a8-7ed13ff9a4bf" providerId="ADAL" clId="{9C88CFC2-C7BB-4861-A542-548B698160AC}" dt="2024-10-13T06:05:40.843" v="184"/>
-          <pc:sldLayoutMkLst>
-            <pc:docMk/>
-            <pc:sldMasterMk cId="876523488" sldId="2147483687"/>
-            <pc:sldLayoutMk cId="2151700916" sldId="2147483669"/>
-          </pc:sldLayoutMkLst>
-        </pc:sldLayoutChg>
-        <pc:sldLayoutChg chg="modSp">
-          <pc:chgData name="MIGUEL TRIGUEROS MUÑOZ" userId="a4ee0321-97d7-430f-98a8-7ed13ff9a4bf" providerId="ADAL" clId="{9C88CFC2-C7BB-4861-A542-548B698160AC}" dt="2024-10-13T06:05:40.843" v="184"/>
-          <pc:sldLayoutMkLst>
-            <pc:docMk/>
-            <pc:sldMasterMk cId="876523488" sldId="2147483687"/>
-            <pc:sldLayoutMk cId="1007035637" sldId="2147483686"/>
-          </pc:sldLayoutMkLst>
-        </pc:sldLayoutChg>
-        <pc:sldLayoutChg chg="del">
-          <pc:chgData name="MIGUEL TRIGUEROS MUÑOZ" userId="a4ee0321-97d7-430f-98a8-7ed13ff9a4bf" providerId="ADAL" clId="{9C88CFC2-C7BB-4861-A542-548B698160AC}" dt="2024-10-21T21:47:54.151" v="1531" actId="47"/>
-          <pc:sldLayoutMkLst>
-            <pc:docMk/>
-            <pc:sldMasterMk cId="876523488" sldId="2147483687"/>
-            <pc:sldLayoutMk cId="3461786865" sldId="2147483696"/>
-          </pc:sldLayoutMkLst>
-        </pc:sldLayoutChg>
-      </pc:sldMasterChg>
-    </pc:docChg>
-  </pc:docChgLst>
-  <pc:docChgLst>
-    <pc:chgData name="MIGUEL TRIGUEROS MUÑOZ" userId="a4ee0321-97d7-430f-98a8-7ed13ff9a4bf" providerId="ADAL" clId="{ECF7CA32-5363-4D47-B025-306E25F55430}"/>
-    <pc:docChg chg="undo redo custSel addSld delSld modSld sldOrd modMainMaster modSection">
-      <pc:chgData name="MIGUEL TRIGUEROS MUÑOZ" userId="a4ee0321-97d7-430f-98a8-7ed13ff9a4bf" providerId="ADAL" clId="{ECF7CA32-5363-4D47-B025-306E25F55430}" dt="2023-12-10T17:50:55.406" v="3306"/>
-      <pc:docMkLst>
-        <pc:docMk/>
-      </pc:docMkLst>
-      <pc:sldChg chg="addSp delSp modSp mod">
-        <pc:chgData name="MIGUEL TRIGUEROS MUÑOZ" userId="a4ee0321-97d7-430f-98a8-7ed13ff9a4bf" providerId="ADAL" clId="{ECF7CA32-5363-4D47-B025-306E25F55430}" dt="2023-11-26T06:44:07.136" v="2127" actId="1076"/>
-        <pc:sldMkLst>
-          <pc:docMk/>
-          <pc:sldMk cId="308865771" sldId="256"/>
-        </pc:sldMkLst>
-      </pc:sldChg>
-      <pc:sldChg chg="delSp modSp mod addCm">
-        <pc:chgData name="MIGUEL TRIGUEROS MUÑOZ" userId="a4ee0321-97d7-430f-98a8-7ed13ff9a4bf" providerId="ADAL" clId="{ECF7CA32-5363-4D47-B025-306E25F55430}" dt="2023-12-03T16:41:05.523" v="3048" actId="20577"/>
-        <pc:sldMkLst>
-          <pc:docMk/>
-          <pc:sldMk cId="2182144064" sldId="295"/>
-        </pc:sldMkLst>
-        <pc:extLst>
-          <p:ext xmlns:p="http://schemas.openxmlformats.org/presentationml/2006/main" uri="{D6D511B9-2390-475A-947B-AFAB55BFBCF1}">
-            <pc226:cmChg xmlns:pc226="http://schemas.microsoft.com/office/powerpoint/2022/06/main/command" chg="add">
-              <pc226:chgData name="MIGUEL TRIGUEROS MUÑOZ" userId="a4ee0321-97d7-430f-98a8-7ed13ff9a4bf" providerId="ADAL" clId="{ECF7CA32-5363-4D47-B025-306E25F55430}" dt="2023-11-25T07:18:35.948" v="409"/>
-              <pc2:cmMkLst xmlns:pc2="http://schemas.microsoft.com/office/powerpoint/2019/9/main/command">
-                <pc:docMk/>
-                <pc:sldMk cId="2182144064" sldId="295"/>
-                <pc2:cmMk id="{CA9C8CAE-6CDC-4224-88C4-31AC8CCAA95F}"/>
-              </pc2:cmMkLst>
-            </pc226:cmChg>
-          </p:ext>
-        </pc:extLst>
-      </pc:sldChg>
-      <pc:sldChg chg="addSp delSp modSp mod">
-        <pc:chgData name="MIGUEL TRIGUEROS MUÑOZ" userId="a4ee0321-97d7-430f-98a8-7ed13ff9a4bf" providerId="ADAL" clId="{ECF7CA32-5363-4D47-B025-306E25F55430}" dt="2023-12-06T11:21:44.910" v="3139" actId="14100"/>
-        <pc:sldMkLst>
-          <pc:docMk/>
-          <pc:sldMk cId="3881213358" sldId="296"/>
-        </pc:sldMkLst>
-      </pc:sldChg>
-      <pc:sldChg chg="modSp mod">
-        <pc:chgData name="MIGUEL TRIGUEROS MUÑOZ" userId="a4ee0321-97d7-430f-98a8-7ed13ff9a4bf" providerId="ADAL" clId="{ECF7CA32-5363-4D47-B025-306E25F55430}" dt="2023-12-10T17:47:50.163" v="3259" actId="207"/>
-        <pc:sldMkLst>
-          <pc:docMk/>
-          <pc:sldMk cId="1286011775" sldId="300"/>
-        </pc:sldMkLst>
-      </pc:sldChg>
-      <pc:sldChg chg="modSp">
-        <pc:chgData name="MIGUEL TRIGUEROS MUÑOZ" userId="a4ee0321-97d7-430f-98a8-7ed13ff9a4bf" providerId="ADAL" clId="{ECF7CA32-5363-4D47-B025-306E25F55430}" dt="2023-11-25T10:40:06.923" v="1766" actId="20577"/>
-        <pc:sldMkLst>
-          <pc:docMk/>
-          <pc:sldMk cId="1662085430" sldId="302"/>
-        </pc:sldMkLst>
-      </pc:sldChg>
-      <pc:sldChg chg="addSp delSp modSp mod">
-        <pc:chgData name="MIGUEL TRIGUEROS MUÑOZ" userId="a4ee0321-97d7-430f-98a8-7ed13ff9a4bf" providerId="ADAL" clId="{ECF7CA32-5363-4D47-B025-306E25F55430}" dt="2023-12-10T17:47:53.734" v="3260" actId="207"/>
-        <pc:sldMkLst>
-          <pc:docMk/>
-          <pc:sldMk cId="1878582030" sldId="304"/>
-        </pc:sldMkLst>
-      </pc:sldChg>
-      <pc:sldChg chg="addSp modSp mod">
-        <pc:chgData name="MIGUEL TRIGUEROS MUÑOZ" userId="a4ee0321-97d7-430f-98a8-7ed13ff9a4bf" providerId="ADAL" clId="{ECF7CA32-5363-4D47-B025-306E25F55430}" dt="2023-11-26T07:33:38.517" v="2905" actId="20577"/>
-        <pc:sldMkLst>
-          <pc:docMk/>
-          <pc:sldMk cId="524834107" sldId="305"/>
-        </pc:sldMkLst>
-      </pc:sldChg>
-      <pc:sldChg chg="addSp delSp modSp mod">
-        <pc:chgData name="MIGUEL TRIGUEROS MUÑOZ" userId="a4ee0321-97d7-430f-98a8-7ed13ff9a4bf" providerId="ADAL" clId="{ECF7CA32-5363-4D47-B025-306E25F55430}" dt="2023-12-03T16:46:13.291" v="3103" actId="113"/>
-        <pc:sldMkLst>
-          <pc:docMk/>
-          <pc:sldMk cId="3007344242" sldId="306"/>
-        </pc:sldMkLst>
-      </pc:sldChg>
-      <pc:sldChg chg="addSp delSp modSp mod">
-        <pc:chgData name="MIGUEL TRIGUEROS MUÑOZ" userId="a4ee0321-97d7-430f-98a8-7ed13ff9a4bf" providerId="ADAL" clId="{ECF7CA32-5363-4D47-B025-306E25F55430}" dt="2023-12-03T16:47:44.029" v="3120" actId="20577"/>
-        <pc:sldMkLst>
-          <pc:docMk/>
-          <pc:sldMk cId="1441313987" sldId="308"/>
-        </pc:sldMkLst>
-      </pc:sldChg>
-      <pc:sldChg chg="modSp">
-        <pc:chgData name="MIGUEL TRIGUEROS MUÑOZ" userId="a4ee0321-97d7-430f-98a8-7ed13ff9a4bf" providerId="ADAL" clId="{ECF7CA32-5363-4D47-B025-306E25F55430}" dt="2023-11-26T07:35:58.589" v="2951" actId="20577"/>
-        <pc:sldMkLst>
-          <pc:docMk/>
-          <pc:sldMk cId="1679762254" sldId="309"/>
-        </pc:sldMkLst>
-      </pc:sldChg>
-      <pc:sldChg chg="modSp addCm">
-        <pc:chgData name="MIGUEL TRIGUEROS MUÑOZ" userId="a4ee0321-97d7-430f-98a8-7ed13ff9a4bf" providerId="ADAL" clId="{ECF7CA32-5363-4D47-B025-306E25F55430}" dt="2023-12-10T17:50:55.406" v="3306"/>
-        <pc:sldMkLst>
-          <pc:docMk/>
-          <pc:sldMk cId="2242644199" sldId="310"/>
-        </pc:sldMkLst>
-        <pc:extLst>
-          <p:ext xmlns:p="http://schemas.openxmlformats.org/presentationml/2006/main" uri="{D6D511B9-2390-475A-947B-AFAB55BFBCF1}">
-            <pc226:cmChg xmlns:pc226="http://schemas.microsoft.com/office/powerpoint/2022/06/main/command" chg="add">
-              <pc226:chgData name="MIGUEL TRIGUEROS MUÑOZ" userId="a4ee0321-97d7-430f-98a8-7ed13ff9a4bf" providerId="ADAL" clId="{ECF7CA32-5363-4D47-B025-306E25F55430}" dt="2023-12-10T17:50:55.406" v="3306"/>
-              <pc2:cmMkLst xmlns:pc2="http://schemas.microsoft.com/office/powerpoint/2019/9/main/command">
-                <pc:docMk/>
-                <pc:sldMk cId="2242644199" sldId="310"/>
-                <pc2:cmMk id="{67C8A8FA-5B21-4352-9C79-EB9142759F2D}"/>
-              </pc2:cmMkLst>
-            </pc226:cmChg>
-          </p:ext>
-        </pc:extLst>
-      </pc:sldChg>
-      <pc:sldChg chg="modSp">
-        <pc:chgData name="MIGUEL TRIGUEROS MUÑOZ" userId="a4ee0321-97d7-430f-98a8-7ed13ff9a4bf" providerId="ADAL" clId="{ECF7CA32-5363-4D47-B025-306E25F55430}" dt="2023-11-26T07:41:28.771" v="2992" actId="20577"/>
-        <pc:sldMkLst>
-          <pc:docMk/>
-          <pc:sldMk cId="2269836530" sldId="312"/>
-        </pc:sldMkLst>
-      </pc:sldChg>
-      <pc:sldChg chg="delSp modSp mod">
-        <pc:chgData name="MIGUEL TRIGUEROS MUÑOZ" userId="a4ee0321-97d7-430f-98a8-7ed13ff9a4bf" providerId="ADAL" clId="{ECF7CA32-5363-4D47-B025-306E25F55430}" dt="2023-11-26T07:14:26.572" v="2640" actId="20577"/>
-        <pc:sldMkLst>
-          <pc:docMk/>
-          <pc:sldMk cId="745458148" sldId="314"/>
-        </pc:sldMkLst>
-      </pc:sldChg>
-      <pc:sldChg chg="addSp delSp modSp mod">
-        <pc:chgData name="MIGUEL TRIGUEROS MUÑOZ" userId="a4ee0321-97d7-430f-98a8-7ed13ff9a4bf" providerId="ADAL" clId="{ECF7CA32-5363-4D47-B025-306E25F55430}" dt="2023-12-10T17:49:36.524" v="3305" actId="20577"/>
-        <pc:sldMkLst>
-          <pc:docMk/>
-          <pc:sldMk cId="279635090" sldId="315"/>
-        </pc:sldMkLst>
-      </pc:sldChg>
-      <pc:sldChg chg="addSp delSp modSp mod addCm">
-        <pc:chgData name="MIGUEL TRIGUEROS MUÑOZ" userId="a4ee0321-97d7-430f-98a8-7ed13ff9a4bf" providerId="ADAL" clId="{ECF7CA32-5363-4D47-B025-306E25F55430}" dt="2023-11-26T07:06:42.666" v="2606" actId="9405"/>
-        <pc:sldMkLst>
-          <pc:docMk/>
-          <pc:sldMk cId="2861142992" sldId="316"/>
-        </pc:sldMkLst>
-        <pc:extLst>
-          <p:ext xmlns:p="http://schemas.openxmlformats.org/presentationml/2006/main" uri="{D6D511B9-2390-475A-947B-AFAB55BFBCF1}">
-            <pc226:cmChg xmlns:pc226="http://schemas.microsoft.com/office/powerpoint/2022/06/main/command" chg="add">
-              <pc226:chgData name="MIGUEL TRIGUEROS MUÑOZ" userId="a4ee0321-97d7-430f-98a8-7ed13ff9a4bf" providerId="ADAL" clId="{ECF7CA32-5363-4D47-B025-306E25F55430}" dt="2023-11-25T07:24:21.334" v="421"/>
-              <pc2:cmMkLst xmlns:pc2="http://schemas.microsoft.com/office/powerpoint/2019/9/main/command">
-                <pc:docMk/>
-                <pc:sldMk cId="2861142992" sldId="316"/>
-                <pc2:cmMk id="{1A07DCB7-E8E0-4095-912E-CA94356E266C}"/>
-              </pc2:cmMkLst>
-            </pc226:cmChg>
-          </p:ext>
-        </pc:extLst>
-      </pc:sldChg>
-      <pc:sldChg chg="addSp delSp modSp mod">
-        <pc:chgData name="MIGUEL TRIGUEROS MUÑOZ" userId="a4ee0321-97d7-430f-98a8-7ed13ff9a4bf" providerId="ADAL" clId="{ECF7CA32-5363-4D47-B025-306E25F55430}" dt="2023-11-26T06:52:56.488" v="2311" actId="20577"/>
-        <pc:sldMkLst>
-          <pc:docMk/>
-          <pc:sldMk cId="2928801094" sldId="317"/>
-        </pc:sldMkLst>
-      </pc:sldChg>
-      <pc:sldChg chg="delSp del">
-        <pc:chgData name="MIGUEL TRIGUEROS MUÑOZ" userId="a4ee0321-97d7-430f-98a8-7ed13ff9a4bf" providerId="ADAL" clId="{ECF7CA32-5363-4D47-B025-306E25F55430}" dt="2023-11-26T07:09:27.655" v="2619" actId="2696"/>
-        <pc:sldMkLst>
-          <pc:docMk/>
-          <pc:sldMk cId="579504102" sldId="318"/>
-        </pc:sldMkLst>
-      </pc:sldChg>
-      <pc:sldChg chg="delSp del">
-        <pc:chgData name="MIGUEL TRIGUEROS MUÑOZ" userId="a4ee0321-97d7-430f-98a8-7ed13ff9a4bf" providerId="ADAL" clId="{ECF7CA32-5363-4D47-B025-306E25F55430}" dt="2023-11-26T07:11:06.637" v="2627" actId="2696"/>
-        <pc:sldMkLst>
-          <pc:docMk/>
-          <pc:sldMk cId="3820478449" sldId="319"/>
-        </pc:sldMkLst>
-      </pc:sldChg>
-      <pc:sldChg chg="addSp delSp modSp mod ord">
-        <pc:chgData name="MIGUEL TRIGUEROS MUÑOZ" userId="a4ee0321-97d7-430f-98a8-7ed13ff9a4bf" providerId="ADAL" clId="{ECF7CA32-5363-4D47-B025-306E25F55430}" dt="2023-11-26T07:05:04.814" v="2592" actId="14100"/>
-        <pc:sldMkLst>
-          <pc:docMk/>
-          <pc:sldMk cId="3143426356" sldId="320"/>
-        </pc:sldMkLst>
-      </pc:sldChg>
-      <pc:sldChg chg="addSp delSp modSp add mod ord">
-        <pc:chgData name="MIGUEL TRIGUEROS MUÑOZ" userId="a4ee0321-97d7-430f-98a8-7ed13ff9a4bf" providerId="ADAL" clId="{ECF7CA32-5363-4D47-B025-306E25F55430}" dt="2023-12-03T16:39:36.963" v="3037" actId="207"/>
-        <pc:sldMkLst>
-          <pc:docMk/>
-          <pc:sldMk cId="2894294298" sldId="321"/>
-        </pc:sldMkLst>
-      </pc:sldChg>
-      <pc:sldChg chg="addSp delSp modSp add mod">
-        <pc:chgData name="MIGUEL TRIGUEROS MUÑOZ" userId="a4ee0321-97d7-430f-98a8-7ed13ff9a4bf" providerId="ADAL" clId="{ECF7CA32-5363-4D47-B025-306E25F55430}" dt="2023-11-25T06:27:45.248" v="153" actId="207"/>
-        <pc:sldMkLst>
-          <pc:docMk/>
-          <pc:sldMk cId="986423972" sldId="322"/>
-        </pc:sldMkLst>
-      </pc:sldChg>
-      <pc:sldChg chg="modSp add del">
-        <pc:chgData name="MIGUEL TRIGUEROS MUÑOZ" userId="a4ee0321-97d7-430f-98a8-7ed13ff9a4bf" providerId="ADAL" clId="{ECF7CA32-5363-4D47-B025-306E25F55430}" dt="2023-11-25T06:30:59.477" v="303" actId="2696"/>
-        <pc:sldMkLst>
-          <pc:docMk/>
-          <pc:sldMk cId="848466910" sldId="323"/>
-        </pc:sldMkLst>
-      </pc:sldChg>
-      <pc:sldChg chg="addSp delSp modSp add mod">
-        <pc:chgData name="MIGUEL TRIGUEROS MUÑOZ" userId="a4ee0321-97d7-430f-98a8-7ed13ff9a4bf" providerId="ADAL" clId="{ECF7CA32-5363-4D47-B025-306E25F55430}" dt="2023-11-26T07:16:21.965" v="2670" actId="20577"/>
-        <pc:sldMkLst>
-          <pc:docMk/>
-          <pc:sldMk cId="1069880379" sldId="323"/>
-        </pc:sldMkLst>
-      </pc:sldChg>
-      <pc:sldChg chg="modSp add del">
-        <pc:chgData name="MIGUEL TRIGUEROS MUÑOZ" userId="a4ee0321-97d7-430f-98a8-7ed13ff9a4bf" providerId="ADAL" clId="{ECF7CA32-5363-4D47-B025-306E25F55430}" dt="2023-11-25T07:25:57.010" v="438" actId="2696"/>
-        <pc:sldMkLst>
-          <pc:docMk/>
-          <pc:sldMk cId="1573640797" sldId="323"/>
-        </pc:sldMkLst>
-      </pc:sldChg>
-      <pc:sldChg chg="addSp delSp modSp add mod">
-        <pc:chgData name="MIGUEL TRIGUEROS MUÑOZ" userId="a4ee0321-97d7-430f-98a8-7ed13ff9a4bf" providerId="ADAL" clId="{ECF7CA32-5363-4D47-B025-306E25F55430}" dt="2023-11-25T10:20:38.957" v="1509" actId="208"/>
-        <pc:sldMkLst>
-          <pc:docMk/>
-          <pc:sldMk cId="2304737095" sldId="324"/>
-        </pc:sldMkLst>
-      </pc:sldChg>
-      <pc:sldChg chg="modSp add del">
-        <pc:chgData name="MIGUEL TRIGUEROS MUÑOZ" userId="a4ee0321-97d7-430f-98a8-7ed13ff9a4bf" providerId="ADAL" clId="{ECF7CA32-5363-4D47-B025-306E25F55430}" dt="2023-11-25T07:27:01.097" v="479" actId="2696"/>
-        <pc:sldMkLst>
-          <pc:docMk/>
-          <pc:sldMk cId="4030946607" sldId="324"/>
-        </pc:sldMkLst>
-      </pc:sldChg>
-      <pc:sldChg chg="addSp delSp modSp add mod">
-        <pc:chgData name="MIGUEL TRIGUEROS MUÑOZ" userId="a4ee0321-97d7-430f-98a8-7ed13ff9a4bf" providerId="ADAL" clId="{ECF7CA32-5363-4D47-B025-306E25F55430}" dt="2023-11-26T07:20:29.060" v="2745" actId="14100"/>
-        <pc:sldMkLst>
-          <pc:docMk/>
-          <pc:sldMk cId="1122745256" sldId="325"/>
-        </pc:sldMkLst>
-      </pc:sldChg>
-      <pc:sldChg chg="modSp add del">
-        <pc:chgData name="MIGUEL TRIGUEROS MUÑOZ" userId="a4ee0321-97d7-430f-98a8-7ed13ff9a4bf" providerId="ADAL" clId="{ECF7CA32-5363-4D47-B025-306E25F55430}" dt="2023-11-25T07:31:49.926" v="823" actId="2696"/>
-        <pc:sldMkLst>
-          <pc:docMk/>
-          <pc:sldMk cId="1524151713" sldId="325"/>
-        </pc:sldMkLst>
-      </pc:sldChg>
-      <pc:sldChg chg="modSp add del">
-        <pc:chgData name="MIGUEL TRIGUEROS MUÑOZ" userId="a4ee0321-97d7-430f-98a8-7ed13ff9a4bf" providerId="ADAL" clId="{ECF7CA32-5363-4D47-B025-306E25F55430}" dt="2023-11-25T07:37:42.276" v="1051" actId="2696"/>
-        <pc:sldMkLst>
-          <pc:docMk/>
-          <pc:sldMk cId="1483350769" sldId="326"/>
-        </pc:sldMkLst>
-      </pc:sldChg>
-      <pc:sldChg chg="addSp delSp modSp add mod">
-        <pc:chgData name="MIGUEL TRIGUEROS MUÑOZ" userId="a4ee0321-97d7-430f-98a8-7ed13ff9a4bf" providerId="ADAL" clId="{ECF7CA32-5363-4D47-B025-306E25F55430}" dt="2023-11-26T07:27:07.131" v="2750" actId="20577"/>
-        <pc:sldMkLst>
-          <pc:docMk/>
-          <pc:sldMk cId="3983183523" sldId="326"/>
-        </pc:sldMkLst>
-      </pc:sldChg>
-      <pc:sldChg chg="addSp modSp add mod">
-        <pc:chgData name="MIGUEL TRIGUEROS MUÑOZ" userId="a4ee0321-97d7-430f-98a8-7ed13ff9a4bf" providerId="ADAL" clId="{ECF7CA32-5363-4D47-B025-306E25F55430}" dt="2023-11-25T09:36:43.537" v="1401" actId="1076"/>
-        <pc:sldMkLst>
-          <pc:docMk/>
-          <pc:sldMk cId="1414400370" sldId="327"/>
-        </pc:sldMkLst>
-      </pc:sldChg>
-      <pc:sldChg chg="modSp add del">
-        <pc:chgData name="MIGUEL TRIGUEROS MUÑOZ" userId="a4ee0321-97d7-430f-98a8-7ed13ff9a4bf" providerId="ADAL" clId="{ECF7CA32-5363-4D47-B025-306E25F55430}" dt="2023-11-25T07:55:01.807" v="1364" actId="2696"/>
-        <pc:sldMkLst>
-          <pc:docMk/>
-          <pc:sldMk cId="3976127957" sldId="327"/>
-        </pc:sldMkLst>
-      </pc:sldChg>
-      <pc:sldChg chg="addSp delSp modSp add mod">
-        <pc:chgData name="MIGUEL TRIGUEROS MUÑOZ" userId="a4ee0321-97d7-430f-98a8-7ed13ff9a4bf" providerId="ADAL" clId="{ECF7CA32-5363-4D47-B025-306E25F55430}" dt="2023-11-26T07:19:39.014" v="2736" actId="14100"/>
-        <pc:sldMkLst>
-          <pc:docMk/>
-          <pc:sldMk cId="3410194891" sldId="328"/>
-        </pc:sldMkLst>
-      </pc:sldChg>
-      <pc:sldChg chg="modSp add del">
-        <pc:chgData name="MIGUEL TRIGUEROS MUÑOZ" userId="a4ee0321-97d7-430f-98a8-7ed13ff9a4bf" providerId="ADAL" clId="{ECF7CA32-5363-4D47-B025-306E25F55430}" dt="2023-11-25T09:36:29.535" v="1387" actId="2696"/>
-        <pc:sldMkLst>
-          <pc:docMk/>
-          <pc:sldMk cId="4286382909" sldId="328"/>
-        </pc:sldMkLst>
-      </pc:sldChg>
-      <pc:sldChg chg="modSp add">
-        <pc:chgData name="MIGUEL TRIGUEROS MUÑOZ" userId="a4ee0321-97d7-430f-98a8-7ed13ff9a4bf" providerId="ADAL" clId="{ECF7CA32-5363-4D47-B025-306E25F55430}" dt="2023-11-25T10:43:11.383" v="1946" actId="313"/>
-        <pc:sldMkLst>
-          <pc:docMk/>
-          <pc:sldMk cId="97368630" sldId="329"/>
-        </pc:sldMkLst>
-      </pc:sldChg>
-      <pc:sldChg chg="modSp add del">
-        <pc:chgData name="MIGUEL TRIGUEROS MUÑOZ" userId="a4ee0321-97d7-430f-98a8-7ed13ff9a4bf" providerId="ADAL" clId="{ECF7CA32-5363-4D47-B025-306E25F55430}" dt="2023-11-25T10:12:46.233" v="1466" actId="2696"/>
-        <pc:sldMkLst>
-          <pc:docMk/>
-          <pc:sldMk cId="1940515242" sldId="329"/>
-        </pc:sldMkLst>
-      </pc:sldChg>
-      <pc:sldChg chg="addSp delSp modSp add ord">
-        <pc:chgData name="MIGUEL TRIGUEROS MUÑOZ" userId="a4ee0321-97d7-430f-98a8-7ed13ff9a4bf" providerId="ADAL" clId="{ECF7CA32-5363-4D47-B025-306E25F55430}" dt="2023-11-26T07:44:12.644" v="2995" actId="20577"/>
-        <pc:sldMkLst>
-          <pc:docMk/>
-          <pc:sldMk cId="544873430" sldId="330"/>
-        </pc:sldMkLst>
-      </pc:sldChg>
-      <pc:sldChg chg="modSp add del">
-        <pc:chgData name="MIGUEL TRIGUEROS MUÑOZ" userId="a4ee0321-97d7-430f-98a8-7ed13ff9a4bf" providerId="ADAL" clId="{ECF7CA32-5363-4D47-B025-306E25F55430}" dt="2023-11-26T06:54:32.280" v="2372"/>
-        <pc:sldMkLst>
-          <pc:docMk/>
-          <pc:sldMk cId="892033424" sldId="330"/>
-        </pc:sldMkLst>
-      </pc:sldChg>
-      <pc:sldChg chg="modSp add del">
-        <pc:chgData name="MIGUEL TRIGUEROS MUÑOZ" userId="a4ee0321-97d7-430f-98a8-7ed13ff9a4bf" providerId="ADAL" clId="{ECF7CA32-5363-4D47-B025-306E25F55430}" dt="2023-11-26T06:54:03.899" v="2343"/>
-        <pc:sldMkLst>
-          <pc:docMk/>
-          <pc:sldMk cId="2651884297" sldId="330"/>
-        </pc:sldMkLst>
-      </pc:sldChg>
-      <pc:sldChg chg="modSp add del">
-        <pc:chgData name="MIGUEL TRIGUEROS MUÑOZ" userId="a4ee0321-97d7-430f-98a8-7ed13ff9a4bf" providerId="ADAL" clId="{ECF7CA32-5363-4D47-B025-306E25F55430}" dt="2023-11-25T10:42:12.409" v="1802" actId="2696"/>
-        <pc:sldMkLst>
-          <pc:docMk/>
-          <pc:sldMk cId="2800968920" sldId="330"/>
-        </pc:sldMkLst>
-      </pc:sldChg>
-      <pc:sldChg chg="modSp add del">
-        <pc:chgData name="MIGUEL TRIGUEROS MUÑOZ" userId="a4ee0321-97d7-430f-98a8-7ed13ff9a4bf" providerId="ADAL" clId="{ECF7CA32-5363-4D47-B025-306E25F55430}" dt="2023-11-26T06:48:46.763" v="2190" actId="2696"/>
-        <pc:sldMkLst>
-          <pc:docMk/>
-          <pc:sldMk cId="4046763815" sldId="330"/>
-        </pc:sldMkLst>
-      </pc:sldChg>
-      <pc:sldChg chg="modSp add del">
-        <pc:chgData name="MIGUEL TRIGUEROS MUÑOZ" userId="a4ee0321-97d7-430f-98a8-7ed13ff9a4bf" providerId="ADAL" clId="{ECF7CA32-5363-4D47-B025-306E25F55430}" dt="2023-11-26T07:01:33.194" v="2543"/>
-        <pc:sldMkLst>
-          <pc:docMk/>
-          <pc:sldMk cId="324130740" sldId="331"/>
-        </pc:sldMkLst>
-      </pc:sldChg>
-      <pc:sldChg chg="addSp delSp modSp add mod">
-        <pc:chgData name="MIGUEL TRIGUEROS MUÑOZ" userId="a4ee0321-97d7-430f-98a8-7ed13ff9a4bf" providerId="ADAL" clId="{ECF7CA32-5363-4D47-B025-306E25F55430}" dt="2023-11-26T07:12:23.725" v="2628" actId="9405"/>
-        <pc:sldMkLst>
-          <pc:docMk/>
-          <pc:sldMk cId="959411268" sldId="331"/>
-        </pc:sldMkLst>
-      </pc:sldChg>
-      <pc:sldChg chg="modSp add del">
-        <pc:chgData name="MIGUEL TRIGUEROS MUÑOZ" userId="a4ee0321-97d7-430f-98a8-7ed13ff9a4bf" providerId="ADAL" clId="{ECF7CA32-5363-4D47-B025-306E25F55430}" dt="2023-11-26T07:01:40.599" v="2547" actId="2696"/>
-        <pc:sldMkLst>
-          <pc:docMk/>
-          <pc:sldMk cId="1611791801" sldId="331"/>
-        </pc:sldMkLst>
-      </pc:sldChg>
-      <pc:sldChg chg="modSp add del">
-        <pc:chgData name="MIGUEL TRIGUEROS MUÑOZ" userId="a4ee0321-97d7-430f-98a8-7ed13ff9a4bf" providerId="ADAL" clId="{ECF7CA32-5363-4D47-B025-306E25F55430}" dt="2023-11-26T07:00:33.270" v="2530" actId="2696"/>
-        <pc:sldMkLst>
-          <pc:docMk/>
-          <pc:sldMk cId="3419335723" sldId="331"/>
-        </pc:sldMkLst>
-      </pc:sldChg>
-      <pc:sldChg chg="addSp delSp modSp add mod">
-        <pc:chgData name="MIGUEL TRIGUEROS MUÑOZ" userId="a4ee0321-97d7-430f-98a8-7ed13ff9a4bf" providerId="ADAL" clId="{ECF7CA32-5363-4D47-B025-306E25F55430}" dt="2023-11-26T07:12:27.933" v="2629" actId="9405"/>
-        <pc:sldMkLst>
-          <pc:docMk/>
-          <pc:sldMk cId="1952241282" sldId="332"/>
-        </pc:sldMkLst>
-      </pc:sldChg>
-      <pc:sldChg chg="addSp modSp add mod">
-        <pc:chgData name="MIGUEL TRIGUEROS MUÑOZ" userId="a4ee0321-97d7-430f-98a8-7ed13ff9a4bf" providerId="ADAL" clId="{ECF7CA32-5363-4D47-B025-306E25F55430}" dt="2023-11-26T07:29:44.157" v="2882" actId="14100"/>
-        <pc:sldMkLst>
-          <pc:docMk/>
-          <pc:sldMk cId="2336738011" sldId="333"/>
-        </pc:sldMkLst>
-      </pc:sldChg>
-      <pc:sldChg chg="addSp delSp modSp add mod ord">
-        <pc:chgData name="MIGUEL TRIGUEROS MUÑOZ" userId="a4ee0321-97d7-430f-98a8-7ed13ff9a4bf" providerId="ADAL" clId="{ECF7CA32-5363-4D47-B025-306E25F55430}" dt="2023-12-03T16:38:30.670" v="3023" actId="207"/>
-        <pc:sldMkLst>
-          <pc:docMk/>
-          <pc:sldMk cId="1325656893" sldId="334"/>
-        </pc:sldMkLst>
-      </pc:sldChg>
-      <pc:sldChg chg="modSp add del">
-        <pc:chgData name="MIGUEL TRIGUEROS MUÑOZ" userId="a4ee0321-97d7-430f-98a8-7ed13ff9a4bf" providerId="ADAL" clId="{ECF7CA32-5363-4D47-B025-306E25F55430}" dt="2023-11-26T07:27:17.041" v="2778" actId="2696"/>
-        <pc:sldMkLst>
-          <pc:docMk/>
-          <pc:sldMk cId="3295419295" sldId="334"/>
-        </pc:sldMkLst>
-      </pc:sldChg>
-      <pc:sldChg chg="addSp delSp modSp add mod">
-        <pc:chgData name="MIGUEL TRIGUEROS MUÑOZ" userId="a4ee0321-97d7-430f-98a8-7ed13ff9a4bf" providerId="ADAL" clId="{ECF7CA32-5363-4D47-B025-306E25F55430}" dt="2023-12-03T16:38:38.624" v="3028" actId="207"/>
-        <pc:sldMkLst>
-          <pc:docMk/>
-          <pc:sldMk cId="2012064882" sldId="335"/>
-        </pc:sldMkLst>
-      </pc:sldChg>
-      <pc:sldChg chg="addSp modSp new mod">
-        <pc:chgData name="MIGUEL TRIGUEROS MUÑOZ" userId="a4ee0321-97d7-430f-98a8-7ed13ff9a4bf" providerId="ADAL" clId="{ECF7CA32-5363-4D47-B025-306E25F55430}" dt="2023-12-03T16:43:28.336" v="3088"/>
-        <pc:sldMkLst>
-          <pc:docMk/>
-          <pc:sldMk cId="3389564933" sldId="336"/>
-        </pc:sldMkLst>
-      </pc:sldChg>
-      <pc:sldChg chg="addSp delSp modSp add mod">
-        <pc:chgData name="MIGUEL TRIGUEROS MUÑOZ" userId="a4ee0321-97d7-430f-98a8-7ed13ff9a4bf" providerId="ADAL" clId="{ECF7CA32-5363-4D47-B025-306E25F55430}" dt="2023-12-03T16:44:29.728" v="3101" actId="1076"/>
-        <pc:sldMkLst>
-          <pc:docMk/>
-          <pc:sldMk cId="3634630687" sldId="337"/>
-        </pc:sldMkLst>
-      </pc:sldChg>
-      <pc:sldChg chg="modSp add del">
-        <pc:chgData name="MIGUEL TRIGUEROS MUÑOZ" userId="a4ee0321-97d7-430f-98a8-7ed13ff9a4bf" providerId="ADAL" clId="{ECF7CA32-5363-4D47-B025-306E25F55430}" dt="2023-12-06T11:20:26.290" v="3129" actId="2696"/>
-        <pc:sldMkLst>
-          <pc:docMk/>
-          <pc:sldMk cId="608183959" sldId="338"/>
-        </pc:sldMkLst>
-      </pc:sldChg>
-      <pc:sldChg chg="modSp add del">
-        <pc:chgData name="MIGUEL TRIGUEROS MUÑOZ" userId="a4ee0321-97d7-430f-98a8-7ed13ff9a4bf" providerId="ADAL" clId="{ECF7CA32-5363-4D47-B025-306E25F55430}" dt="2023-12-06T11:25:25.506" v="3141" actId="2696"/>
-        <pc:sldMkLst>
-          <pc:docMk/>
-          <pc:sldMk cId="1017278950" sldId="338"/>
-        </pc:sldMkLst>
-      </pc:sldChg>
-      <pc:sldChg chg="modSp add del">
-        <pc:chgData name="MIGUEL TRIGUEROS MUÑOZ" userId="a4ee0321-97d7-430f-98a8-7ed13ff9a4bf" providerId="ADAL" clId="{ECF7CA32-5363-4D47-B025-306E25F55430}" dt="2023-12-06T11:19:50.724" v="3122" actId="2696"/>
-        <pc:sldMkLst>
-          <pc:docMk/>
-          <pc:sldMk cId="2167009757" sldId="338"/>
-        </pc:sldMkLst>
-      </pc:sldChg>
-      <pc:sldChg chg="modSp add del">
-        <pc:chgData name="MIGUEL TRIGUEROS MUÑOZ" userId="a4ee0321-97d7-430f-98a8-7ed13ff9a4bf" providerId="ADAL" clId="{ECF7CA32-5363-4D47-B025-306E25F55430}" dt="2023-12-06T11:26:52.405" v="3188" actId="2696"/>
-        <pc:sldMkLst>
-          <pc:docMk/>
-          <pc:sldMk cId="3847534666" sldId="338"/>
-        </pc:sldMkLst>
-      </pc:sldChg>
-      <pc:sldMasterChg chg="delSp modSp mod">
-        <pc:chgData name="MIGUEL TRIGUEROS MUÑOZ" userId="a4ee0321-97d7-430f-98a8-7ed13ff9a4bf" providerId="ADAL" clId="{ECF7CA32-5363-4D47-B025-306E25F55430}" dt="2023-11-25T07:31:14.933" v="791" actId="14100"/>
-        <pc:sldMasterMkLst>
-          <pc:docMk/>
-          <pc:sldMasterMk cId="138951284" sldId="2147483668"/>
-        </pc:sldMasterMkLst>
-      </pc:sldMasterChg>
-    </pc:docChg>
-  </pc:docChgLst>
-  <pc:docChgLst>
-    <pc:chgData name="TRIGUEROS MUÑOZ, MIGUEL" userId="93f31087-8566-4d16-a7a1-f20635823349" providerId="ADAL" clId="{28A45800-A829-4FF9-9AF1-45101DDF326D}"/>
-    <pc:docChg chg="custSel modSld modMainMaster addSection modSection">
-      <pc:chgData name="TRIGUEROS MUÑOZ, MIGUEL" userId="93f31087-8566-4d16-a7a1-f20635823349" providerId="ADAL" clId="{28A45800-A829-4FF9-9AF1-45101DDF326D}" dt="2022-11-20T17:40:05.951" v="87"/>
-      <pc:docMkLst>
-        <pc:docMk/>
-      </pc:docMkLst>
-      <pc:sldChg chg="addSp delSp modSp">
-        <pc:chgData name="TRIGUEROS MUÑOZ, MIGUEL" userId="93f31087-8566-4d16-a7a1-f20635823349" providerId="ADAL" clId="{28A45800-A829-4FF9-9AF1-45101DDF326D}" dt="2022-11-20T17:38:11.657" v="78"/>
-        <pc:sldMkLst>
-          <pc:docMk/>
-          <pc:sldMk cId="308865771" sldId="256"/>
-        </pc:sldMkLst>
-      </pc:sldChg>
-      <pc:sldChg chg="delSp mod">
-        <pc:chgData name="TRIGUEROS MUÑOZ, MIGUEL" userId="93f31087-8566-4d16-a7a1-f20635823349" providerId="ADAL" clId="{28A45800-A829-4FF9-9AF1-45101DDF326D}" dt="2022-11-20T17:39:17.696" v="82" actId="478"/>
-        <pc:sldMkLst>
-          <pc:docMk/>
-          <pc:sldMk cId="3881213358" sldId="296"/>
-        </pc:sldMkLst>
-      </pc:sldChg>
-      <pc:sldChg chg="modSp mod">
-        <pc:chgData name="TRIGUEROS MUÑOZ, MIGUEL" userId="93f31087-8566-4d16-a7a1-f20635823349" providerId="ADAL" clId="{28A45800-A829-4FF9-9AF1-45101DDF326D}" dt="2022-11-20T17:33:14.803" v="28" actId="20577"/>
-        <pc:sldMkLst>
-          <pc:docMk/>
-          <pc:sldMk cId="1662085430" sldId="302"/>
-        </pc:sldMkLst>
-      </pc:sldChg>
-      <pc:sldChg chg="addSp delSp modSp mod">
-        <pc:chgData name="TRIGUEROS MUÑOZ, MIGUEL" userId="93f31087-8566-4d16-a7a1-f20635823349" providerId="ADAL" clId="{28A45800-A829-4FF9-9AF1-45101DDF326D}" dt="2022-11-20T17:36:04.460" v="64" actId="21"/>
-        <pc:sldMkLst>
-          <pc:docMk/>
-          <pc:sldMk cId="745458148" sldId="314"/>
-        </pc:sldMkLst>
-      </pc:sldChg>
-      <pc:sldChg chg="delSp mod">
-        <pc:chgData name="TRIGUEROS MUÑOZ, MIGUEL" userId="93f31087-8566-4d16-a7a1-f20635823349" providerId="ADAL" clId="{28A45800-A829-4FF9-9AF1-45101DDF326D}" dt="2022-11-20T17:38:26.571" v="79" actId="478"/>
-        <pc:sldMkLst>
-          <pc:docMk/>
-          <pc:sldMk cId="279635090" sldId="315"/>
-        </pc:sldMkLst>
-      </pc:sldChg>
-      <pc:sldMasterChg chg="addSp modSp mod addSldLayout modSldLayout">
-        <pc:chgData name="TRIGUEROS MUÑOZ, MIGUEL" userId="93f31087-8566-4d16-a7a1-f20635823349" providerId="ADAL" clId="{28A45800-A829-4FF9-9AF1-45101DDF326D}" dt="2022-11-20T17:40:05.951" v="87"/>
-        <pc:sldMasterMkLst>
-          <pc:docMk/>
-          <pc:sldMasterMk cId="138951284" sldId="2147483668"/>
-        </pc:sldMasterMkLst>
-        <pc:sldLayoutChg chg="addSp delSp modSp">
-          <pc:chgData name="TRIGUEROS MUÑOZ, MIGUEL" userId="93f31087-8566-4d16-a7a1-f20635823349" providerId="ADAL" clId="{28A45800-A829-4FF9-9AF1-45101DDF326D}" dt="2022-11-20T17:40:05.951" v="87"/>
-          <pc:sldLayoutMkLst>
-            <pc:docMk/>
-            <pc:sldMasterMk cId="876523488" sldId="2147483687"/>
-            <pc:sldLayoutMk cId="2151700916" sldId="2147483669"/>
-          </pc:sldLayoutMkLst>
-        </pc:sldLayoutChg>
-        <pc:sldLayoutChg chg="addSp delSp modSp mod">
-          <pc:chgData name="TRIGUEROS MUÑOZ, MIGUEL" userId="93f31087-8566-4d16-a7a1-f20635823349" providerId="ADAL" clId="{28A45800-A829-4FF9-9AF1-45101DDF326D}" dt="2022-11-20T17:37:03.080" v="71" actId="21"/>
-          <pc:sldLayoutMkLst>
-            <pc:docMk/>
-            <pc:sldMasterMk cId="138951284" sldId="2147483668"/>
-            <pc:sldLayoutMk cId="1423141970" sldId="2147483670"/>
-          </pc:sldLayoutMkLst>
-        </pc:sldLayoutChg>
-        <pc:sldLayoutChg chg="new mod">
-          <pc:chgData name="TRIGUEROS MUÑOZ, MIGUEL" userId="93f31087-8566-4d16-a7a1-f20635823349" providerId="ADAL" clId="{28A45800-A829-4FF9-9AF1-45101DDF326D}" dt="2022-11-20T17:39:46.886" v="83" actId="11236"/>
-          <pc:sldLayoutMkLst>
-            <pc:docMk/>
-            <pc:sldMasterMk cId="876523488" sldId="2147483687"/>
-            <pc:sldLayoutMk cId="1007035637" sldId="2147483686"/>
-          </pc:sldLayoutMkLst>
-        </pc:sldLayoutChg>
-      </pc:sldMasterChg>
-    </pc:docChg>
-  </pc:docChgLst>
-  <pc:docChgLst>
-    <pc:chgData name="MIGUEL TRIGUEROS MUÑOZ" userId="a4ee0321-97d7-430f-98a8-7ed13ff9a4bf" providerId="ADAL" clId="{DEB93CC6-CB12-4D4E-9032-AF10A8D2E82F}"/>
-    <pc:docChg chg="undo custSel addSld delSld modSld sldOrd modSection">
-      <pc:chgData name="MIGUEL TRIGUEROS MUÑOZ" userId="a4ee0321-97d7-430f-98a8-7ed13ff9a4bf" providerId="ADAL" clId="{DEB93CC6-CB12-4D4E-9032-AF10A8D2E82F}" dt="2024-01-14T10:06:18.358" v="865" actId="20577"/>
-      <pc:docMkLst>
-        <pc:docMk/>
-      </pc:docMkLst>
-      <pc:sldChg chg="modSp mod modCm">
-        <pc:chgData name="MIGUEL TRIGUEROS MUÑOZ" userId="a4ee0321-97d7-430f-98a8-7ed13ff9a4bf" providerId="ADAL" clId="{DEB93CC6-CB12-4D4E-9032-AF10A8D2E82F}" dt="2024-01-14T10:03:36.097" v="862"/>
-        <pc:sldMkLst>
-          <pc:docMk/>
-          <pc:sldMk cId="308865771" sldId="256"/>
-        </pc:sldMkLst>
-        <pc:extLst>
-          <p:ext xmlns:p="http://schemas.openxmlformats.org/presentationml/2006/main" uri="{D6D511B9-2390-475A-947B-AFAB55BFBCF1}">
-            <pc226:cmChg xmlns:pc226="http://schemas.microsoft.com/office/powerpoint/2022/06/main/command" chg="">
-              <pc226:chgData name="MIGUEL TRIGUEROS MUÑOZ" userId="a4ee0321-97d7-430f-98a8-7ed13ff9a4bf" providerId="ADAL" clId="{DEB93CC6-CB12-4D4E-9032-AF10A8D2E82F}" dt="2024-01-14T10:03:36.097" v="862"/>
-              <pc2:cmMkLst xmlns:pc2="http://schemas.microsoft.com/office/powerpoint/2019/9/main/command">
-                <pc:docMk/>
-                <pc:sldMk cId="308865771" sldId="256"/>
-                <pc2:cmMk id="{F1528637-61FE-4547-9330-70EE5DB07593}"/>
-              </pc2:cmMkLst>
-              <pc226:cmRplyChg chg="add">
-                <pc226:chgData name="MIGUEL TRIGUEROS MUÑOZ" userId="a4ee0321-97d7-430f-98a8-7ed13ff9a4bf" providerId="ADAL" clId="{DEB93CC6-CB12-4D4E-9032-AF10A8D2E82F}" dt="2024-01-14T10:03:36.097" v="862"/>
-                <pc2:cmRplyMkLst xmlns:pc2="http://schemas.microsoft.com/office/powerpoint/2019/9/main/command">
-                  <pc:docMk/>
-                  <pc:sldMk cId="308865771" sldId="256"/>
-                  <pc2:cmMk id="{F1528637-61FE-4547-9330-70EE5DB07593}"/>
-                  <pc2:cmRplyMk id="{F6D17209-6F6C-47EF-A7FB-BB586BB7F880}"/>
-                </pc2:cmRplyMkLst>
-              </pc226:cmRplyChg>
-            </pc226:cmChg>
-          </p:ext>
-        </pc:extLst>
-      </pc:sldChg>
-      <pc:sldChg chg="modSp ord">
-        <pc:chgData name="MIGUEL TRIGUEROS MUÑOZ" userId="a4ee0321-97d7-430f-98a8-7ed13ff9a4bf" providerId="ADAL" clId="{DEB93CC6-CB12-4D4E-9032-AF10A8D2E82F}" dt="2024-01-09T17:14:07.864" v="744" actId="20577"/>
-        <pc:sldMkLst>
-          <pc:docMk/>
-          <pc:sldMk cId="1662085430" sldId="302"/>
-        </pc:sldMkLst>
-      </pc:sldChg>
-      <pc:sldChg chg="modSp mod">
-        <pc:chgData name="MIGUEL TRIGUEROS MUÑOZ" userId="a4ee0321-97d7-430f-98a8-7ed13ff9a4bf" providerId="ADAL" clId="{DEB93CC6-CB12-4D4E-9032-AF10A8D2E82F}" dt="2024-01-07T10:29:59.700" v="28" actId="255"/>
-        <pc:sldMkLst>
-          <pc:docMk/>
-          <pc:sldMk cId="1878582030" sldId="304"/>
-        </pc:sldMkLst>
-      </pc:sldChg>
-      <pc:sldChg chg="modSp mod">
-        <pc:chgData name="MIGUEL TRIGUEROS MUÑOZ" userId="a4ee0321-97d7-430f-98a8-7ed13ff9a4bf" providerId="ADAL" clId="{DEB93CC6-CB12-4D4E-9032-AF10A8D2E82F}" dt="2024-01-07T10:29:38.951" v="26" actId="114"/>
-        <pc:sldMkLst>
-          <pc:docMk/>
-          <pc:sldMk cId="524834107" sldId="305"/>
-        </pc:sldMkLst>
-      </pc:sldChg>
-      <pc:sldChg chg="modSp mod">
-        <pc:chgData name="MIGUEL TRIGUEROS MUÑOZ" userId="a4ee0321-97d7-430f-98a8-7ed13ff9a4bf" providerId="ADAL" clId="{DEB93CC6-CB12-4D4E-9032-AF10A8D2E82F}" dt="2024-01-07T10:29:41.921" v="27" actId="114"/>
-        <pc:sldMkLst>
-          <pc:docMk/>
-          <pc:sldMk cId="3007344242" sldId="306"/>
-        </pc:sldMkLst>
-      </pc:sldChg>
-      <pc:sldChg chg="addSp delSp modSp">
-        <pc:chgData name="MIGUEL TRIGUEROS MUÑOZ" userId="a4ee0321-97d7-430f-98a8-7ed13ff9a4bf" providerId="ADAL" clId="{DEB93CC6-CB12-4D4E-9032-AF10A8D2E82F}" dt="2024-01-07T10:49:55.279" v="317" actId="20577"/>
-        <pc:sldMkLst>
-          <pc:docMk/>
-          <pc:sldMk cId="1679762254" sldId="309"/>
-        </pc:sldMkLst>
-      </pc:sldChg>
-      <pc:sldChg chg="addSp delSp modSp mod">
-        <pc:chgData name="MIGUEL TRIGUEROS MUÑOZ" userId="a4ee0321-97d7-430f-98a8-7ed13ff9a4bf" providerId="ADAL" clId="{DEB93CC6-CB12-4D4E-9032-AF10A8D2E82F}" dt="2024-01-07T10:25:02.537" v="22" actId="1076"/>
-        <pc:sldMkLst>
-          <pc:docMk/>
-          <pc:sldMk cId="1813723418" sldId="311"/>
-        </pc:sldMkLst>
-      </pc:sldChg>
-      <pc:sldChg chg="addSp modSp">
-        <pc:chgData name="MIGUEL TRIGUEROS MUÑOZ" userId="a4ee0321-97d7-430f-98a8-7ed13ff9a4bf" providerId="ADAL" clId="{DEB93CC6-CB12-4D4E-9032-AF10A8D2E82F}" dt="2024-01-07T10:47:37.474" v="294" actId="14100"/>
-        <pc:sldMkLst>
-          <pc:docMk/>
-          <pc:sldMk cId="986423972" sldId="322"/>
-        </pc:sldMkLst>
-      </pc:sldChg>
-      <pc:sldChg chg="modSp">
-        <pc:chgData name="MIGUEL TRIGUEROS MUÑOZ" userId="a4ee0321-97d7-430f-98a8-7ed13ff9a4bf" providerId="ADAL" clId="{DEB93CC6-CB12-4D4E-9032-AF10A8D2E82F}" dt="2024-01-09T17:14:14.191" v="745" actId="20577"/>
-        <pc:sldMkLst>
-          <pc:docMk/>
-          <pc:sldMk cId="97368630" sldId="329"/>
-        </pc:sldMkLst>
-      </pc:sldChg>
-      <pc:sldChg chg="modSp">
-        <pc:chgData name="MIGUEL TRIGUEROS MUÑOZ" userId="a4ee0321-97d7-430f-98a8-7ed13ff9a4bf" providerId="ADAL" clId="{DEB93CC6-CB12-4D4E-9032-AF10A8D2E82F}" dt="2024-01-09T17:05:38.615" v="667" actId="20577"/>
-        <pc:sldMkLst>
-          <pc:docMk/>
-          <pc:sldMk cId="959411268" sldId="331"/>
-        </pc:sldMkLst>
-      </pc:sldChg>
-      <pc:sldChg chg="modSp">
-        <pc:chgData name="MIGUEL TRIGUEROS MUÑOZ" userId="a4ee0321-97d7-430f-98a8-7ed13ff9a4bf" providerId="ADAL" clId="{DEB93CC6-CB12-4D4E-9032-AF10A8D2E82F}" dt="2024-01-07T19:18:05.118" v="320" actId="20577"/>
-        <pc:sldMkLst>
-          <pc:docMk/>
-          <pc:sldMk cId="2336738011" sldId="333"/>
-        </pc:sldMkLst>
-      </pc:sldChg>
-      <pc:sldChg chg="addSp delSp modSp add mod modClrScheme chgLayout">
-        <pc:chgData name="MIGUEL TRIGUEROS MUÑOZ" userId="a4ee0321-97d7-430f-98a8-7ed13ff9a4bf" providerId="ADAL" clId="{DEB93CC6-CB12-4D4E-9032-AF10A8D2E82F}" dt="2024-01-07T10:45:07.649" v="159" actId="14100"/>
-        <pc:sldMkLst>
-          <pc:docMk/>
-          <pc:sldMk cId="2601617281" sldId="338"/>
-        </pc:sldMkLst>
-      </pc:sldChg>
-      <pc:sldChg chg="modSp add ord">
-        <pc:chgData name="MIGUEL TRIGUEROS MUÑOZ" userId="a4ee0321-97d7-430f-98a8-7ed13ff9a4bf" providerId="ADAL" clId="{DEB93CC6-CB12-4D4E-9032-AF10A8D2E82F}" dt="2024-01-07T10:45:16.144" v="160" actId="14100"/>
-        <pc:sldMkLst>
-          <pc:docMk/>
-          <pc:sldMk cId="548552804" sldId="339"/>
-        </pc:sldMkLst>
-      </pc:sldChg>
-      <pc:sldChg chg="modSp add del">
-        <pc:chgData name="MIGUEL TRIGUEROS MUÑOZ" userId="a4ee0321-97d7-430f-98a8-7ed13ff9a4bf" providerId="ADAL" clId="{DEB93CC6-CB12-4D4E-9032-AF10A8D2E82F}" dt="2024-01-07T10:35:14.085" v="35" actId="2696"/>
-        <pc:sldMkLst>
-          <pc:docMk/>
-          <pc:sldMk cId="996008408" sldId="339"/>
-        </pc:sldMkLst>
-      </pc:sldChg>
-      <pc:sldChg chg="modSp add">
-        <pc:chgData name="MIGUEL TRIGUEROS MUÑOZ" userId="a4ee0321-97d7-430f-98a8-7ed13ff9a4bf" providerId="ADAL" clId="{DEB93CC6-CB12-4D4E-9032-AF10A8D2E82F}" dt="2024-01-07T10:46:27.559" v="184" actId="20577"/>
-        <pc:sldMkLst>
-          <pc:docMk/>
-          <pc:sldMk cId="1855636476" sldId="340"/>
-        </pc:sldMkLst>
-      </pc:sldChg>
-      <pc:sldChg chg="modSp add del">
-        <pc:chgData name="MIGUEL TRIGUEROS MUÑOZ" userId="a4ee0321-97d7-430f-98a8-7ed13ff9a4bf" providerId="ADAL" clId="{DEB93CC6-CB12-4D4E-9032-AF10A8D2E82F}" dt="2024-01-07T10:48:05.599" v="297" actId="2696"/>
-        <pc:sldMkLst>
-          <pc:docMk/>
-          <pc:sldMk cId="2708177853" sldId="341"/>
-        </pc:sldMkLst>
-      </pc:sldChg>
-      <pc:sldChg chg="modSp add del">
-        <pc:chgData name="MIGUEL TRIGUEROS MUÑOZ" userId="a4ee0321-97d7-430f-98a8-7ed13ff9a4bf" providerId="ADAL" clId="{DEB93CC6-CB12-4D4E-9032-AF10A8D2E82F}" dt="2024-01-07T10:47:01.929" v="186" actId="2696"/>
-        <pc:sldMkLst>
-          <pc:docMk/>
-          <pc:sldMk cId="3275715263" sldId="341"/>
-        </pc:sldMkLst>
-      </pc:sldChg>
-      <pc:sldChg chg="addSp delSp modSp add mod">
-        <pc:chgData name="MIGUEL TRIGUEROS MUÑOZ" userId="a4ee0321-97d7-430f-98a8-7ed13ff9a4bf" providerId="ADAL" clId="{DEB93CC6-CB12-4D4E-9032-AF10A8D2E82F}" dt="2024-01-07T19:38:55.791" v="490" actId="1076"/>
-        <pc:sldMkLst>
-          <pc:docMk/>
-          <pc:sldMk cId="3761948457" sldId="341"/>
-        </pc:sldMkLst>
-      </pc:sldChg>
-      <pc:sldChg chg="addSp delSp modSp add mod">
-        <pc:chgData name="MIGUEL TRIGUEROS MUÑOZ" userId="a4ee0321-97d7-430f-98a8-7ed13ff9a4bf" providerId="ADAL" clId="{DEB93CC6-CB12-4D4E-9032-AF10A8D2E82F}" dt="2024-01-07T19:39:48.436" v="491" actId="1076"/>
-        <pc:sldMkLst>
-          <pc:docMk/>
-          <pc:sldMk cId="1759713922" sldId="342"/>
-        </pc:sldMkLst>
-      </pc:sldChg>
-      <pc:sldChg chg="modSp add del">
-        <pc:chgData name="MIGUEL TRIGUEROS MUÑOZ" userId="a4ee0321-97d7-430f-98a8-7ed13ff9a4bf" providerId="ADAL" clId="{DEB93CC6-CB12-4D4E-9032-AF10A8D2E82F}" dt="2024-01-07T19:18:18.332" v="353" actId="2696"/>
-        <pc:sldMkLst>
-          <pc:docMk/>
-          <pc:sldMk cId="3473415835" sldId="342"/>
-        </pc:sldMkLst>
-      </pc:sldChg>
-      <pc:sldChg chg="delSp modSp add">
-        <pc:chgData name="MIGUEL TRIGUEROS MUÑOZ" userId="a4ee0321-97d7-430f-98a8-7ed13ff9a4bf" providerId="ADAL" clId="{DEB93CC6-CB12-4D4E-9032-AF10A8D2E82F}" dt="2024-01-07T19:45:17.144" v="640" actId="20577"/>
-        <pc:sldMkLst>
-          <pc:docMk/>
-          <pc:sldMk cId="1363057816" sldId="343"/>
-        </pc:sldMkLst>
-      </pc:sldChg>
-      <pc:sldChg chg="addSp modSp add mod">
-        <pc:chgData name="MIGUEL TRIGUEROS MUÑOZ" userId="a4ee0321-97d7-430f-98a8-7ed13ff9a4bf" providerId="ADAL" clId="{DEB93CC6-CB12-4D4E-9032-AF10A8D2E82F}" dt="2024-01-14T10:04:47.782" v="864" actId="20577"/>
-        <pc:sldMkLst>
-          <pc:docMk/>
-          <pc:sldMk cId="3323428066" sldId="344"/>
-        </pc:sldMkLst>
-      </pc:sldChg>
-      <pc:sldChg chg="addSp delSp modSp add mod">
-        <pc:chgData name="MIGUEL TRIGUEROS MUÑOZ" userId="a4ee0321-97d7-430f-98a8-7ed13ff9a4bf" providerId="ADAL" clId="{DEB93CC6-CB12-4D4E-9032-AF10A8D2E82F}" dt="2024-01-09T17:36:17.805" v="820" actId="1076"/>
-        <pc:sldMkLst>
-          <pc:docMk/>
-          <pc:sldMk cId="59108425" sldId="345"/>
-        </pc:sldMkLst>
-      </pc:sldChg>
-      <pc:sldChg chg="addSp delSp modSp add mod">
-        <pc:chgData name="MIGUEL TRIGUEROS MUÑOZ" userId="a4ee0321-97d7-430f-98a8-7ed13ff9a4bf" providerId="ADAL" clId="{DEB93CC6-CB12-4D4E-9032-AF10A8D2E82F}" dt="2024-01-14T10:06:18.358" v="865" actId="20577"/>
-        <pc:sldMkLst>
-          <pc:docMk/>
-          <pc:sldMk cId="1293908598" sldId="346"/>
-        </pc:sldMkLst>
-      </pc:sldChg>
-      <pc:sldChg chg="addSp delSp modSp add mod">
-        <pc:chgData name="MIGUEL TRIGUEROS MUÑOZ" userId="a4ee0321-97d7-430f-98a8-7ed13ff9a4bf" providerId="ADAL" clId="{DEB93CC6-CB12-4D4E-9032-AF10A8D2E82F}" dt="2024-01-09T17:42:32.264" v="824" actId="167"/>
-        <pc:sldMkLst>
-          <pc:docMk/>
-          <pc:sldMk cId="42083021" sldId="347"/>
-        </pc:sldMkLst>
-      </pc:sldChg>
-      <pc:sldChg chg="addSp delSp modSp add">
-        <pc:chgData name="MIGUEL TRIGUEROS MUÑOZ" userId="a4ee0321-97d7-430f-98a8-7ed13ff9a4bf" providerId="ADAL" clId="{DEB93CC6-CB12-4D4E-9032-AF10A8D2E82F}" dt="2024-01-09T17:44:27.121" v="849" actId="1076"/>
-        <pc:sldMkLst>
-          <pc:docMk/>
-          <pc:sldMk cId="982610843" sldId="348"/>
-        </pc:sldMkLst>
-      </pc:sldChg>
-      <pc:sldChg chg="addSp delSp modSp add mod">
-        <pc:chgData name="MIGUEL TRIGUEROS MUÑOZ" userId="a4ee0321-97d7-430f-98a8-7ed13ff9a4bf" providerId="ADAL" clId="{DEB93CC6-CB12-4D4E-9032-AF10A8D2E82F}" dt="2024-01-09T17:56:30.257" v="856" actId="14100"/>
-        <pc:sldMkLst>
-          <pc:docMk/>
-          <pc:sldMk cId="796993660" sldId="349"/>
-        </pc:sldMkLst>
-      </pc:sldChg>
-      <pc:sldMasterChg chg="modSldLayout">
-        <pc:chgData name="MIGUEL TRIGUEROS MUÑOZ" userId="a4ee0321-97d7-430f-98a8-7ed13ff9a4bf" providerId="ADAL" clId="{DEB93CC6-CB12-4D4E-9032-AF10A8D2E82F}" dt="2024-01-07T10:38:56.170" v="62" actId="6014"/>
-        <pc:sldMasterMkLst>
-          <pc:docMk/>
-          <pc:sldMasterMk cId="138951284" sldId="2147483668"/>
-        </pc:sldMasterMkLst>
-        <pc:sldLayoutChg chg="mod">
-          <pc:chgData name="MIGUEL TRIGUEROS MUÑOZ" userId="a4ee0321-97d7-430f-98a8-7ed13ff9a4bf" providerId="ADAL" clId="{DEB93CC6-CB12-4D4E-9032-AF10A8D2E82F}" dt="2024-01-07T10:38:56.170" v="62" actId="6014"/>
-          <pc:sldLayoutMkLst>
-            <pc:docMk/>
-            <pc:sldMasterMk cId="138951284" sldId="2147483668"/>
-            <pc:sldLayoutMk cId="738248331" sldId="2147483685"/>
-          </pc:sldLayoutMkLst>
-        </pc:sldLayoutChg>
-      </pc:sldMasterChg>
-    </pc:docChg>
-  </pc:docChgLst>
-  <pc:docChgLst>
-    <pc:chgData name="MIGUEL TRIGUEROS MUÑOZ" userId="S::miguel.trigueros@aulaxxi.murciaeduca.es::a4ee0321-97d7-430f-98a8-7ed13ff9a4bf" providerId="AD" clId="Web-{275AAB97-552E-8B8D-BB3D-5B715D0335B7}"/>
-    <pc:docChg chg="modSld">
-      <pc:chgData name="MIGUEL TRIGUEROS MUÑOZ" userId="S::miguel.trigueros@aulaxxi.murciaeduca.es::a4ee0321-97d7-430f-98a8-7ed13ff9a4bf" providerId="AD" clId="Web-{275AAB97-552E-8B8D-BB3D-5B715D0335B7}" dt="2024-01-08T09:15:36.092" v="52" actId="20577"/>
-      <pc:docMkLst>
-        <pc:docMk/>
-      </pc:docMkLst>
-      <pc:sldChg chg="modSp">
-        <pc:chgData name="MIGUEL TRIGUEROS MUÑOZ" userId="S::miguel.trigueros@aulaxxi.murciaeduca.es::a4ee0321-97d7-430f-98a8-7ed13ff9a4bf" providerId="AD" clId="Web-{275AAB97-552E-8B8D-BB3D-5B715D0335B7}" dt="2024-01-08T09:15:36.092" v="52" actId="20577"/>
-        <pc:sldMkLst>
-          <pc:docMk/>
-          <pc:sldMk cId="279635090" sldId="315"/>
-        </pc:sldMkLst>
-      </pc:sldChg>
-    </pc:docChg>
-  </pc:docChgLst>
-  <pc:docChgLst>
-    <pc:chgData name="TRIGUEROS MUÑOZ, MIGUEL" userId="93f31087-8566-4d16-a7a1-f20635823349" providerId="ADAL" clId="{E297E389-1D0C-46E5-BDDF-E897149FAF93}"/>
-    <pc:docChg chg="modSld">
-      <pc:chgData name="TRIGUEROS MUÑOZ, MIGUEL" userId="93f31087-8566-4d16-a7a1-f20635823349" providerId="ADAL" clId="{E297E389-1D0C-46E5-BDDF-E897149FAF93}" dt="2022-11-30T19:06:00.063" v="56" actId="113"/>
-      <pc:docMkLst>
-        <pc:docMk/>
-      </pc:docMkLst>
-      <pc:sldChg chg="modSp mod">
-        <pc:chgData name="TRIGUEROS MUÑOZ, MIGUEL" userId="93f31087-8566-4d16-a7a1-f20635823349" providerId="ADAL" clId="{E297E389-1D0C-46E5-BDDF-E897149FAF93}" dt="2022-11-30T19:05:01.068" v="54" actId="113"/>
-        <pc:sldMkLst>
-          <pc:docMk/>
-          <pc:sldMk cId="3881213358" sldId="296"/>
-        </pc:sldMkLst>
-      </pc:sldChg>
-      <pc:sldChg chg="modSp mod">
-        <pc:chgData name="TRIGUEROS MUÑOZ, MIGUEL" userId="93f31087-8566-4d16-a7a1-f20635823349" providerId="ADAL" clId="{E297E389-1D0C-46E5-BDDF-E897149FAF93}" dt="2022-11-30T19:06:00.063" v="56" actId="113"/>
-        <pc:sldMkLst>
-          <pc:docMk/>
-          <pc:sldMk cId="279635090" sldId="315"/>
-        </pc:sldMkLst>
-      </pc:sldChg>
-    </pc:docChg>
-  </pc:docChgLst>
-  <pc:docChgLst>
-    <pc:chgData name="MIGUEL TRIGUEROS MUÑOZ" userId="a4ee0321-97d7-430f-98a8-7ed13ff9a4bf" providerId="ADAL" clId="{157935D5-BB37-4E78-A6C6-0D77E3E140EC}"/>
-    <pc:docChg chg="undo custSel delSld modSld modSection">
-      <pc:chgData name="MIGUEL TRIGUEROS MUÑOZ" userId="a4ee0321-97d7-430f-98a8-7ed13ff9a4bf" providerId="ADAL" clId="{157935D5-BB37-4E78-A6C6-0D77E3E140EC}" dt="2024-01-31T08:09:45.435" v="181" actId="13926"/>
-      <pc:docMkLst>
-        <pc:docMk/>
-      </pc:docMkLst>
-      <pc:sldChg chg="addCm">
-        <pc:chgData name="MIGUEL TRIGUEROS MUÑOZ" userId="a4ee0321-97d7-430f-98a8-7ed13ff9a4bf" providerId="ADAL" clId="{157935D5-BB37-4E78-A6C6-0D77E3E140EC}" dt="2024-01-10T09:36:43.765" v="1"/>
-        <pc:sldMkLst>
-          <pc:docMk/>
-          <pc:sldMk cId="308865771" sldId="256"/>
-        </pc:sldMkLst>
-        <pc:extLst>
-          <p:ext xmlns:p="http://schemas.openxmlformats.org/presentationml/2006/main" uri="{D6D511B9-2390-475A-947B-AFAB55BFBCF1}">
-            <pc226:cmChg xmlns:pc226="http://schemas.microsoft.com/office/powerpoint/2022/06/main/command" chg="add">
-              <pc226:chgData name="MIGUEL TRIGUEROS MUÑOZ" userId="a4ee0321-97d7-430f-98a8-7ed13ff9a4bf" providerId="ADAL" clId="{157935D5-BB37-4E78-A6C6-0D77E3E140EC}" dt="2024-01-10T09:36:43.765" v="1"/>
-              <pc2:cmMkLst xmlns:pc2="http://schemas.microsoft.com/office/powerpoint/2019/9/main/command">
-                <pc:docMk/>
-                <pc:sldMk cId="308865771" sldId="256"/>
-                <pc2:cmMk id="{F1528637-61FE-4547-9330-70EE5DB07593}"/>
-              </pc2:cmMkLst>
-            </pc226:cmChg>
-          </p:ext>
-        </pc:extLst>
-      </pc:sldChg>
-      <pc:sldChg chg="addCm">
-        <pc:chgData name="MIGUEL TRIGUEROS MUÑOZ" userId="a4ee0321-97d7-430f-98a8-7ed13ff9a4bf" providerId="ADAL" clId="{157935D5-BB37-4E78-A6C6-0D77E3E140EC}" dt="2023-12-13T08:16:33.760" v="0"/>
-        <pc:sldMkLst>
-          <pc:docMk/>
-          <pc:sldMk cId="1813723418" sldId="311"/>
-        </pc:sldMkLst>
-        <pc:extLst>
-          <p:ext xmlns:p="http://schemas.openxmlformats.org/presentationml/2006/main" uri="{D6D511B9-2390-475A-947B-AFAB55BFBCF1}">
-            <pc226:cmChg xmlns:pc226="http://schemas.microsoft.com/office/powerpoint/2022/06/main/command" chg="add">
-              <pc226:chgData name="MIGUEL TRIGUEROS MUÑOZ" userId="a4ee0321-97d7-430f-98a8-7ed13ff9a4bf" providerId="ADAL" clId="{157935D5-BB37-4E78-A6C6-0D77E3E140EC}" dt="2023-12-13T08:16:33.760" v="0"/>
-              <pc2:cmMkLst xmlns:pc2="http://schemas.microsoft.com/office/powerpoint/2019/9/main/command">
-                <pc:docMk/>
-                <pc:sldMk cId="1813723418" sldId="311"/>
-                <pc2:cmMk id="{BCE2DAF4-6518-4FA6-A134-8E57CAE3599C}"/>
-              </pc2:cmMkLst>
-            </pc226:cmChg>
-          </p:ext>
-        </pc:extLst>
-      </pc:sldChg>
-      <pc:sldChg chg="modSp mod">
-        <pc:chgData name="MIGUEL TRIGUEROS MUÑOZ" userId="a4ee0321-97d7-430f-98a8-7ed13ff9a4bf" providerId="ADAL" clId="{157935D5-BB37-4E78-A6C6-0D77E3E140EC}" dt="2024-01-31T08:07:20.670" v="170" actId="113"/>
-        <pc:sldMkLst>
-          <pc:docMk/>
-          <pc:sldMk cId="2304737095" sldId="324"/>
-        </pc:sldMkLst>
-      </pc:sldChg>
-      <pc:sldChg chg="modSp mod">
-        <pc:chgData name="MIGUEL TRIGUEROS MUÑOZ" userId="a4ee0321-97d7-430f-98a8-7ed13ff9a4bf" providerId="ADAL" clId="{157935D5-BB37-4E78-A6C6-0D77E3E140EC}" dt="2024-01-31T08:09:45.435" v="181" actId="13926"/>
-        <pc:sldMkLst>
-          <pc:docMk/>
-          <pc:sldMk cId="1414400370" sldId="327"/>
-        </pc:sldMkLst>
-      </pc:sldChg>
-      <pc:sldChg chg="del">
-        <pc:chgData name="MIGUEL TRIGUEROS MUÑOZ" userId="a4ee0321-97d7-430f-98a8-7ed13ff9a4bf" providerId="ADAL" clId="{157935D5-BB37-4E78-A6C6-0D77E3E140EC}" dt="2024-01-31T08:09:16.822" v="171" actId="47"/>
-        <pc:sldMkLst>
-          <pc:docMk/>
-          <pc:sldMk cId="97368630" sldId="329"/>
-        </pc:sldMkLst>
-      </pc:sldChg>
-    </pc:docChg>
-  </pc:docChgLst>
-  <pc:docChgLst>
-    <pc:chgData name="MIGUEL TRIGUEROS MUÑOZ" userId="S::miguel.trigueros@aulaxxi.murciaeduca.es::a4ee0321-97d7-430f-98a8-7ed13ff9a4bf" providerId="AD" clId="Web-{27FF2389-1315-5408-2064-CC1960CCDEDB}"/>
-    <pc:docChg chg="modSld">
-      <pc:chgData name="MIGUEL TRIGUEROS MUÑOZ" userId="S::miguel.trigueros@aulaxxi.murciaeduca.es::a4ee0321-97d7-430f-98a8-7ed13ff9a4bf" providerId="AD" clId="Web-{27FF2389-1315-5408-2064-CC1960CCDEDB}" dt="2024-10-29T09:22:22.166" v="98" actId="20577"/>
-      <pc:docMkLst>
-        <pc:docMk/>
-      </pc:docMkLst>
-      <pc:sldChg chg="addSp modSp">
-        <pc:chgData name="MIGUEL TRIGUEROS MUÑOZ" userId="S::miguel.trigueros@aulaxxi.murciaeduca.es::a4ee0321-97d7-430f-98a8-7ed13ff9a4bf" providerId="AD" clId="Web-{27FF2389-1315-5408-2064-CC1960CCDEDB}" dt="2024-10-29T09:22:22.166" v="98" actId="20577"/>
-        <pc:sldMkLst>
-          <pc:docMk/>
-          <pc:sldMk cId="524834107" sldId="305"/>
-        </pc:sldMkLst>
-      </pc:sldChg>
-      <pc:sldChg chg="modSp">
-        <pc:chgData name="MIGUEL TRIGUEROS MUÑOZ" userId="S::miguel.trigueros@aulaxxi.murciaeduca.es::a4ee0321-97d7-430f-98a8-7ed13ff9a4bf" providerId="AD" clId="Web-{27FF2389-1315-5408-2064-CC1960CCDEDB}" dt="2024-10-29T08:39:01.933" v="14" actId="20577"/>
-        <pc:sldMkLst>
-          <pc:docMk/>
-          <pc:sldMk cId="2304737095" sldId="324"/>
-        </pc:sldMkLst>
-      </pc:sldChg>
-      <pc:sldChg chg="addSp delSp modSp">
-        <pc:chgData name="MIGUEL TRIGUEROS MUÑOZ" userId="S::miguel.trigueros@aulaxxi.murciaeduca.es::a4ee0321-97d7-430f-98a8-7ed13ff9a4bf" providerId="AD" clId="Web-{27FF2389-1315-5408-2064-CC1960CCDEDB}" dt="2024-10-29T09:21:28.946" v="75"/>
-        <pc:sldMkLst>
-          <pc:docMk/>
-          <pc:sldMk cId="1122745256" sldId="325"/>
-        </pc:sldMkLst>
-      </pc:sldChg>
-    </pc:docChg>
-  </pc:docChgLst>
-  <pc:docChgLst>
-    <pc:chgData name="MIGUEL TRIGUEROS MUÑOZ" userId="S::miguel.trigueros@aulaxxi.murciaeduca.es::a4ee0321-97d7-430f-98a8-7ed13ff9a4bf" providerId="AD" clId="Web-{C91F7346-E0EB-D576-22DD-D21FE546A58B}"/>
-    <pc:docChg chg="modSld">
-      <pc:chgData name="MIGUEL TRIGUEROS MUÑOZ" userId="S::miguel.trigueros@aulaxxi.murciaeduca.es::a4ee0321-97d7-430f-98a8-7ed13ff9a4bf" providerId="AD" clId="Web-{C91F7346-E0EB-D576-22DD-D21FE546A58B}" dt="2024-10-22T08:05:30.325" v="12" actId="20577"/>
-      <pc:docMkLst>
-        <pc:docMk/>
-      </pc:docMkLst>
-      <pc:sldChg chg="modSp">
-        <pc:chgData name="MIGUEL TRIGUEROS MUÑOZ" userId="S::miguel.trigueros@aulaxxi.murciaeduca.es::a4ee0321-97d7-430f-98a8-7ed13ff9a4bf" providerId="AD" clId="Web-{C91F7346-E0EB-D576-22DD-D21FE546A58B}" dt="2024-10-22T08:05:30.325" v="12" actId="20577"/>
-        <pc:sldMkLst>
-          <pc:docMk/>
-          <pc:sldMk cId="2269836530" sldId="312"/>
-        </pc:sldMkLst>
-      </pc:sldChg>
-      <pc:sldChg chg="modSp">
-        <pc:chgData name="MIGUEL TRIGUEROS MUÑOZ" userId="S::miguel.trigueros@aulaxxi.murciaeduca.es::a4ee0321-97d7-430f-98a8-7ed13ff9a4bf" providerId="AD" clId="Web-{C91F7346-E0EB-D576-22DD-D21FE546A58B}" dt="2024-10-22T07:16:07.076" v="8" actId="20577"/>
-        <pc:sldMkLst>
-          <pc:docMk/>
-          <pc:sldMk cId="279635090" sldId="315"/>
-        </pc:sldMkLst>
-      </pc:sldChg>
-    </pc:docChg>
-  </pc:docChgLst>
-  <pc:docChgLst>
-    <pc:chgData name="MIGUEL TRIGUEROS MUÑOZ" userId="93f31087-8566-4d16-a7a1-f20635823349" providerId="ADAL" clId="{2064191C-0C86-4C83-9439-2D0DFB2B342F}"/>
-    <pc:docChg chg="undo redo custSel addSld delSld modSld sldOrd">
-      <pc:chgData name="MIGUEL TRIGUEROS MUÑOZ" userId="93f31087-8566-4d16-a7a1-f20635823349" providerId="ADAL" clId="{2064191C-0C86-4C83-9439-2D0DFB2B342F}" dt="2022-11-01T10:53:29.091" v="1800" actId="1035"/>
-      <pc:docMkLst>
-        <pc:docMk/>
-      </pc:docMkLst>
-      <pc:sldChg chg="delSp modSp del mod">
-        <pc:chgData name="MIGUEL TRIGUEROS MUÑOZ" userId="93f31087-8566-4d16-a7a1-f20635823349" providerId="ADAL" clId="{2064191C-0C86-4C83-9439-2D0DFB2B342F}" dt="2022-11-01T08:01:09.424" v="77" actId="47"/>
-        <pc:sldMkLst>
-          <pc:docMk/>
-          <pc:sldMk cId="308865771" sldId="256"/>
-        </pc:sldMkLst>
-      </pc:sldChg>
-      <pc:sldChg chg="add del">
-        <pc:chgData name="MIGUEL TRIGUEROS MUÑOZ" userId="93f31087-8566-4d16-a7a1-f20635823349" providerId="ADAL" clId="{2064191C-0C86-4C83-9439-2D0DFB2B342F}" dt="2022-11-01T07:47:14.052" v="16" actId="47"/>
-        <pc:sldMkLst>
-          <pc:docMk/>
-          <pc:sldMk cId="0" sldId="258"/>
-        </pc:sldMkLst>
-      </pc:sldChg>
-      <pc:sldChg chg="add del">
-        <pc:chgData name="MIGUEL TRIGUEROS MUÑOZ" userId="93f31087-8566-4d16-a7a1-f20635823349" providerId="ADAL" clId="{2064191C-0C86-4C83-9439-2D0DFB2B342F}" dt="2022-11-01T07:47:15.011" v="17" actId="47"/>
-        <pc:sldMkLst>
-          <pc:docMk/>
-          <pc:sldMk cId="0" sldId="259"/>
-        </pc:sldMkLst>
-      </pc:sldChg>
-      <pc:sldChg chg="addSp delSp modSp del mod">
-        <pc:chgData name="MIGUEL TRIGUEROS MUÑOZ" userId="93f31087-8566-4d16-a7a1-f20635823349" providerId="ADAL" clId="{2064191C-0C86-4C83-9439-2D0DFB2B342F}" dt="2022-11-01T09:39:15.494" v="714" actId="47"/>
-        <pc:sldMkLst>
-          <pc:docMk/>
-          <pc:sldMk cId="0" sldId="260"/>
-        </pc:sldMkLst>
-      </pc:sldChg>
-      <pc:sldChg chg="delSp modSp del mod">
-        <pc:chgData name="MIGUEL TRIGUEROS MUÑOZ" userId="93f31087-8566-4d16-a7a1-f20635823349" providerId="ADAL" clId="{2064191C-0C86-4C83-9439-2D0DFB2B342F}" dt="2022-11-01T07:48:40.006" v="27" actId="47"/>
-        <pc:sldMkLst>
-          <pc:docMk/>
-          <pc:sldMk cId="0" sldId="261"/>
-        </pc:sldMkLst>
-      </pc:sldChg>
-      <pc:sldChg chg="modSp del mod">
-        <pc:chgData name="MIGUEL TRIGUEROS MUÑOZ" userId="93f31087-8566-4d16-a7a1-f20635823349" providerId="ADAL" clId="{2064191C-0C86-4C83-9439-2D0DFB2B342F}" dt="2022-11-01T09:42:12.353" v="751" actId="47"/>
-        <pc:sldMkLst>
-          <pc:docMk/>
-          <pc:sldMk cId="0" sldId="262"/>
-        </pc:sldMkLst>
-      </pc:sldChg>
-      <pc:sldChg chg="modSp del mod ord">
-        <pc:chgData name="MIGUEL TRIGUEROS MUÑOZ" userId="93f31087-8566-4d16-a7a1-f20635823349" providerId="ADAL" clId="{2064191C-0C86-4C83-9439-2D0DFB2B342F}" dt="2022-11-01T09:43:55.225" v="789" actId="47"/>
-        <pc:sldMkLst>
-          <pc:docMk/>
-          <pc:sldMk cId="0" sldId="263"/>
-        </pc:sldMkLst>
-      </pc:sldChg>
-      <pc:sldChg chg="modSp del mod">
-        <pc:chgData name="MIGUEL TRIGUEROS MUÑOZ" userId="93f31087-8566-4d16-a7a1-f20635823349" providerId="ADAL" clId="{2064191C-0C86-4C83-9439-2D0DFB2B342F}" dt="2022-11-01T09:50:09.257" v="799" actId="47"/>
-        <pc:sldMkLst>
-          <pc:docMk/>
-          <pc:sldMk cId="0" sldId="264"/>
-        </pc:sldMkLst>
-      </pc:sldChg>
-      <pc:sldChg chg="del">
-        <pc:chgData name="MIGUEL TRIGUEROS MUÑOZ" userId="93f31087-8566-4d16-a7a1-f20635823349" providerId="ADAL" clId="{2064191C-0C86-4C83-9439-2D0DFB2B342F}" dt="2022-11-01T09:51:44.175" v="815" actId="47"/>
-        <pc:sldMkLst>
-          <pc:docMk/>
-          <pc:sldMk cId="0" sldId="265"/>
-        </pc:sldMkLst>
-      </pc:sldChg>
-      <pc:sldChg chg="del">
-        <pc:chgData name="MIGUEL TRIGUEROS MUÑOZ" userId="93f31087-8566-4d16-a7a1-f20635823349" providerId="ADAL" clId="{2064191C-0C86-4C83-9439-2D0DFB2B342F}" dt="2022-11-01T09:52:57.318" v="823" actId="47"/>
-        <pc:sldMkLst>
-          <pc:docMk/>
-          <pc:sldMk cId="0" sldId="266"/>
-        </pc:sldMkLst>
-      </pc:sldChg>
-      <pc:sldChg chg="del">
-        <pc:chgData name="MIGUEL TRIGUEROS MUÑOZ" userId="93f31087-8566-4d16-a7a1-f20635823349" providerId="ADAL" clId="{2064191C-0C86-4C83-9439-2D0DFB2B342F}" dt="2022-11-01T09:53:18.738" v="828" actId="47"/>
-        <pc:sldMkLst>
-          <pc:docMk/>
-          <pc:sldMk cId="0" sldId="267"/>
-        </pc:sldMkLst>
-      </pc:sldChg>
-      <pc:sldChg chg="del">
-        <pc:chgData name="MIGUEL TRIGUEROS MUÑOZ" userId="93f31087-8566-4d16-a7a1-f20635823349" providerId="ADAL" clId="{2064191C-0C86-4C83-9439-2D0DFB2B342F}" dt="2022-11-01T10:07:11.458" v="1125" actId="47"/>
-        <pc:sldMkLst>
-          <pc:docMk/>
-          <pc:sldMk cId="0" sldId="268"/>
-        </pc:sldMkLst>
-      </pc:sldChg>
-      <pc:sldChg chg="del">
-        <pc:chgData name="MIGUEL TRIGUEROS MUÑOZ" userId="93f31087-8566-4d16-a7a1-f20635823349" providerId="ADAL" clId="{2064191C-0C86-4C83-9439-2D0DFB2B342F}" dt="2022-11-01T10:09:50.925" v="1151" actId="47"/>
-        <pc:sldMkLst>
-          <pc:docMk/>
-          <pc:sldMk cId="0" sldId="269"/>
-        </pc:sldMkLst>
-      </pc:sldChg>
-      <pc:sldChg chg="del">
-        <pc:chgData name="MIGUEL TRIGUEROS MUÑOZ" userId="93f31087-8566-4d16-a7a1-f20635823349" providerId="ADAL" clId="{2064191C-0C86-4C83-9439-2D0DFB2B342F}" dt="2022-11-01T10:10:51.584" v="1160" actId="47"/>
-        <pc:sldMkLst>
-          <pc:docMk/>
-          <pc:sldMk cId="0" sldId="270"/>
-        </pc:sldMkLst>
-      </pc:sldChg>
-      <pc:sldChg chg="del">
-        <pc:chgData name="MIGUEL TRIGUEROS MUÑOZ" userId="93f31087-8566-4d16-a7a1-f20635823349" providerId="ADAL" clId="{2064191C-0C86-4C83-9439-2D0DFB2B342F}" dt="2022-11-01T10:13:26.351" v="1172" actId="47"/>
-        <pc:sldMkLst>
-          <pc:docMk/>
-          <pc:sldMk cId="0" sldId="271"/>
-        </pc:sldMkLst>
-      </pc:sldChg>
-      <pc:sldChg chg="add del">
-        <pc:chgData name="MIGUEL TRIGUEROS MUÑOZ" userId="93f31087-8566-4d16-a7a1-f20635823349" providerId="ADAL" clId="{2064191C-0C86-4C83-9439-2D0DFB2B342F}" dt="2022-11-01T07:50:03.697" v="72" actId="47"/>
-        <pc:sldMkLst>
-          <pc:docMk/>
-          <pc:sldMk cId="0" sldId="277"/>
-        </pc:sldMkLst>
-      </pc:sldChg>
-      <pc:sldChg chg="del">
-        <pc:chgData name="MIGUEL TRIGUEROS MUÑOZ" userId="93f31087-8566-4d16-a7a1-f20635823349" providerId="ADAL" clId="{2064191C-0C86-4C83-9439-2D0DFB2B342F}" dt="2022-11-01T07:49:44.939" v="55" actId="47"/>
-        <pc:sldMkLst>
-          <pc:docMk/>
-          <pc:sldMk cId="0" sldId="278"/>
-        </pc:sldMkLst>
-      </pc:sldChg>
-      <pc:sldChg chg="del">
-        <pc:chgData name="MIGUEL TRIGUEROS MUÑOZ" userId="93f31087-8566-4d16-a7a1-f20635823349" providerId="ADAL" clId="{2064191C-0C86-4C83-9439-2D0DFB2B342F}" dt="2022-11-01T07:49:47.284" v="56" actId="47"/>
-        <pc:sldMkLst>
-          <pc:docMk/>
-          <pc:sldMk cId="0" sldId="279"/>
-        </pc:sldMkLst>
-      </pc:sldChg>
-      <pc:sldChg chg="del">
-        <pc:chgData name="MIGUEL TRIGUEROS MUÑOZ" userId="93f31087-8566-4d16-a7a1-f20635823349" providerId="ADAL" clId="{2064191C-0C86-4C83-9439-2D0DFB2B342F}" dt="2022-11-01T07:49:48.768" v="57" actId="47"/>
-        <pc:sldMkLst>
-          <pc:docMk/>
-          <pc:sldMk cId="0" sldId="280"/>
-        </pc:sldMkLst>
-      </pc:sldChg>
-      <pc:sldChg chg="del">
-        <pc:chgData name="MIGUEL TRIGUEROS MUÑOZ" userId="93f31087-8566-4d16-a7a1-f20635823349" providerId="ADAL" clId="{2064191C-0C86-4C83-9439-2D0DFB2B342F}" dt="2022-11-01T07:49:49.488" v="58" actId="47"/>
-        <pc:sldMkLst>
-          <pc:docMk/>
-          <pc:sldMk cId="0" sldId="281"/>
-        </pc:sldMkLst>
-      </pc:sldChg>
-      <pc:sldChg chg="del">
-        <pc:chgData name="MIGUEL TRIGUEROS MUÑOZ" userId="93f31087-8566-4d16-a7a1-f20635823349" providerId="ADAL" clId="{2064191C-0C86-4C83-9439-2D0DFB2B342F}" dt="2022-11-01T07:49:50.286" v="59" actId="47"/>
-        <pc:sldMkLst>
-          <pc:docMk/>
-          <pc:sldMk cId="0" sldId="282"/>
-        </pc:sldMkLst>
-      </pc:sldChg>
-      <pc:sldChg chg="del">
-        <pc:chgData name="MIGUEL TRIGUEROS MUÑOZ" userId="93f31087-8566-4d16-a7a1-f20635823349" providerId="ADAL" clId="{2064191C-0C86-4C83-9439-2D0DFB2B342F}" dt="2022-11-01T07:49:51.144" v="60" actId="47"/>
-        <pc:sldMkLst>
-          <pc:docMk/>
-          <pc:sldMk cId="0" sldId="283"/>
-        </pc:sldMkLst>
-      </pc:sldChg>
-      <pc:sldChg chg="del">
-        <pc:chgData name="MIGUEL TRIGUEROS MUÑOZ" userId="93f31087-8566-4d16-a7a1-f20635823349" providerId="ADAL" clId="{2064191C-0C86-4C83-9439-2D0DFB2B342F}" dt="2022-11-01T07:49:51.847" v="61" actId="47"/>
-        <pc:sldMkLst>
-          <pc:docMk/>
-          <pc:sldMk cId="0" sldId="284"/>
-        </pc:sldMkLst>
-      </pc:sldChg>
-      <pc:sldChg chg="del">
-        <pc:chgData name="MIGUEL TRIGUEROS MUÑOZ" userId="93f31087-8566-4d16-a7a1-f20635823349" providerId="ADAL" clId="{2064191C-0C86-4C83-9439-2D0DFB2B342F}" dt="2022-11-01T07:49:52.648" v="62" actId="47"/>
-        <pc:sldMkLst>
-          <pc:docMk/>
-          <pc:sldMk cId="0" sldId="285"/>
-        </pc:sldMkLst>
-      </pc:sldChg>
-      <pc:sldChg chg="del">
-        <pc:chgData name="MIGUEL TRIGUEROS MUÑOZ" userId="93f31087-8566-4d16-a7a1-f20635823349" providerId="ADAL" clId="{2064191C-0C86-4C83-9439-2D0DFB2B342F}" dt="2022-11-01T07:49:53.348" v="63" actId="47"/>
-        <pc:sldMkLst>
-          <pc:docMk/>
-          <pc:sldMk cId="0" sldId="286"/>
-        </pc:sldMkLst>
-      </pc:sldChg>
-      <pc:sldChg chg="del">
-        <pc:chgData name="MIGUEL TRIGUEROS MUÑOZ" userId="93f31087-8566-4d16-a7a1-f20635823349" providerId="ADAL" clId="{2064191C-0C86-4C83-9439-2D0DFB2B342F}" dt="2022-11-01T07:49:54.052" v="64" actId="47"/>
-        <pc:sldMkLst>
-          <pc:docMk/>
-          <pc:sldMk cId="0" sldId="287"/>
-        </pc:sldMkLst>
-      </pc:sldChg>
-      <pc:sldChg chg="del">
-        <pc:chgData name="MIGUEL TRIGUEROS MUÑOZ" userId="93f31087-8566-4d16-a7a1-f20635823349" providerId="ADAL" clId="{2064191C-0C86-4C83-9439-2D0DFB2B342F}" dt="2022-11-01T07:49:54.692" v="65" actId="47"/>
-        <pc:sldMkLst>
-          <pc:docMk/>
-          <pc:sldMk cId="0" sldId="288"/>
-        </pc:sldMkLst>
-      </pc:sldChg>
-      <pc:sldChg chg="del">
-        <pc:chgData name="MIGUEL TRIGUEROS MUÑOZ" userId="93f31087-8566-4d16-a7a1-f20635823349" providerId="ADAL" clId="{2064191C-0C86-4C83-9439-2D0DFB2B342F}" dt="2022-11-01T07:49:55.381" v="66" actId="47"/>
-        <pc:sldMkLst>
-          <pc:docMk/>
-          <pc:sldMk cId="0" sldId="289"/>
-        </pc:sldMkLst>
-      </pc:sldChg>
-      <pc:sldChg chg="del">
-        <pc:chgData name="MIGUEL TRIGUEROS MUÑOZ" userId="93f31087-8566-4d16-a7a1-f20635823349" providerId="ADAL" clId="{2064191C-0C86-4C83-9439-2D0DFB2B342F}" dt="2022-11-01T07:49:56.021" v="67" actId="47"/>
-        <pc:sldMkLst>
-          <pc:docMk/>
-          <pc:sldMk cId="0" sldId="290"/>
-        </pc:sldMkLst>
-      </pc:sldChg>
-      <pc:sldChg chg="del">
-        <pc:chgData name="MIGUEL TRIGUEROS MUÑOZ" userId="93f31087-8566-4d16-a7a1-f20635823349" providerId="ADAL" clId="{2064191C-0C86-4C83-9439-2D0DFB2B342F}" dt="2022-11-01T07:49:56.677" v="68" actId="47"/>
-        <pc:sldMkLst>
-          <pc:docMk/>
-          <pc:sldMk cId="0" sldId="291"/>
-        </pc:sldMkLst>
-      </pc:sldChg>
-      <pc:sldChg chg="del">
-        <pc:chgData name="MIGUEL TRIGUEROS MUÑOZ" userId="93f31087-8566-4d16-a7a1-f20635823349" providerId="ADAL" clId="{2064191C-0C86-4C83-9439-2D0DFB2B342F}" dt="2022-11-01T07:49:57.241" v="69" actId="47"/>
-        <pc:sldMkLst>
-          <pc:docMk/>
-          <pc:sldMk cId="0" sldId="292"/>
-        </pc:sldMkLst>
-      </pc:sldChg>
-      <pc:sldChg chg="add del">
-        <pc:chgData name="MIGUEL TRIGUEROS MUÑOZ" userId="93f31087-8566-4d16-a7a1-f20635823349" providerId="ADAL" clId="{2064191C-0C86-4C83-9439-2D0DFB2B342F}" dt="2022-11-01T07:50:04.338" v="73" actId="47"/>
-        <pc:sldMkLst>
-          <pc:docMk/>
-          <pc:sldMk cId="0" sldId="293"/>
-        </pc:sldMkLst>
-      </pc:sldChg>
-      <pc:sldChg chg="modSp add del mod ord">
-        <pc:chgData name="MIGUEL TRIGUEROS MUÑOZ" userId="93f31087-8566-4d16-a7a1-f20635823349" providerId="ADAL" clId="{2064191C-0C86-4C83-9439-2D0DFB2B342F}" dt="2022-11-01T09:39:28.658" v="717" actId="47"/>
-        <pc:sldMkLst>
-          <pc:docMk/>
-          <pc:sldMk cId="1578358678" sldId="294"/>
-        </pc:sldMkLst>
-      </pc:sldChg>
-      <pc:sldChg chg="new del ord">
-        <pc:chgData name="MIGUEL TRIGUEROS MUÑOZ" userId="93f31087-8566-4d16-a7a1-f20635823349" providerId="ADAL" clId="{2064191C-0C86-4C83-9439-2D0DFB2B342F}" dt="2022-11-01T08:01:30.512" v="82" actId="47"/>
-        <pc:sldMkLst>
-          <pc:docMk/>
-          <pc:sldMk cId="1780616453" sldId="294"/>
-        </pc:sldMkLst>
-      </pc:sldChg>
-      <pc:sldChg chg="addSp delSp modSp new mod">
-        <pc:chgData name="MIGUEL TRIGUEROS MUÑOZ" userId="93f31087-8566-4d16-a7a1-f20635823349" providerId="ADAL" clId="{2064191C-0C86-4C83-9439-2D0DFB2B342F}" dt="2022-11-01T09:41:44.304" v="747" actId="20577"/>
-        <pc:sldMkLst>
-          <pc:docMk/>
-          <pc:sldMk cId="2182144064" sldId="295"/>
-        </pc:sldMkLst>
-      </pc:sldChg>
-      <pc:sldChg chg="addSp delSp modSp add mod ord">
-        <pc:chgData name="MIGUEL TRIGUEROS MUÑOZ" userId="93f31087-8566-4d16-a7a1-f20635823349" providerId="ADAL" clId="{2064191C-0C86-4C83-9439-2D0DFB2B342F}" dt="2022-11-01T09:58:41.033" v="981" actId="20577"/>
-        <pc:sldMkLst>
-          <pc:docMk/>
-          <pc:sldMk cId="3881213358" sldId="296"/>
-        </pc:sldMkLst>
-      </pc:sldChg>
-      <pc:sldChg chg="addSp modSp add mod">
-        <pc:chgData name="MIGUEL TRIGUEROS MUÑOZ" userId="93f31087-8566-4d16-a7a1-f20635823349" providerId="ADAL" clId="{2064191C-0C86-4C83-9439-2D0DFB2B342F}" dt="2022-11-01T09:52:11.509" v="817" actId="1076"/>
-        <pc:sldMkLst>
-          <pc:docMk/>
-          <pc:sldMk cId="651048111" sldId="297"/>
-        </pc:sldMkLst>
-      </pc:sldChg>
-      <pc:sldChg chg="add del">
-        <pc:chgData name="MIGUEL TRIGUEROS MUÑOZ" userId="93f31087-8566-4d16-a7a1-f20635823349" providerId="ADAL" clId="{2064191C-0C86-4C83-9439-2D0DFB2B342F}" dt="2022-11-01T09:43:01.789" v="780" actId="47"/>
-        <pc:sldMkLst>
-          <pc:docMk/>
-          <pc:sldMk cId="2028147615" sldId="297"/>
-        </pc:sldMkLst>
-      </pc:sldChg>
-      <pc:sldChg chg="addSp modSp add mod">
-        <pc:chgData name="MIGUEL TRIGUEROS MUÑOZ" userId="93f31087-8566-4d16-a7a1-f20635823349" providerId="ADAL" clId="{2064191C-0C86-4C83-9439-2D0DFB2B342F}" dt="2022-11-01T09:53:13.829" v="827" actId="20577"/>
-        <pc:sldMkLst>
-          <pc:docMk/>
-          <pc:sldMk cId="1285496475" sldId="298"/>
-        </pc:sldMkLst>
-      </pc:sldChg>
-      <pc:sldChg chg="addSp modSp add mod">
-        <pc:chgData name="MIGUEL TRIGUEROS MUÑOZ" userId="93f31087-8566-4d16-a7a1-f20635823349" providerId="ADAL" clId="{2064191C-0C86-4C83-9439-2D0DFB2B342F}" dt="2022-11-01T09:54:14.131" v="886" actId="255"/>
-        <pc:sldMkLst>
-          <pc:docMk/>
-          <pc:sldMk cId="975738591" sldId="299"/>
-        </pc:sldMkLst>
-      </pc:sldChg>
-      <pc:sldChg chg="addSp delSp modSp add mod">
-        <pc:chgData name="MIGUEL TRIGUEROS MUÑOZ" userId="93f31087-8566-4d16-a7a1-f20635823349" providerId="ADAL" clId="{2064191C-0C86-4C83-9439-2D0DFB2B342F}" dt="2022-11-01T10:07:40.189" v="1130" actId="113"/>
-        <pc:sldMkLst>
-          <pc:docMk/>
-          <pc:sldMk cId="1286011775" sldId="300"/>
-        </pc:sldMkLst>
-      </pc:sldChg>
-      <pc:sldChg chg="modSp add del mod">
-        <pc:chgData name="MIGUEL TRIGUEROS MUÑOZ" userId="93f31087-8566-4d16-a7a1-f20635823349" providerId="ADAL" clId="{2064191C-0C86-4C83-9439-2D0DFB2B342F}" dt="2022-11-01T10:00:07.119" v="1023" actId="2696"/>
-        <pc:sldMkLst>
-          <pc:docMk/>
-          <pc:sldMk cId="3355152371" sldId="301"/>
-        </pc:sldMkLst>
-      </pc:sldChg>
-      <pc:sldChg chg="addSp modSp add mod">
-        <pc:chgData name="MIGUEL TRIGUEROS MUÑOZ" userId="93f31087-8566-4d16-a7a1-f20635823349" providerId="ADAL" clId="{2064191C-0C86-4C83-9439-2D0DFB2B342F}" dt="2022-11-01T10:00:36.539" v="1026" actId="207"/>
-        <pc:sldMkLst>
-          <pc:docMk/>
-          <pc:sldMk cId="4280179594" sldId="301"/>
-        </pc:sldMkLst>
-      </pc:sldChg>
-      <pc:sldChg chg="addSp delSp modSp add mod">
-        <pc:chgData name="MIGUEL TRIGUEROS MUÑOZ" userId="93f31087-8566-4d16-a7a1-f20635823349" providerId="ADAL" clId="{2064191C-0C86-4C83-9439-2D0DFB2B342F}" dt="2022-11-01T10:04:46.154" v="1087" actId="20577"/>
-        <pc:sldMkLst>
-          <pc:docMk/>
-          <pc:sldMk cId="1662085430" sldId="302"/>
-        </pc:sldMkLst>
-      </pc:sldChg>
-      <pc:sldChg chg="delSp new mod">
-        <pc:chgData name="MIGUEL TRIGUEROS MUÑOZ" userId="93f31087-8566-4d16-a7a1-f20635823349" providerId="ADAL" clId="{2064191C-0C86-4C83-9439-2D0DFB2B342F}" dt="2022-11-01T10:03:15.569" v="1053" actId="21"/>
-        <pc:sldMkLst>
-          <pc:docMk/>
-          <pc:sldMk cId="40683663" sldId="303"/>
-        </pc:sldMkLst>
-      </pc:sldChg>
-      <pc:sldChg chg="addSp delSp modSp add mod">
-        <pc:chgData name="MIGUEL TRIGUEROS MUÑOZ" userId="93f31087-8566-4d16-a7a1-f20635823349" providerId="ADAL" clId="{2064191C-0C86-4C83-9439-2D0DFB2B342F}" dt="2022-11-01T10:09:39.021" v="1149" actId="1076"/>
-        <pc:sldMkLst>
-          <pc:docMk/>
-          <pc:sldMk cId="1878582030" sldId="304"/>
-        </pc:sldMkLst>
-      </pc:sldChg>
-      <pc:sldChg chg="addSp modSp add mod">
-        <pc:chgData name="MIGUEL TRIGUEROS MUÑOZ" userId="93f31087-8566-4d16-a7a1-f20635823349" providerId="ADAL" clId="{2064191C-0C86-4C83-9439-2D0DFB2B342F}" dt="2022-11-01T10:10:47.786" v="1159" actId="1076"/>
-        <pc:sldMkLst>
-          <pc:docMk/>
-          <pc:sldMk cId="524834107" sldId="305"/>
-        </pc:sldMkLst>
-      </pc:sldChg>
-      <pc:sldChg chg="add del">
-        <pc:chgData name="MIGUEL TRIGUEROS MUÑOZ" userId="93f31087-8566-4d16-a7a1-f20635823349" providerId="ADAL" clId="{2064191C-0C86-4C83-9439-2D0DFB2B342F}" dt="2022-11-01T10:07:54.175" v="1132" actId="47"/>
-        <pc:sldMkLst>
-          <pc:docMk/>
-          <pc:sldMk cId="1446723010" sldId="305"/>
-        </pc:sldMkLst>
-      </pc:sldChg>
-      <pc:sldChg chg="addSp modSp add mod">
-        <pc:chgData name="MIGUEL TRIGUEROS MUÑOZ" userId="93f31087-8566-4d16-a7a1-f20635823349" providerId="ADAL" clId="{2064191C-0C86-4C83-9439-2D0DFB2B342F}" dt="2022-11-01T10:13:16.102" v="1171" actId="14100"/>
-        <pc:sldMkLst>
-          <pc:docMk/>
-          <pc:sldMk cId="3007344242" sldId="306"/>
-        </pc:sldMkLst>
-      </pc:sldChg>
-      <pc:sldChg chg="addSp modSp add del mod">
-        <pc:chgData name="MIGUEL TRIGUEROS MUÑOZ" userId="93f31087-8566-4d16-a7a1-f20635823349" providerId="ADAL" clId="{2064191C-0C86-4C83-9439-2D0DFB2B342F}" dt="2022-11-01T10:33:17.644" v="1536" actId="47"/>
-        <pc:sldMkLst>
-          <pc:docMk/>
-          <pc:sldMk cId="2662598700" sldId="307"/>
-        </pc:sldMkLst>
-      </pc:sldChg>
-      <pc:sldChg chg="modSp add mod">
-        <pc:chgData name="MIGUEL TRIGUEROS MUÑOZ" userId="93f31087-8566-4d16-a7a1-f20635823349" providerId="ADAL" clId="{2064191C-0C86-4C83-9439-2D0DFB2B342F}" dt="2022-11-01T10:14:29.522" v="1194" actId="20577"/>
-        <pc:sldMkLst>
-          <pc:docMk/>
-          <pc:sldMk cId="1441313987" sldId="308"/>
-        </pc:sldMkLst>
-      </pc:sldChg>
-      <pc:sldChg chg="modSp add mod">
-        <pc:chgData name="MIGUEL TRIGUEROS MUÑOZ" userId="93f31087-8566-4d16-a7a1-f20635823349" providerId="ADAL" clId="{2064191C-0C86-4C83-9439-2D0DFB2B342F}" dt="2022-11-01T10:47:41.617" v="1748" actId="20577"/>
-        <pc:sldMkLst>
-          <pc:docMk/>
-          <pc:sldMk cId="1679762254" sldId="309"/>
-        </pc:sldMkLst>
-      </pc:sldChg>
-      <pc:sldChg chg="addSp modSp add mod">
-        <pc:chgData name="MIGUEL TRIGUEROS MUÑOZ" userId="93f31087-8566-4d16-a7a1-f20635823349" providerId="ADAL" clId="{2064191C-0C86-4C83-9439-2D0DFB2B342F}" dt="2022-11-01T10:47:56.254" v="1756" actId="20577"/>
-        <pc:sldMkLst>
-          <pc:docMk/>
-          <pc:sldMk cId="2242644199" sldId="310"/>
-        </pc:sldMkLst>
-      </pc:sldChg>
-      <pc:sldChg chg="addSp delSp modSp add mod">
-        <pc:chgData name="MIGUEL TRIGUEROS MUÑOZ" userId="93f31087-8566-4d16-a7a1-f20635823349" providerId="ADAL" clId="{2064191C-0C86-4C83-9439-2D0DFB2B342F}" dt="2022-11-01T10:47:20.532" v="1740" actId="255"/>
-        <pc:sldMkLst>
-          <pc:docMk/>
-          <pc:sldMk cId="1813723418" sldId="311"/>
-        </pc:sldMkLst>
-      </pc:sldChg>
-      <pc:sldChg chg="modSp add mod">
-        <pc:chgData name="MIGUEL TRIGUEROS MUÑOZ" userId="93f31087-8566-4d16-a7a1-f20635823349" providerId="ADAL" clId="{2064191C-0C86-4C83-9439-2D0DFB2B342F}" dt="2022-11-01T10:50:52.418" v="1780" actId="14100"/>
-        <pc:sldMkLst>
-          <pc:docMk/>
-          <pc:sldMk cId="2269836530" sldId="312"/>
-        </pc:sldMkLst>
-      </pc:sldChg>
-      <pc:sldChg chg="addSp delSp modSp add mod">
-        <pc:chgData name="MIGUEL TRIGUEROS MUÑOZ" userId="93f31087-8566-4d16-a7a1-f20635823349" providerId="ADAL" clId="{2064191C-0C86-4C83-9439-2D0DFB2B342F}" dt="2022-11-01T10:53:29.091" v="1800" actId="1035"/>
-        <pc:sldMkLst>
-          <pc:docMk/>
-          <pc:sldMk cId="1814859966" sldId="313"/>
-        </pc:sldMkLst>
-      </pc:sldChg>
-    </pc:docChg>
-  </pc:docChgLst>
-  <pc:docChgLst>
-    <pc:chgData name="MIGUEL TRIGUEROS MUÑOZ" userId="S::miguel.trigueros@aulaxxi.murciaeduca.es::a4ee0321-97d7-430f-98a8-7ed13ff9a4bf" providerId="AD" clId="Web-{14E18D3B-83CD-B621-F1D2-38A67C2FDD62}"/>
-    <pc:docChg chg="modSld">
-      <pc:chgData name="MIGUEL TRIGUEROS MUÑOZ" userId="S::miguel.trigueros@aulaxxi.murciaeduca.es::a4ee0321-97d7-430f-98a8-7ed13ff9a4bf" providerId="AD" clId="Web-{14E18D3B-83CD-B621-F1D2-38A67C2FDD62}" dt="2024-10-24T10:05:05.067" v="7" actId="20577"/>
-      <pc:docMkLst>
-        <pc:docMk/>
-      </pc:docMkLst>
-      <pc:sldChg chg="modSp">
-        <pc:chgData name="MIGUEL TRIGUEROS MUÑOZ" userId="S::miguel.trigueros@aulaxxi.murciaeduca.es::a4ee0321-97d7-430f-98a8-7ed13ff9a4bf" providerId="AD" clId="Web-{14E18D3B-83CD-B621-F1D2-38A67C2FDD62}" dt="2024-10-24T10:05:05.067" v="7" actId="20577"/>
-        <pc:sldMkLst>
-          <pc:docMk/>
-          <pc:sldMk cId="2242644199" sldId="310"/>
-        </pc:sldMkLst>
       </pc:sldChg>
     </pc:docChg>
   </pc:docChgLst>
@@ -3373,7 +384,7 @@
           <a:p>
             <a:fld id="{BA89FAE3-5837-4C1B-BC4B-90063F16532C}" type="datetimeFigureOut">
               <a:rPr lang="es-ES" smtClean="0"/>
-              <a:t>08/07/2025</a:t>
+              <a:t>01/11/2025</a:t>
             </a:fld>
             <a:endParaRPr lang="es-ES"/>
           </a:p>
@@ -3550,7 +561,7 @@
           <a:p>
             <a:fld id="{8EB2F5B8-9C38-4C2F-A3DB-B7BB22627150}" type="datetimeFigureOut">
               <a:rPr lang="es-ES" smtClean="0"/>
-              <a:t>08/07/2025</a:t>
+              <a:t>01/11/2025</a:t>
             </a:fld>
             <a:endParaRPr lang="es-ES"/>
           </a:p>
@@ -4715,6 +1726,100 @@
     <p:extLst>
       <p:ext uri="{BB962C8B-B14F-4D97-AF65-F5344CB8AC3E}">
         <p14:creationId xmlns:p14="http://schemas.microsoft.com/office/powerpoint/2010/main" val="3106275306"/>
+      </p:ext>
+    </p:extLst>
+  </p:cSld>
+  <p:clrMapOvr>
+    <a:masterClrMapping/>
+  </p:clrMapOvr>
+</p:notes>
+</file>
+
+<file path=ppt/notesSlides/notesSlide9.xml><?xml version="1.0" encoding="utf-8"?>
+<p:notes xmlns:a="http://schemas.openxmlformats.org/drawingml/2006/main" xmlns:r="http://schemas.openxmlformats.org/officeDocument/2006/relationships" xmlns:p="http://schemas.openxmlformats.org/presentationml/2006/main">
+  <p:cSld>
+    <p:spTree>
+      <p:nvGrpSpPr>
+        <p:cNvPr id="1" name=""/>
+        <p:cNvGrpSpPr/>
+        <p:nvPr/>
+      </p:nvGrpSpPr>
+      <p:grpSpPr>
+        <a:xfrm>
+          <a:off x="0" y="0"/>
+          <a:ext cx="0" cy="0"/>
+          <a:chOff x="0" y="0"/>
+          <a:chExt cx="0" cy="0"/>
+        </a:xfrm>
+      </p:grpSpPr>
+      <p:sp>
+        <p:nvSpPr>
+          <p:cNvPr id="2" name="Marcador de imagen de diapositiva 1"/>
+          <p:cNvSpPr>
+            <a:spLocks noGrp="1" noRot="1" noChangeAspect="1"/>
+          </p:cNvSpPr>
+          <p:nvPr>
+            <p:ph type="sldImg"/>
+          </p:nvPr>
+        </p:nvSpPr>
+        <p:spPr/>
+      </p:sp>
+      <p:sp>
+        <p:nvSpPr>
+          <p:cNvPr id="3" name="Marcador de notas 2"/>
+          <p:cNvSpPr>
+            <a:spLocks noGrp="1"/>
+          </p:cNvSpPr>
+          <p:nvPr>
+            <p:ph type="body" idx="1"/>
+          </p:nvPr>
+        </p:nvSpPr>
+        <p:spPr/>
+        <p:txBody>
+          <a:bodyPr/>
+          <a:lstStyle/>
+          <a:p>
+            <a:r>
+              <a:rPr lang="en-US" dirty="0">
+                <a:hlinkClick r:id="rId3"/>
+              </a:rPr>
+              <a:t>https://www.microsiervos.com/archivo/gadgets/replica-citizen-watch-multi-alarm-iii-diagrama-de-estados.html</a:t>
+            </a:r>
+            <a:r>
+              <a:rPr lang="en-US" dirty="0"/>
+              <a:t> </a:t>
+            </a:r>
+            <a:endParaRPr lang="es-ES" dirty="0"/>
+          </a:p>
+        </p:txBody>
+      </p:sp>
+      <p:sp>
+        <p:nvSpPr>
+          <p:cNvPr id="4" name="Marcador de número de diapositiva 3"/>
+          <p:cNvSpPr>
+            <a:spLocks noGrp="1"/>
+          </p:cNvSpPr>
+          <p:nvPr>
+            <p:ph type="sldNum" sz="quarter" idx="5"/>
+          </p:nvPr>
+        </p:nvSpPr>
+        <p:spPr/>
+        <p:txBody>
+          <a:bodyPr/>
+          <a:lstStyle/>
+          <a:p>
+            <a:fld id="{28601F93-ECE8-401E-83DB-A934B2073DDB}" type="slidenum">
+              <a:rPr lang="es-ES" smtClean="0"/>
+              <a:t>22</a:t>
+            </a:fld>
+            <a:endParaRPr lang="es-ES"/>
+          </a:p>
+        </p:txBody>
+      </p:sp>
+    </p:spTree>
+    <p:extLst>
+      <p:ext uri="{BB962C8B-B14F-4D97-AF65-F5344CB8AC3E}">
+        <p14:creationId xmlns:p14="http://schemas.microsoft.com/office/powerpoint/2010/main" val="488233295"/>
       </p:ext>
     </p:extLst>
   </p:cSld>
@@ -6696,7 +3801,7 @@
           <a:p>
             <a:fld id="{4573F839-80E0-456A-B4D0-BAFED41946AC}" type="datetime1">
               <a:rPr lang="en-US" smtClean="0"/>
-              <a:t>7/8/2025</a:t>
+              <a:t>11/1/2025</a:t>
             </a:fld>
             <a:endParaRPr lang="en-US"/>
           </a:p>
@@ -6874,7 +3979,7 @@
           <a:p>
             <a:fld id="{51593C50-AD2B-485A-B3A1-D50376802F8F}" type="datetime1">
               <a:rPr lang="en-US" smtClean="0"/>
-              <a:t>7/8/2025</a:t>
+              <a:t>11/1/2025</a:t>
             </a:fld>
             <a:endParaRPr lang="en-US"/>
           </a:p>
@@ -11238,6 +8343,210 @@
   <p:cSld>
     <p:spTree>
       <p:nvGrpSpPr>
+        <p:cNvPr id="1" name=""/>
+        <p:cNvGrpSpPr/>
+        <p:nvPr/>
+      </p:nvGrpSpPr>
+      <p:grpSpPr>
+        <a:xfrm>
+          <a:off x="0" y="0"/>
+          <a:ext cx="0" cy="0"/>
+          <a:chOff x="0" y="0"/>
+          <a:chExt cx="0" cy="0"/>
+        </a:xfrm>
+      </p:grpSpPr>
+      <p:sp>
+        <p:nvSpPr>
+          <p:cNvPr id="3" name="Marcador de número de diapositiva 2">
+            <a:extLst>
+              <a:ext uri="{FF2B5EF4-FFF2-40B4-BE49-F238E27FC236}">
+                <a16:creationId xmlns:a16="http://schemas.microsoft.com/office/drawing/2014/main" id="{761A08A9-F06D-6F73-C983-B2A43E609F02}"/>
+              </a:ext>
+            </a:extLst>
+          </p:cNvPr>
+          <p:cNvSpPr>
+            <a:spLocks noGrp="1"/>
+          </p:cNvSpPr>
+          <p:nvPr>
+            <p:ph type="sldNum" sz="quarter" idx="12"/>
+          </p:nvPr>
+        </p:nvSpPr>
+        <p:spPr/>
+        <p:txBody>
+          <a:bodyPr/>
+          <a:lstStyle/>
+          <a:p>
+            <a:fld id="{80F073CC-40D5-4B23-8DF0-9BD0A0C12F2C}" type="slidenum">
+              <a:rPr lang="en-US" smtClean="0"/>
+              <a:t>21</a:t>
+            </a:fld>
+            <a:endParaRPr lang="en-US"/>
+          </a:p>
+        </p:txBody>
+      </p:sp>
+      <p:sp>
+        <p:nvSpPr>
+          <p:cNvPr id="5" name="Marcador de texto 2">
+            <a:extLst>
+              <a:ext uri="{FF2B5EF4-FFF2-40B4-BE49-F238E27FC236}">
+                <a16:creationId xmlns:a16="http://schemas.microsoft.com/office/drawing/2014/main" id="{2E672CE3-414F-1E3C-9928-F4B6B7568735}"/>
+              </a:ext>
+            </a:extLst>
+          </p:cNvPr>
+          <p:cNvSpPr>
+            <a:spLocks noGrp="1"/>
+          </p:cNvSpPr>
+          <p:nvPr>
+            <p:ph type="body" sz="quarter" idx="14"/>
+          </p:nvPr>
+        </p:nvSpPr>
+        <p:spPr/>
+        <p:txBody>
+          <a:bodyPr/>
+          <a:lstStyle/>
+          <a:p>
+            <a:r>
+              <a:rPr lang="es-ES" dirty="0"/>
+              <a:t>Diagramas de casos de uso </a:t>
+            </a:r>
+            <a:r>
+              <a:rPr lang="es-ES" dirty="0">
+                <a:hlinkClick r:id="rId2"/>
+              </a:rPr>
+              <a:t>UPV</a:t>
+            </a:r>
+            <a:endParaRPr lang="es-ES" dirty="0"/>
+          </a:p>
+          <a:p>
+            <a:r>
+              <a:rPr lang="es-ES" dirty="0"/>
+              <a:t>UML Lucid </a:t>
+            </a:r>
+            <a:r>
+              <a:rPr lang="es-ES" dirty="0">
+                <a:hlinkClick r:id="rId3"/>
+              </a:rPr>
+              <a:t>Software</a:t>
+            </a:r>
+            <a:r>
+              <a:rPr lang="es-ES" dirty="0"/>
+              <a:t> explica inclusión y extensión</a:t>
+            </a:r>
+          </a:p>
+          <a:p>
+            <a:r>
+              <a:rPr lang="es-ES" dirty="0"/>
+              <a:t>Diagramas de secuencia </a:t>
+            </a:r>
+            <a:r>
+              <a:rPr lang="es-ES" dirty="0">
+                <a:hlinkClick r:id="rId4"/>
+              </a:rPr>
+              <a:t>Escobar</a:t>
+            </a:r>
+            <a:endParaRPr lang="es-ES" dirty="0"/>
+          </a:p>
+          <a:p>
+            <a:r>
+              <a:rPr lang="es-ES" dirty="0">
+                <a:hlinkClick r:id="rId5"/>
+              </a:rPr>
+              <a:t>Apuntes</a:t>
+            </a:r>
+            <a:r>
+              <a:rPr lang="es-ES" dirty="0"/>
+              <a:t> de Luis del Moral</a:t>
+            </a:r>
+          </a:p>
+          <a:p>
+            <a:r>
+              <a:rPr lang="es-ES" dirty="0"/>
+              <a:t>Herramienta </a:t>
+            </a:r>
+            <a:r>
+              <a:rPr lang="es-ES" dirty="0">
+                <a:hlinkClick r:id="rId6"/>
+              </a:rPr>
+              <a:t>Draw.io</a:t>
+            </a:r>
+            <a:endParaRPr lang="es-ES" dirty="0"/>
+          </a:p>
+          <a:p>
+            <a:r>
+              <a:rPr lang="es-ES" dirty="0"/>
+              <a:t>Herramienta </a:t>
+            </a:r>
+            <a:r>
+              <a:rPr lang="es-ES" dirty="0">
+                <a:hlinkClick r:id="rId7"/>
+              </a:rPr>
+              <a:t>sequencediagram.org</a:t>
+            </a:r>
+            <a:r>
+              <a:rPr lang="es-ES" dirty="0"/>
+              <a:t> </a:t>
+            </a:r>
+          </a:p>
+        </p:txBody>
+      </p:sp>
+      <p:sp>
+        <p:nvSpPr>
+          <p:cNvPr id="2" name="Título 1">
+            <a:extLst>
+              <a:ext uri="{FF2B5EF4-FFF2-40B4-BE49-F238E27FC236}">
+                <a16:creationId xmlns:a16="http://schemas.microsoft.com/office/drawing/2014/main" id="{3EA543D3-C58C-1AE7-0D94-9F33892E7FF5}"/>
+              </a:ext>
+            </a:extLst>
+          </p:cNvPr>
+          <p:cNvSpPr>
+            <a:spLocks noGrp="1"/>
+          </p:cNvSpPr>
+          <p:nvPr>
+            <p:ph type="title"/>
+          </p:nvPr>
+        </p:nvSpPr>
+        <p:spPr/>
+        <p:txBody>
+          <a:bodyPr/>
+          <a:lstStyle/>
+          <a:p>
+            <a:pPr marL="0" indent="0">
+              <a:buFont typeface="+mj-lt"/>
+              <a:buNone/>
+            </a:pPr>
+            <a:r>
+              <a:rPr lang="es-ES" dirty="0"/>
+              <a:t>9.</a:t>
+            </a:r>
+            <a:r>
+              <a:rPr lang="es-ES" baseline="0" dirty="0"/>
+              <a:t> </a:t>
+            </a:r>
+            <a:r>
+              <a:rPr lang="es-ES" dirty="0"/>
+              <a:t>Bibliografía y recursos</a:t>
+            </a:r>
+          </a:p>
+        </p:txBody>
+      </p:sp>
+    </p:spTree>
+    <p:extLst>
+      <p:ext uri="{BB962C8B-B14F-4D97-AF65-F5344CB8AC3E}">
+        <p14:creationId xmlns:p14="http://schemas.microsoft.com/office/powerpoint/2010/main" val="1662085430"/>
+      </p:ext>
+    </p:extLst>
+  </p:cSld>
+  <p:clrMapOvr>
+    <a:masterClrMapping/>
+  </p:clrMapOvr>
+</p:sld>
+</file>
+
+<file path=ppt/slides/slide22.xml><?xml version="1.0" encoding="utf-8"?>
+<p:sld xmlns:a="http://schemas.openxmlformats.org/drawingml/2006/main" xmlns:r="http://schemas.openxmlformats.org/officeDocument/2006/relationships" xmlns:p="http://schemas.openxmlformats.org/presentationml/2006/main">
+  <p:cSld>
+    <p:spTree>
+      <p:nvGrpSpPr>
         <p:cNvPr id="1" name="">
           <a:extLst>
             <a:ext uri="{FF2B5EF4-FFF2-40B4-BE49-F238E27FC236}">
@@ -11280,7 +8589,7 @@
             <a:fld id="{B6F15528-21DE-4FAA-801E-634DDDAF4B2B}" type="slidenum">
               <a:rPr lang="es-ES" smtClean="0"/>
               <a:pPr/>
-              <a:t>21</a:t>
+              <a:t>22</a:t>
             </a:fld>
             <a:endParaRPr lang="es-ES"/>
           </a:p>
@@ -11304,7 +8613,9 @@
         </p:nvSpPr>
         <p:spPr/>
         <p:txBody>
-          <a:bodyPr/>
+          <a:bodyPr vert="horz" lIns="91440" tIns="45720" rIns="91440" bIns="45720" rtlCol="0" anchor="t">
+            <a:normAutofit/>
+          </a:bodyPr>
           <a:lstStyle/>
           <a:p>
             <a:r>
@@ -11316,7 +8627,7 @@
             <a:pPr lvl="1"/>
             <a:r>
               <a:rPr lang="es-ES" dirty="0"/>
-              <a:t>Enunciado completo en el repositorio</a:t>
+              <a:t>Enunciado</a:t>
             </a:r>
           </a:p>
           <a:p>
@@ -11358,6 +8669,39 @@
               <a:t>pdf</a:t>
             </a:r>
             <a:endParaRPr lang="es-ES" dirty="0"/>
+          </a:p>
+          <a:p>
+            <a:pPr lvl="1"/>
+            <a:r>
+              <a:rPr lang="es-ES" dirty="0">
+                <a:solidFill>
+                  <a:schemeClr val="bg1">
+                    <a:lumMod val="65000"/>
+                  </a:schemeClr>
+                </a:solidFill>
+              </a:rPr>
+              <a:t>(ejemplo en notas: </a:t>
+            </a:r>
+            <a:r>
+              <a:rPr lang="es-ES" err="1">
+                <a:solidFill>
+                  <a:schemeClr val="bg1">
+                    <a:lumMod val="65000"/>
+                  </a:schemeClr>
+                </a:solidFill>
+              </a:rPr>
+              <a:t>microsiervos</a:t>
+            </a:r>
+            <a:r>
+              <a:rPr lang="es-ES" dirty="0">
+                <a:solidFill>
+                  <a:schemeClr val="bg1">
+                    <a:lumMod val="65000"/>
+                  </a:schemeClr>
+                </a:solidFill>
+              </a:rPr>
+              <a:t>)</a:t>
+            </a:r>
           </a:p>
           <a:p>
             <a:endParaRPr lang="es-ES" dirty="0"/>
@@ -11387,7 +8731,7 @@
           <a:p>
             <a:r>
               <a:rPr lang="es-ES" dirty="0"/>
-              <a:t>9. TAREA ED60403 </a:t>
+              <a:t>9. TAREA ED60403# </a:t>
             </a:r>
           </a:p>
         </p:txBody>
@@ -11396,210 +8740,6 @@
     <p:extLst>
       <p:ext uri="{BB962C8B-B14F-4D97-AF65-F5344CB8AC3E}">
         <p14:creationId xmlns:p14="http://schemas.microsoft.com/office/powerpoint/2010/main" val="2292523160"/>
-      </p:ext>
-    </p:extLst>
-  </p:cSld>
-  <p:clrMapOvr>
-    <a:masterClrMapping/>
-  </p:clrMapOvr>
-</p:sld>
-</file>
-
-<file path=ppt/slides/slide22.xml><?xml version="1.0" encoding="utf-8"?>
-<p:sld xmlns:a="http://schemas.openxmlformats.org/drawingml/2006/main" xmlns:r="http://schemas.openxmlformats.org/officeDocument/2006/relationships" xmlns:p="http://schemas.openxmlformats.org/presentationml/2006/main">
-  <p:cSld>
-    <p:spTree>
-      <p:nvGrpSpPr>
-        <p:cNvPr id="1" name=""/>
-        <p:cNvGrpSpPr/>
-        <p:nvPr/>
-      </p:nvGrpSpPr>
-      <p:grpSpPr>
-        <a:xfrm>
-          <a:off x="0" y="0"/>
-          <a:ext cx="0" cy="0"/>
-          <a:chOff x="0" y="0"/>
-          <a:chExt cx="0" cy="0"/>
-        </a:xfrm>
-      </p:grpSpPr>
-      <p:sp>
-        <p:nvSpPr>
-          <p:cNvPr id="3" name="Marcador de número de diapositiva 2">
-            <a:extLst>
-              <a:ext uri="{FF2B5EF4-FFF2-40B4-BE49-F238E27FC236}">
-                <a16:creationId xmlns:a16="http://schemas.microsoft.com/office/drawing/2014/main" id="{761A08A9-F06D-6F73-C983-B2A43E609F02}"/>
-              </a:ext>
-            </a:extLst>
-          </p:cNvPr>
-          <p:cNvSpPr>
-            <a:spLocks noGrp="1"/>
-          </p:cNvSpPr>
-          <p:nvPr>
-            <p:ph type="sldNum" sz="quarter" idx="12"/>
-          </p:nvPr>
-        </p:nvSpPr>
-        <p:spPr/>
-        <p:txBody>
-          <a:bodyPr/>
-          <a:lstStyle/>
-          <a:p>
-            <a:fld id="{80F073CC-40D5-4B23-8DF0-9BD0A0C12F2C}" type="slidenum">
-              <a:rPr lang="en-US" smtClean="0"/>
-              <a:t>22</a:t>
-            </a:fld>
-            <a:endParaRPr lang="en-US"/>
-          </a:p>
-        </p:txBody>
-      </p:sp>
-      <p:sp>
-        <p:nvSpPr>
-          <p:cNvPr id="5" name="Marcador de texto 2">
-            <a:extLst>
-              <a:ext uri="{FF2B5EF4-FFF2-40B4-BE49-F238E27FC236}">
-                <a16:creationId xmlns:a16="http://schemas.microsoft.com/office/drawing/2014/main" id="{2E672CE3-414F-1E3C-9928-F4B6B7568735}"/>
-              </a:ext>
-            </a:extLst>
-          </p:cNvPr>
-          <p:cNvSpPr>
-            <a:spLocks noGrp="1"/>
-          </p:cNvSpPr>
-          <p:nvPr>
-            <p:ph type="body" sz="quarter" idx="14"/>
-          </p:nvPr>
-        </p:nvSpPr>
-        <p:spPr/>
-        <p:txBody>
-          <a:bodyPr/>
-          <a:lstStyle/>
-          <a:p>
-            <a:r>
-              <a:rPr lang="es-ES" dirty="0"/>
-              <a:t>Diagramas de casos de uso </a:t>
-            </a:r>
-            <a:r>
-              <a:rPr lang="es-ES" dirty="0">
-                <a:hlinkClick r:id="rId2"/>
-              </a:rPr>
-              <a:t>UPV</a:t>
-            </a:r>
-            <a:endParaRPr lang="es-ES" dirty="0"/>
-          </a:p>
-          <a:p>
-            <a:r>
-              <a:rPr lang="es-ES" dirty="0"/>
-              <a:t>UML Lucid </a:t>
-            </a:r>
-            <a:r>
-              <a:rPr lang="es-ES" dirty="0">
-                <a:hlinkClick r:id="rId3"/>
-              </a:rPr>
-              <a:t>Software</a:t>
-            </a:r>
-            <a:r>
-              <a:rPr lang="es-ES" dirty="0"/>
-              <a:t> explica inclusión y extensión</a:t>
-            </a:r>
-          </a:p>
-          <a:p>
-            <a:r>
-              <a:rPr lang="es-ES" dirty="0"/>
-              <a:t>Diagramas de secuencia </a:t>
-            </a:r>
-            <a:r>
-              <a:rPr lang="es-ES" dirty="0">
-                <a:hlinkClick r:id="rId4"/>
-              </a:rPr>
-              <a:t>Escobar</a:t>
-            </a:r>
-            <a:endParaRPr lang="es-ES" dirty="0"/>
-          </a:p>
-          <a:p>
-            <a:r>
-              <a:rPr lang="es-ES" dirty="0">
-                <a:hlinkClick r:id="rId5"/>
-              </a:rPr>
-              <a:t>Apuntes</a:t>
-            </a:r>
-            <a:r>
-              <a:rPr lang="es-ES" dirty="0"/>
-              <a:t> de Luis del Moral</a:t>
-            </a:r>
-          </a:p>
-          <a:p>
-            <a:r>
-              <a:rPr lang="es-ES" dirty="0"/>
-              <a:t>Herramienta </a:t>
-            </a:r>
-            <a:r>
-              <a:rPr lang="es-ES" dirty="0">
-                <a:hlinkClick r:id="rId6"/>
-              </a:rPr>
-              <a:t>Draw.io</a:t>
-            </a:r>
-            <a:endParaRPr lang="es-ES" dirty="0"/>
-          </a:p>
-          <a:p>
-            <a:r>
-              <a:rPr lang="es-ES" dirty="0"/>
-              <a:t>Herramienta </a:t>
-            </a:r>
-            <a:r>
-              <a:rPr lang="es-ES" dirty="0">
-                <a:hlinkClick r:id="rId7"/>
-              </a:rPr>
-              <a:t>sequencediagram.org</a:t>
-            </a:r>
-            <a:r>
-              <a:rPr lang="es-ES" dirty="0"/>
-              <a:t> </a:t>
-            </a:r>
-          </a:p>
-        </p:txBody>
-      </p:sp>
-      <p:sp>
-        <p:nvSpPr>
-          <p:cNvPr id="2" name="Título 1">
-            <a:extLst>
-              <a:ext uri="{FF2B5EF4-FFF2-40B4-BE49-F238E27FC236}">
-                <a16:creationId xmlns:a16="http://schemas.microsoft.com/office/drawing/2014/main" id="{3EA543D3-C58C-1AE7-0D94-9F33892E7FF5}"/>
-              </a:ext>
-            </a:extLst>
-          </p:cNvPr>
-          <p:cNvSpPr>
-            <a:spLocks noGrp="1"/>
-          </p:cNvSpPr>
-          <p:nvPr>
-            <p:ph type="title"/>
-          </p:nvPr>
-        </p:nvSpPr>
-        <p:spPr/>
-        <p:txBody>
-          <a:bodyPr/>
-          <a:lstStyle/>
-          <a:p>
-            <a:pPr marL="0" indent="0">
-              <a:buFont typeface="+mj-lt"/>
-              <a:buNone/>
-            </a:pPr>
-            <a:r>
-              <a:rPr lang="es-ES" dirty="0"/>
-              <a:t>9.</a:t>
-            </a:r>
-            <a:r>
-              <a:rPr lang="es-ES" baseline="0" dirty="0"/>
-              <a:t> </a:t>
-            </a:r>
-            <a:r>
-              <a:rPr lang="es-ES" dirty="0"/>
-              <a:t>Bibliografía y recursos</a:t>
-            </a:r>
-          </a:p>
-        </p:txBody>
-      </p:sp>
-    </p:spTree>
-    <p:extLst>
-      <p:ext uri="{BB962C8B-B14F-4D97-AF65-F5344CB8AC3E}">
-        <p14:creationId xmlns:p14="http://schemas.microsoft.com/office/powerpoint/2010/main" val="1662085430"/>
       </p:ext>
     </p:extLst>
   </p:cSld>
